--- a/Documents/PreDecoder.pptx
+++ b/Documents/PreDecoder.pptx
@@ -6,17 +6,27 @@
   </p:sldMasterIdLst>
   <p:sldIdLst>
     <p:sldId id="256" r:id="rId2"/>
-    <p:sldId id="257" r:id="rId3"/>
-    <p:sldId id="258" r:id="rId4"/>
-    <p:sldId id="260" r:id="rId5"/>
-    <p:sldId id="261" r:id="rId6"/>
-    <p:sldId id="265" r:id="rId7"/>
-    <p:sldId id="262" r:id="rId8"/>
-    <p:sldId id="264" r:id="rId9"/>
-    <p:sldId id="263" r:id="rId10"/>
-    <p:sldId id="266" r:id="rId11"/>
-    <p:sldId id="267" r:id="rId12"/>
-    <p:sldId id="268" r:id="rId13"/>
+    <p:sldId id="273" r:id="rId3"/>
+    <p:sldId id="257" r:id="rId4"/>
+    <p:sldId id="258" r:id="rId5"/>
+    <p:sldId id="260" r:id="rId6"/>
+    <p:sldId id="261" r:id="rId7"/>
+    <p:sldId id="265" r:id="rId8"/>
+    <p:sldId id="269" r:id="rId9"/>
+    <p:sldId id="270" r:id="rId10"/>
+    <p:sldId id="272" r:id="rId11"/>
+    <p:sldId id="262" r:id="rId12"/>
+    <p:sldId id="271" r:id="rId13"/>
+    <p:sldId id="274" r:id="rId14"/>
+    <p:sldId id="264" r:id="rId15"/>
+    <p:sldId id="276" r:id="rId16"/>
+    <p:sldId id="275" r:id="rId17"/>
+    <p:sldId id="277" r:id="rId18"/>
+    <p:sldId id="263" r:id="rId19"/>
+    <p:sldId id="266" r:id="rId20"/>
+    <p:sldId id="267" r:id="rId21"/>
+    <p:sldId id="268" r:id="rId22"/>
+    <p:sldId id="278" r:id="rId23"/>
   </p:sldIdLst>
   <p:sldSz cx="9144000" cy="6858000" type="screen4x3"/>
   <p:notesSz cx="6858000" cy="9144000"/>
@@ -115,6 +125,22 @@
       </a:defRPr>
     </a:lvl9pPr>
   </p:defaultTextStyle>
+  <p:extLst>
+    <p:ext uri="{EFAFB233-063F-42B5-8137-9DF3F51BA10A}">
+      <p15:sldGuideLst xmlns:p15="http://schemas.microsoft.com/office/powerpoint/2012/main">
+        <p15:guide id="1" orient="horz" pos="2160">
+          <p15:clr>
+            <a:srgbClr val="A4A3A4"/>
+          </p15:clr>
+        </p15:guide>
+        <p15:guide id="2" pos="2880">
+          <p15:clr>
+            <a:srgbClr val="A4A3A4"/>
+          </p15:clr>
+        </p15:guide>
+      </p15:sldGuideLst>
+    </p:ext>
+  </p:extLst>
 </p:presentation>
 </file>
 
@@ -299,7 +325,7 @@
           <a:p>
             <a:fld id="{530820CF-B880-4189-942D-D702A7CBA730}" type="datetimeFigureOut">
               <a:rPr lang="zh-CN" altLang="en-US" smtClean="0"/>
-              <a:t>2022/11/13</a:t>
+              <a:t>2022/11/14</a:t>
             </a:fld>
             <a:endParaRPr lang="zh-CN" altLang="en-US"/>
           </a:p>
@@ -464,7 +490,7 @@
           <a:p>
             <a:fld id="{530820CF-B880-4189-942D-D702A7CBA730}" type="datetimeFigureOut">
               <a:rPr lang="zh-CN" altLang="en-US" smtClean="0"/>
-              <a:t>2022/11/13</a:t>
+              <a:t>2022/11/14</a:t>
             </a:fld>
             <a:endParaRPr lang="zh-CN" altLang="en-US"/>
           </a:p>
@@ -639,7 +665,7 @@
           <a:p>
             <a:fld id="{530820CF-B880-4189-942D-D702A7CBA730}" type="datetimeFigureOut">
               <a:rPr lang="zh-CN" altLang="en-US" smtClean="0"/>
-              <a:t>2022/11/13</a:t>
+              <a:t>2022/11/14</a:t>
             </a:fld>
             <a:endParaRPr lang="zh-CN" altLang="en-US"/>
           </a:p>
@@ -804,7 +830,7 @@
           <a:p>
             <a:fld id="{530820CF-B880-4189-942D-D702A7CBA730}" type="datetimeFigureOut">
               <a:rPr lang="zh-CN" altLang="en-US" smtClean="0"/>
-              <a:t>2022/11/13</a:t>
+              <a:t>2022/11/14</a:t>
             </a:fld>
             <a:endParaRPr lang="zh-CN" altLang="en-US"/>
           </a:p>
@@ -1045,7 +1071,7 @@
           <a:p>
             <a:fld id="{530820CF-B880-4189-942D-D702A7CBA730}" type="datetimeFigureOut">
               <a:rPr lang="zh-CN" altLang="en-US" smtClean="0"/>
-              <a:t>2022/11/13</a:t>
+              <a:t>2022/11/14</a:t>
             </a:fld>
             <a:endParaRPr lang="zh-CN" altLang="en-US"/>
           </a:p>
@@ -1328,7 +1354,7 @@
           <a:p>
             <a:fld id="{530820CF-B880-4189-942D-D702A7CBA730}" type="datetimeFigureOut">
               <a:rPr lang="zh-CN" altLang="en-US" smtClean="0"/>
-              <a:t>2022/11/13</a:t>
+              <a:t>2022/11/14</a:t>
             </a:fld>
             <a:endParaRPr lang="zh-CN" altLang="en-US"/>
           </a:p>
@@ -1745,7 +1771,7 @@
           <a:p>
             <a:fld id="{530820CF-B880-4189-942D-D702A7CBA730}" type="datetimeFigureOut">
               <a:rPr lang="zh-CN" altLang="en-US" smtClean="0"/>
-              <a:t>2022/11/13</a:t>
+              <a:t>2022/11/14</a:t>
             </a:fld>
             <a:endParaRPr lang="zh-CN" altLang="en-US"/>
           </a:p>
@@ -1858,7 +1884,7 @@
           <a:p>
             <a:fld id="{530820CF-B880-4189-942D-D702A7CBA730}" type="datetimeFigureOut">
               <a:rPr lang="zh-CN" altLang="en-US" smtClean="0"/>
-              <a:t>2022/11/13</a:t>
+              <a:t>2022/11/14</a:t>
             </a:fld>
             <a:endParaRPr lang="zh-CN" altLang="en-US"/>
           </a:p>
@@ -1948,7 +1974,7 @@
           <a:p>
             <a:fld id="{530820CF-B880-4189-942D-D702A7CBA730}" type="datetimeFigureOut">
               <a:rPr lang="zh-CN" altLang="en-US" smtClean="0"/>
-              <a:t>2022/11/13</a:t>
+              <a:t>2022/11/14</a:t>
             </a:fld>
             <a:endParaRPr lang="zh-CN" altLang="en-US"/>
           </a:p>
@@ -2220,7 +2246,7 @@
           <a:p>
             <a:fld id="{530820CF-B880-4189-942D-D702A7CBA730}" type="datetimeFigureOut">
               <a:rPr lang="zh-CN" altLang="en-US" smtClean="0"/>
-              <a:t>2022/11/13</a:t>
+              <a:t>2022/11/14</a:t>
             </a:fld>
             <a:endParaRPr lang="zh-CN" altLang="en-US"/>
           </a:p>
@@ -2468,7 +2494,7 @@
           <a:p>
             <a:fld id="{530820CF-B880-4189-942D-D702A7CBA730}" type="datetimeFigureOut">
               <a:rPr lang="zh-CN" altLang="en-US" smtClean="0"/>
-              <a:t>2022/11/13</a:t>
+              <a:t>2022/11/14</a:t>
             </a:fld>
             <a:endParaRPr lang="zh-CN" altLang="en-US"/>
           </a:p>
@@ -2676,7 +2702,7 @@
           <a:p>
             <a:fld id="{530820CF-B880-4189-942D-D702A7CBA730}" type="datetimeFigureOut">
               <a:rPr lang="zh-CN" altLang="en-US" smtClean="0"/>
-              <a:t>2022/11/13</a:t>
+              <a:t>2022/11/14</a:t>
             </a:fld>
             <a:endParaRPr lang="zh-CN" altLang="en-US"/>
           </a:p>
@@ -3101,6 +3127,5137 @@
       </p:grpSpPr>
       <p:sp>
         <p:nvSpPr>
+          <p:cNvPr id="2" name="标题 1"/>
+          <p:cNvSpPr>
+            <a:spLocks noGrp="1"/>
+          </p:cNvSpPr>
+          <p:nvPr>
+            <p:ph type="title"/>
+          </p:nvPr>
+        </p:nvSpPr>
+        <p:spPr>
+          <a:xfrm>
+            <a:off x="457200" y="274638"/>
+            <a:ext cx="8229600" cy="706090"/>
+          </a:xfrm>
+        </p:spPr>
+        <p:txBody>
+          <a:bodyPr>
+            <a:normAutofit/>
+          </a:bodyPr>
+          <a:lstStyle/>
+          <a:p>
+            <a:pPr algn="l"/>
+            <a:r>
+              <a:rPr lang="en-US" altLang="zh-CN" sz="3200" dirty="0" smtClean="0">
+                <a:latin typeface="等线 Light" pitchFamily="2" charset="-122"/>
+                <a:ea typeface="等线 Light" pitchFamily="2" charset="-122"/>
+              </a:rPr>
+              <a:t>Decode</a:t>
+            </a:r>
+            <a:endParaRPr lang="zh-CN" altLang="en-US" sz="3200" dirty="0">
+              <a:latin typeface="等线 Light" pitchFamily="2" charset="-122"/>
+              <a:ea typeface="等线 Light" pitchFamily="2" charset="-122"/>
+            </a:endParaRPr>
+          </a:p>
+        </p:txBody>
+      </p:sp>
+      <p:sp>
+        <p:nvSpPr>
+          <p:cNvPr id="3" name="矩形 2"/>
+          <p:cNvSpPr/>
+          <p:nvPr/>
+        </p:nvSpPr>
+        <p:spPr>
+          <a:xfrm>
+            <a:off x="549896" y="1484784"/>
+            <a:ext cx="8136904" cy="4801314"/>
+          </a:xfrm>
+          <a:prstGeom prst="rect">
+            <a:avLst/>
+          </a:prstGeom>
+        </p:spPr>
+        <p:txBody>
+          <a:bodyPr wrap="square">
+            <a:spAutoFit/>
+          </a:bodyPr>
+          <a:lstStyle/>
+          <a:p>
+            <a:r>
+              <a:rPr lang="en-US" altLang="zh-CN" dirty="0" err="1">
+                <a:latin typeface="Consolas" panose="020B0609020204030204" pitchFamily="49" charset="0"/>
+              </a:rPr>
+              <a:t>def</a:t>
+            </a:r>
+            <a:r>
+              <a:rPr lang="en-US" altLang="zh-CN" dirty="0">
+                <a:latin typeface="Consolas" panose="020B0609020204030204" pitchFamily="49" charset="0"/>
+              </a:rPr>
+              <a:t>(</a:t>
+            </a:r>
+            <a:r>
+              <a:rPr lang="en-US" altLang="zh-CN" dirty="0" err="1">
+                <a:latin typeface="Consolas" panose="020B0609020204030204" pitchFamily="49" charset="0"/>
+              </a:rPr>
+              <a:t>instr</a:t>
+            </a:r>
+            <a:r>
+              <a:rPr lang="en-US" altLang="zh-CN" dirty="0">
+                <a:latin typeface="Consolas" panose="020B0609020204030204" pitchFamily="49" charset="0"/>
+              </a:rPr>
+              <a:t>: </a:t>
+            </a:r>
+            <a:r>
+              <a:rPr lang="en-US" altLang="zh-CN" dirty="0" err="1">
+                <a:latin typeface="Consolas" panose="020B0609020204030204" pitchFamily="49" charset="0"/>
+              </a:rPr>
+              <a:t>UInt</a:t>
+            </a:r>
+            <a:r>
+              <a:rPr lang="en-US" altLang="zh-CN" dirty="0">
+                <a:latin typeface="Consolas" panose="020B0609020204030204" pitchFamily="49" charset="0"/>
+              </a:rPr>
+              <a:t>) = {                                // Branch </a:t>
+            </a:r>
+            <a:r>
+              <a:rPr lang="zh-CN" altLang="en-US" dirty="0">
+                <a:latin typeface="Consolas" panose="020B0609020204030204" pitchFamily="49" charset="0"/>
+              </a:rPr>
+              <a:t>的信息</a:t>
+            </a:r>
+          </a:p>
+          <a:p>
+            <a:r>
+              <a:rPr lang="zh-CN" altLang="en-US" dirty="0">
+                <a:latin typeface="Consolas" panose="020B0609020204030204" pitchFamily="49" charset="0"/>
+              </a:rPr>
+              <a:t>    </a:t>
+            </a:r>
+            <a:r>
+              <a:rPr lang="en-US" altLang="zh-CN" dirty="0" err="1">
+                <a:latin typeface="Consolas" panose="020B0609020204030204" pitchFamily="49" charset="0"/>
+              </a:rPr>
+              <a:t>val</a:t>
+            </a:r>
+            <a:r>
+              <a:rPr lang="en-US" altLang="zh-CN" dirty="0">
+                <a:latin typeface="Consolas" panose="020B0609020204030204" pitchFamily="49" charset="0"/>
+              </a:rPr>
+              <a:t> </a:t>
+            </a:r>
+            <a:r>
+              <a:rPr lang="en-US" altLang="zh-CN" dirty="0" err="1">
+                <a:latin typeface="Consolas" panose="020B0609020204030204" pitchFamily="49" charset="0"/>
+              </a:rPr>
+              <a:t>brType</a:t>
+            </a:r>
+            <a:r>
+              <a:rPr lang="en-US" altLang="zh-CN" dirty="0">
+                <a:latin typeface="Consolas" panose="020B0609020204030204" pitchFamily="49" charset="0"/>
+              </a:rPr>
+              <a:t>::Nil = </a:t>
+            </a:r>
+            <a:r>
+              <a:rPr lang="en-US" altLang="zh-CN" dirty="0" err="1">
+                <a:latin typeface="Consolas" panose="020B0609020204030204" pitchFamily="49" charset="0"/>
+              </a:rPr>
+              <a:t>ListLookup</a:t>
+            </a:r>
+            <a:r>
+              <a:rPr lang="en-US" altLang="zh-CN" dirty="0">
+                <a:latin typeface="Consolas" panose="020B0609020204030204" pitchFamily="49" charset="0"/>
+              </a:rPr>
+              <a:t>(</a:t>
+            </a:r>
+            <a:r>
+              <a:rPr lang="en-US" altLang="zh-CN" dirty="0" err="1">
+                <a:latin typeface="Consolas" panose="020B0609020204030204" pitchFamily="49" charset="0"/>
+              </a:rPr>
+              <a:t>instr</a:t>
+            </a:r>
+            <a:r>
+              <a:rPr lang="en-US" altLang="zh-CN" dirty="0">
+                <a:latin typeface="Consolas" panose="020B0609020204030204" pitchFamily="49" charset="0"/>
+              </a:rPr>
+              <a:t>, List(</a:t>
+            </a:r>
+            <a:r>
+              <a:rPr lang="en-US" altLang="zh-CN" dirty="0" err="1">
+                <a:latin typeface="Consolas" panose="020B0609020204030204" pitchFamily="49" charset="0"/>
+              </a:rPr>
+              <a:t>BrType.notCFI</a:t>
+            </a:r>
+            <a:r>
+              <a:rPr lang="en-US" altLang="zh-CN" dirty="0">
+                <a:latin typeface="Consolas" panose="020B0609020204030204" pitchFamily="49" charset="0"/>
+              </a:rPr>
+              <a:t>), </a:t>
+            </a:r>
+            <a:r>
+              <a:rPr lang="en-US" altLang="zh-CN" dirty="0" err="1">
+                <a:latin typeface="Consolas" panose="020B0609020204030204" pitchFamily="49" charset="0"/>
+              </a:rPr>
+              <a:t>PreDecodeInst.brTable</a:t>
+            </a:r>
+            <a:r>
+              <a:rPr lang="en-US" altLang="zh-CN" dirty="0">
+                <a:latin typeface="Consolas" panose="020B0609020204030204" pitchFamily="49" charset="0"/>
+              </a:rPr>
+              <a:t>)</a:t>
+            </a:r>
+          </a:p>
+          <a:p>
+            <a:r>
+              <a:rPr lang="en-US" altLang="zh-CN" dirty="0">
+                <a:latin typeface="Consolas" panose="020B0609020204030204" pitchFamily="49" charset="0"/>
+              </a:rPr>
+              <a:t>    </a:t>
+            </a:r>
+            <a:r>
+              <a:rPr lang="en-US" altLang="zh-CN" dirty="0" err="1">
+                <a:latin typeface="Consolas" panose="020B0609020204030204" pitchFamily="49" charset="0"/>
+              </a:rPr>
+              <a:t>val</a:t>
+            </a:r>
+            <a:r>
+              <a:rPr lang="en-US" altLang="zh-CN" dirty="0">
+                <a:latin typeface="Consolas" panose="020B0609020204030204" pitchFamily="49" charset="0"/>
+              </a:rPr>
+              <a:t> </a:t>
+            </a:r>
+            <a:r>
+              <a:rPr lang="en-US" altLang="zh-CN" dirty="0" err="1">
+                <a:latin typeface="Consolas" panose="020B0609020204030204" pitchFamily="49" charset="0"/>
+              </a:rPr>
+              <a:t>rd</a:t>
+            </a:r>
+            <a:r>
+              <a:rPr lang="en-US" altLang="zh-CN" dirty="0">
+                <a:latin typeface="Consolas" panose="020B0609020204030204" pitchFamily="49" charset="0"/>
+              </a:rPr>
+              <a:t> = Mux(</a:t>
+            </a:r>
+            <a:r>
+              <a:rPr lang="en-US" altLang="zh-CN" dirty="0" err="1">
+                <a:latin typeface="Consolas" panose="020B0609020204030204" pitchFamily="49" charset="0"/>
+              </a:rPr>
+              <a:t>isRVC</a:t>
+            </a:r>
+            <a:r>
+              <a:rPr lang="en-US" altLang="zh-CN" dirty="0">
+                <a:latin typeface="Consolas" panose="020B0609020204030204" pitchFamily="49" charset="0"/>
+              </a:rPr>
+              <a:t>(</a:t>
+            </a:r>
+            <a:r>
+              <a:rPr lang="en-US" altLang="zh-CN" dirty="0" err="1">
+                <a:latin typeface="Consolas" panose="020B0609020204030204" pitchFamily="49" charset="0"/>
+              </a:rPr>
+              <a:t>instr</a:t>
+            </a:r>
+            <a:r>
+              <a:rPr lang="en-US" altLang="zh-CN" dirty="0">
+                <a:latin typeface="Consolas" panose="020B0609020204030204" pitchFamily="49" charset="0"/>
+              </a:rPr>
+              <a:t>), </a:t>
+            </a:r>
+            <a:r>
+              <a:rPr lang="en-US" altLang="zh-CN" dirty="0" err="1">
+                <a:latin typeface="Consolas" panose="020B0609020204030204" pitchFamily="49" charset="0"/>
+              </a:rPr>
+              <a:t>instr</a:t>
+            </a:r>
+            <a:r>
+              <a:rPr lang="en-US" altLang="zh-CN" dirty="0">
+                <a:latin typeface="Consolas" panose="020B0609020204030204" pitchFamily="49" charset="0"/>
+              </a:rPr>
+              <a:t>(12), </a:t>
+            </a:r>
+            <a:r>
+              <a:rPr lang="en-US" altLang="zh-CN" dirty="0" err="1">
+                <a:latin typeface="Consolas" panose="020B0609020204030204" pitchFamily="49" charset="0"/>
+              </a:rPr>
+              <a:t>instr</a:t>
+            </a:r>
+            <a:r>
+              <a:rPr lang="en-US" altLang="zh-CN" dirty="0">
+                <a:latin typeface="Consolas" panose="020B0609020204030204" pitchFamily="49" charset="0"/>
+              </a:rPr>
+              <a:t>(11,7</a:t>
+            </a:r>
+            <a:r>
+              <a:rPr lang="en-US" altLang="zh-CN" dirty="0" smtClean="0">
+                <a:latin typeface="Consolas" panose="020B0609020204030204" pitchFamily="49" charset="0"/>
+              </a:rPr>
+              <a:t>))</a:t>
+            </a:r>
+            <a:endParaRPr lang="zh-CN" altLang="en-US" dirty="0">
+              <a:latin typeface="Consolas" panose="020B0609020204030204" pitchFamily="49" charset="0"/>
+            </a:endParaRPr>
+          </a:p>
+          <a:p>
+            <a:r>
+              <a:rPr lang="zh-CN" altLang="en-US" dirty="0">
+                <a:latin typeface="Consolas" panose="020B0609020204030204" pitchFamily="49" charset="0"/>
+              </a:rPr>
+              <a:t>    </a:t>
+            </a:r>
+            <a:r>
+              <a:rPr lang="en-US" altLang="zh-CN" dirty="0" err="1">
+                <a:latin typeface="Consolas" panose="020B0609020204030204" pitchFamily="49" charset="0"/>
+              </a:rPr>
+              <a:t>val</a:t>
+            </a:r>
+            <a:r>
+              <a:rPr lang="en-US" altLang="zh-CN" dirty="0">
+                <a:latin typeface="Consolas" panose="020B0609020204030204" pitchFamily="49" charset="0"/>
+              </a:rPr>
+              <a:t> </a:t>
+            </a:r>
+            <a:r>
+              <a:rPr lang="en-US" altLang="zh-CN" dirty="0" err="1">
+                <a:latin typeface="Consolas" panose="020B0609020204030204" pitchFamily="49" charset="0"/>
+              </a:rPr>
+              <a:t>rs</a:t>
+            </a:r>
+            <a:r>
+              <a:rPr lang="en-US" altLang="zh-CN" dirty="0">
+                <a:latin typeface="Consolas" panose="020B0609020204030204" pitchFamily="49" charset="0"/>
+              </a:rPr>
+              <a:t> = Mux(</a:t>
+            </a:r>
+            <a:r>
+              <a:rPr lang="en-US" altLang="zh-CN" dirty="0" err="1">
+                <a:latin typeface="Consolas" panose="020B0609020204030204" pitchFamily="49" charset="0"/>
+              </a:rPr>
+              <a:t>isRVC</a:t>
+            </a:r>
+            <a:r>
+              <a:rPr lang="en-US" altLang="zh-CN" dirty="0">
+                <a:latin typeface="Consolas" panose="020B0609020204030204" pitchFamily="49" charset="0"/>
+              </a:rPr>
+              <a:t>(</a:t>
+            </a:r>
+            <a:r>
+              <a:rPr lang="en-US" altLang="zh-CN" dirty="0" err="1">
+                <a:latin typeface="Consolas" panose="020B0609020204030204" pitchFamily="49" charset="0"/>
+              </a:rPr>
+              <a:t>instr</a:t>
+            </a:r>
+            <a:r>
+              <a:rPr lang="en-US" altLang="zh-CN" dirty="0">
+                <a:latin typeface="Consolas" panose="020B0609020204030204" pitchFamily="49" charset="0"/>
+              </a:rPr>
+              <a:t>), Mux(</a:t>
+            </a:r>
+            <a:r>
+              <a:rPr lang="en-US" altLang="zh-CN" dirty="0" err="1">
+                <a:latin typeface="Consolas" panose="020B0609020204030204" pitchFamily="49" charset="0"/>
+              </a:rPr>
+              <a:t>brType</a:t>
+            </a:r>
+            <a:r>
+              <a:rPr lang="en-US" altLang="zh-CN" dirty="0">
+                <a:latin typeface="Consolas" panose="020B0609020204030204" pitchFamily="49" charset="0"/>
+              </a:rPr>
+              <a:t> === </a:t>
+            </a:r>
+            <a:r>
+              <a:rPr lang="en-US" altLang="zh-CN" dirty="0" err="1">
+                <a:latin typeface="Consolas" panose="020B0609020204030204" pitchFamily="49" charset="0"/>
+              </a:rPr>
+              <a:t>BrType.jal</a:t>
+            </a:r>
+            <a:r>
+              <a:rPr lang="en-US" altLang="zh-CN" dirty="0">
+                <a:latin typeface="Consolas" panose="020B0609020204030204" pitchFamily="49" charset="0"/>
+              </a:rPr>
+              <a:t>, 0.U, </a:t>
+            </a:r>
+            <a:r>
+              <a:rPr lang="en-US" altLang="zh-CN" dirty="0" err="1">
+                <a:latin typeface="Consolas" panose="020B0609020204030204" pitchFamily="49" charset="0"/>
+              </a:rPr>
+              <a:t>instr</a:t>
+            </a:r>
+            <a:r>
+              <a:rPr lang="en-US" altLang="zh-CN" dirty="0">
+                <a:latin typeface="Consolas" panose="020B0609020204030204" pitchFamily="49" charset="0"/>
+              </a:rPr>
+              <a:t>(11, 7)), </a:t>
+            </a:r>
+            <a:r>
+              <a:rPr lang="en-US" altLang="zh-CN" dirty="0" err="1">
+                <a:latin typeface="Consolas" panose="020B0609020204030204" pitchFamily="49" charset="0"/>
+              </a:rPr>
+              <a:t>instr</a:t>
+            </a:r>
+            <a:r>
+              <a:rPr lang="en-US" altLang="zh-CN" dirty="0">
+                <a:latin typeface="Consolas" panose="020B0609020204030204" pitchFamily="49" charset="0"/>
+              </a:rPr>
+              <a:t>(19, 15</a:t>
+            </a:r>
+            <a:r>
+              <a:rPr lang="en-US" altLang="zh-CN" dirty="0" smtClean="0">
+                <a:latin typeface="Consolas" panose="020B0609020204030204" pitchFamily="49" charset="0"/>
+              </a:rPr>
+              <a:t>))</a:t>
+            </a:r>
+          </a:p>
+          <a:p>
+            <a:endParaRPr lang="en-US" altLang="zh-CN" dirty="0" smtClean="0">
+              <a:latin typeface="Consolas" panose="020B0609020204030204" pitchFamily="49" charset="0"/>
+            </a:endParaRPr>
+          </a:p>
+          <a:p>
+            <a:r>
+              <a:rPr lang="en-US" altLang="zh-CN" dirty="0">
+                <a:latin typeface="Consolas" panose="020B0609020204030204" pitchFamily="49" charset="0"/>
+              </a:rPr>
+              <a:t> </a:t>
+            </a:r>
+            <a:r>
+              <a:rPr lang="en-US" altLang="zh-CN" dirty="0" smtClean="0">
+                <a:latin typeface="Consolas" panose="020B0609020204030204" pitchFamily="49" charset="0"/>
+              </a:rPr>
+              <a:t>   </a:t>
+            </a:r>
+            <a:r>
+              <a:rPr lang="en-US" altLang="zh-CN" dirty="0" err="1" smtClean="0">
+                <a:latin typeface="Consolas" panose="020B0609020204030204" pitchFamily="49" charset="0"/>
+              </a:rPr>
+              <a:t>val</a:t>
+            </a:r>
+            <a:r>
+              <a:rPr lang="en-US" altLang="zh-CN" dirty="0" smtClean="0">
+                <a:latin typeface="Consolas" panose="020B0609020204030204" pitchFamily="49" charset="0"/>
+              </a:rPr>
+              <a:t> </a:t>
+            </a:r>
+            <a:r>
+              <a:rPr lang="en-US" altLang="zh-CN" dirty="0" err="1">
+                <a:latin typeface="Consolas" panose="020B0609020204030204" pitchFamily="49" charset="0"/>
+              </a:rPr>
+              <a:t>isCall</a:t>
+            </a:r>
+            <a:r>
+              <a:rPr lang="en-US" altLang="zh-CN" dirty="0">
+                <a:latin typeface="Consolas" panose="020B0609020204030204" pitchFamily="49" charset="0"/>
+              </a:rPr>
+              <a:t> = (</a:t>
+            </a:r>
+            <a:r>
+              <a:rPr lang="en-US" altLang="zh-CN" dirty="0" err="1">
+                <a:latin typeface="Consolas" panose="020B0609020204030204" pitchFamily="49" charset="0"/>
+              </a:rPr>
+              <a:t>brType</a:t>
+            </a:r>
+            <a:r>
+              <a:rPr lang="en-US" altLang="zh-CN" dirty="0">
+                <a:latin typeface="Consolas" panose="020B0609020204030204" pitchFamily="49" charset="0"/>
+              </a:rPr>
+              <a:t> === </a:t>
+            </a:r>
+            <a:r>
+              <a:rPr lang="en-US" altLang="zh-CN" dirty="0" err="1">
+                <a:latin typeface="Consolas" panose="020B0609020204030204" pitchFamily="49" charset="0"/>
+              </a:rPr>
+              <a:t>BrType.jal</a:t>
+            </a:r>
+            <a:r>
+              <a:rPr lang="en-US" altLang="zh-CN" dirty="0">
+                <a:latin typeface="Consolas" panose="020B0609020204030204" pitchFamily="49" charset="0"/>
+              </a:rPr>
+              <a:t> &amp;&amp; </a:t>
+            </a:r>
+            <a:r>
+              <a:rPr lang="en-US" altLang="zh-CN" dirty="0">
+                <a:solidFill>
+                  <a:srgbClr val="FF0000"/>
+                </a:solidFill>
+                <a:latin typeface="Consolas" panose="020B0609020204030204" pitchFamily="49" charset="0"/>
+              </a:rPr>
+              <a:t>!</a:t>
+            </a:r>
+            <a:r>
+              <a:rPr lang="en-US" altLang="zh-CN" dirty="0" err="1">
+                <a:solidFill>
+                  <a:srgbClr val="FF0000"/>
+                </a:solidFill>
+                <a:latin typeface="Consolas" panose="020B0609020204030204" pitchFamily="49" charset="0"/>
+              </a:rPr>
+              <a:t>isRVC</a:t>
+            </a:r>
+            <a:r>
+              <a:rPr lang="en-US" altLang="zh-CN" dirty="0">
+                <a:solidFill>
+                  <a:srgbClr val="FF0000"/>
+                </a:solidFill>
+                <a:latin typeface="Consolas" panose="020B0609020204030204" pitchFamily="49" charset="0"/>
+              </a:rPr>
+              <a:t>(</a:t>
+            </a:r>
+            <a:r>
+              <a:rPr lang="en-US" altLang="zh-CN" dirty="0" err="1">
+                <a:solidFill>
+                  <a:srgbClr val="FF0000"/>
+                </a:solidFill>
+                <a:latin typeface="Consolas" panose="020B0609020204030204" pitchFamily="49" charset="0"/>
+              </a:rPr>
+              <a:t>instr</a:t>
+            </a:r>
+            <a:r>
+              <a:rPr lang="en-US" altLang="zh-CN" dirty="0">
+                <a:solidFill>
+                  <a:srgbClr val="FF0000"/>
+                </a:solidFill>
+                <a:latin typeface="Consolas" panose="020B0609020204030204" pitchFamily="49" charset="0"/>
+              </a:rPr>
+              <a:t>) || </a:t>
+            </a:r>
+            <a:r>
+              <a:rPr lang="en-US" altLang="zh-CN" dirty="0" err="1">
+                <a:solidFill>
+                  <a:srgbClr val="FF0000"/>
+                </a:solidFill>
+                <a:latin typeface="Consolas" panose="020B0609020204030204" pitchFamily="49" charset="0"/>
+              </a:rPr>
+              <a:t>brType</a:t>
+            </a:r>
+            <a:r>
+              <a:rPr lang="en-US" altLang="zh-CN" dirty="0">
+                <a:solidFill>
+                  <a:srgbClr val="FF0000"/>
+                </a:solidFill>
+                <a:latin typeface="Consolas" panose="020B0609020204030204" pitchFamily="49" charset="0"/>
+              </a:rPr>
+              <a:t> === </a:t>
+            </a:r>
+            <a:r>
+              <a:rPr lang="en-US" altLang="zh-CN" dirty="0" err="1">
+                <a:solidFill>
+                  <a:srgbClr val="FF0000"/>
+                </a:solidFill>
+                <a:latin typeface="Consolas" panose="020B0609020204030204" pitchFamily="49" charset="0"/>
+              </a:rPr>
+              <a:t>BrType.jalr</a:t>
+            </a:r>
+            <a:r>
+              <a:rPr lang="en-US" altLang="zh-CN" dirty="0">
+                <a:latin typeface="Consolas" panose="020B0609020204030204" pitchFamily="49" charset="0"/>
+              </a:rPr>
+              <a:t>) &amp;&amp; </a:t>
+            </a:r>
+            <a:r>
+              <a:rPr lang="en-US" altLang="zh-CN" dirty="0" err="1">
+                <a:latin typeface="Consolas" panose="020B0609020204030204" pitchFamily="49" charset="0"/>
+              </a:rPr>
+              <a:t>isLink</a:t>
+            </a:r>
+            <a:r>
+              <a:rPr lang="en-US" altLang="zh-CN" dirty="0">
+                <a:latin typeface="Consolas" panose="020B0609020204030204" pitchFamily="49" charset="0"/>
+              </a:rPr>
+              <a:t>(</a:t>
+            </a:r>
+            <a:r>
+              <a:rPr lang="en-US" altLang="zh-CN" dirty="0" err="1">
+                <a:latin typeface="Consolas" panose="020B0609020204030204" pitchFamily="49" charset="0"/>
+              </a:rPr>
+              <a:t>rd</a:t>
+            </a:r>
+            <a:r>
+              <a:rPr lang="en-US" altLang="zh-CN" dirty="0">
+                <a:latin typeface="Consolas" panose="020B0609020204030204" pitchFamily="49" charset="0"/>
+              </a:rPr>
+              <a:t>) // Only for </a:t>
+            </a:r>
+            <a:r>
+              <a:rPr lang="en-US" altLang="zh-CN" dirty="0" smtClean="0">
+                <a:latin typeface="Consolas" panose="020B0609020204030204" pitchFamily="49" charset="0"/>
+              </a:rPr>
+              <a:t>RV64</a:t>
+            </a:r>
+          </a:p>
+          <a:p>
+            <a:endParaRPr lang="en-US" altLang="zh-CN" dirty="0">
+              <a:latin typeface="Consolas" panose="020B0609020204030204" pitchFamily="49" charset="0"/>
+            </a:endParaRPr>
+          </a:p>
+          <a:p>
+            <a:r>
+              <a:rPr lang="en-US" altLang="zh-CN" dirty="0">
+                <a:latin typeface="Consolas" panose="020B0609020204030204" pitchFamily="49" charset="0"/>
+              </a:rPr>
+              <a:t>    </a:t>
+            </a:r>
+            <a:r>
+              <a:rPr lang="en-US" altLang="zh-CN" dirty="0" err="1">
+                <a:latin typeface="Consolas" panose="020B0609020204030204" pitchFamily="49" charset="0"/>
+              </a:rPr>
+              <a:t>val</a:t>
+            </a:r>
+            <a:r>
+              <a:rPr lang="en-US" altLang="zh-CN" dirty="0">
+                <a:latin typeface="Consolas" panose="020B0609020204030204" pitchFamily="49" charset="0"/>
+              </a:rPr>
+              <a:t> </a:t>
+            </a:r>
+            <a:r>
+              <a:rPr lang="en-US" altLang="zh-CN" dirty="0" err="1">
+                <a:latin typeface="Consolas" panose="020B0609020204030204" pitchFamily="49" charset="0"/>
+              </a:rPr>
+              <a:t>isRet</a:t>
+            </a:r>
+            <a:r>
+              <a:rPr lang="en-US" altLang="zh-CN" dirty="0">
+                <a:latin typeface="Consolas" panose="020B0609020204030204" pitchFamily="49" charset="0"/>
+              </a:rPr>
+              <a:t> = </a:t>
+            </a:r>
+            <a:r>
+              <a:rPr lang="en-US" altLang="zh-CN" dirty="0" err="1">
+                <a:latin typeface="Consolas" panose="020B0609020204030204" pitchFamily="49" charset="0"/>
+              </a:rPr>
+              <a:t>brType</a:t>
+            </a:r>
+            <a:r>
+              <a:rPr lang="en-US" altLang="zh-CN" dirty="0">
+                <a:latin typeface="Consolas" panose="020B0609020204030204" pitchFamily="49" charset="0"/>
+              </a:rPr>
+              <a:t> === </a:t>
+            </a:r>
+            <a:r>
+              <a:rPr lang="en-US" altLang="zh-CN" dirty="0" err="1">
+                <a:latin typeface="Consolas" panose="020B0609020204030204" pitchFamily="49" charset="0"/>
+              </a:rPr>
+              <a:t>BrType.jalr</a:t>
+            </a:r>
+            <a:r>
+              <a:rPr lang="en-US" altLang="zh-CN" dirty="0">
+                <a:latin typeface="Consolas" panose="020B0609020204030204" pitchFamily="49" charset="0"/>
+              </a:rPr>
+              <a:t> &amp;&amp; </a:t>
+            </a:r>
+            <a:r>
+              <a:rPr lang="en-US" altLang="zh-CN" dirty="0" err="1">
+                <a:latin typeface="Consolas" panose="020B0609020204030204" pitchFamily="49" charset="0"/>
+              </a:rPr>
+              <a:t>isLink</a:t>
+            </a:r>
+            <a:r>
+              <a:rPr lang="en-US" altLang="zh-CN" dirty="0">
+                <a:latin typeface="Consolas" panose="020B0609020204030204" pitchFamily="49" charset="0"/>
+              </a:rPr>
+              <a:t>(</a:t>
+            </a:r>
+            <a:r>
+              <a:rPr lang="en-US" altLang="zh-CN" dirty="0" err="1">
+                <a:latin typeface="Consolas" panose="020B0609020204030204" pitchFamily="49" charset="0"/>
+              </a:rPr>
+              <a:t>rs</a:t>
+            </a:r>
+            <a:r>
+              <a:rPr lang="en-US" altLang="zh-CN" dirty="0">
+                <a:latin typeface="Consolas" panose="020B0609020204030204" pitchFamily="49" charset="0"/>
+              </a:rPr>
+              <a:t>) &amp;&amp; !</a:t>
+            </a:r>
+            <a:r>
+              <a:rPr lang="en-US" altLang="zh-CN" dirty="0" err="1">
+                <a:latin typeface="Consolas" panose="020B0609020204030204" pitchFamily="49" charset="0"/>
+              </a:rPr>
+              <a:t>isCall</a:t>
+            </a:r>
+            <a:endParaRPr lang="en-US" altLang="zh-CN" dirty="0">
+              <a:latin typeface="Consolas" panose="020B0609020204030204" pitchFamily="49" charset="0"/>
+            </a:endParaRPr>
+          </a:p>
+          <a:p>
+            <a:r>
+              <a:rPr lang="en-US" altLang="zh-CN" dirty="0">
+                <a:latin typeface="Consolas" panose="020B0609020204030204" pitchFamily="49" charset="0"/>
+              </a:rPr>
+              <a:t>    List(</a:t>
+            </a:r>
+            <a:r>
+              <a:rPr lang="en-US" altLang="zh-CN" dirty="0" err="1">
+                <a:latin typeface="Consolas" panose="020B0609020204030204" pitchFamily="49" charset="0"/>
+              </a:rPr>
+              <a:t>brType</a:t>
+            </a:r>
+            <a:r>
+              <a:rPr lang="en-US" altLang="zh-CN" dirty="0">
+                <a:latin typeface="Consolas" panose="020B0609020204030204" pitchFamily="49" charset="0"/>
+              </a:rPr>
+              <a:t>, </a:t>
+            </a:r>
+            <a:r>
+              <a:rPr lang="en-US" altLang="zh-CN" dirty="0" err="1">
+                <a:latin typeface="Consolas" panose="020B0609020204030204" pitchFamily="49" charset="0"/>
+              </a:rPr>
+              <a:t>isCall</a:t>
+            </a:r>
+            <a:r>
+              <a:rPr lang="en-US" altLang="zh-CN" dirty="0">
+                <a:latin typeface="Consolas" panose="020B0609020204030204" pitchFamily="49" charset="0"/>
+              </a:rPr>
+              <a:t>, </a:t>
+            </a:r>
+            <a:r>
+              <a:rPr lang="en-US" altLang="zh-CN" dirty="0" err="1">
+                <a:latin typeface="Consolas" panose="020B0609020204030204" pitchFamily="49" charset="0"/>
+              </a:rPr>
+              <a:t>isRet</a:t>
+            </a:r>
+            <a:r>
+              <a:rPr lang="en-US" altLang="zh-CN" dirty="0">
+                <a:latin typeface="Consolas" panose="020B0609020204030204" pitchFamily="49" charset="0"/>
+              </a:rPr>
+              <a:t>)</a:t>
+            </a:r>
+          </a:p>
+          <a:p>
+            <a:r>
+              <a:rPr lang="en-US" altLang="zh-CN" dirty="0" smtClean="0">
+                <a:latin typeface="Consolas" panose="020B0609020204030204" pitchFamily="49" charset="0"/>
+              </a:rPr>
+              <a:t>}</a:t>
+            </a:r>
+          </a:p>
+          <a:p>
+            <a:endParaRPr lang="en-US" altLang="zh-CN" b="0" dirty="0">
+              <a:effectLst/>
+              <a:latin typeface="Consolas" panose="020B0609020204030204" pitchFamily="49" charset="0"/>
+            </a:endParaRPr>
+          </a:p>
+          <a:p>
+            <a:r>
+              <a:rPr lang="en-US" altLang="zh-CN" dirty="0" err="1">
+                <a:latin typeface="Consolas" panose="020B0609020204030204" pitchFamily="49" charset="0"/>
+              </a:rPr>
+              <a:t>def</a:t>
+            </a:r>
+            <a:r>
+              <a:rPr lang="en-US" altLang="zh-CN" dirty="0">
+                <a:latin typeface="Consolas" panose="020B0609020204030204" pitchFamily="49" charset="0"/>
+              </a:rPr>
+              <a:t> </a:t>
+            </a:r>
+            <a:r>
+              <a:rPr lang="en-US" altLang="zh-CN" dirty="0" err="1">
+                <a:latin typeface="Consolas" panose="020B0609020204030204" pitchFamily="49" charset="0"/>
+              </a:rPr>
+              <a:t>isLink</a:t>
+            </a:r>
+            <a:r>
+              <a:rPr lang="en-US" altLang="zh-CN" dirty="0">
+                <a:latin typeface="Consolas" panose="020B0609020204030204" pitchFamily="49" charset="0"/>
+              </a:rPr>
+              <a:t>(</a:t>
+            </a:r>
+            <a:r>
+              <a:rPr lang="en-US" altLang="zh-CN" dirty="0" err="1">
+                <a:latin typeface="Consolas" panose="020B0609020204030204" pitchFamily="49" charset="0"/>
+              </a:rPr>
+              <a:t>reg:UInt</a:t>
+            </a:r>
+            <a:r>
+              <a:rPr lang="en-US" altLang="zh-CN" dirty="0">
+                <a:latin typeface="Consolas" panose="020B0609020204030204" pitchFamily="49" charset="0"/>
+              </a:rPr>
+              <a:t>) = </a:t>
+            </a:r>
+            <a:r>
+              <a:rPr lang="en-US" altLang="zh-CN" dirty="0" err="1">
+                <a:latin typeface="Consolas" panose="020B0609020204030204" pitchFamily="49" charset="0"/>
+              </a:rPr>
+              <a:t>reg</a:t>
+            </a:r>
+            <a:r>
+              <a:rPr lang="en-US" altLang="zh-CN" dirty="0">
+                <a:latin typeface="Consolas" panose="020B0609020204030204" pitchFamily="49" charset="0"/>
+              </a:rPr>
+              <a:t> === 1.U || </a:t>
+            </a:r>
+            <a:r>
+              <a:rPr lang="en-US" altLang="zh-CN" dirty="0" err="1">
+                <a:latin typeface="Consolas" panose="020B0609020204030204" pitchFamily="49" charset="0"/>
+              </a:rPr>
+              <a:t>reg</a:t>
+            </a:r>
+            <a:r>
+              <a:rPr lang="en-US" altLang="zh-CN" dirty="0">
+                <a:latin typeface="Consolas" panose="020B0609020204030204" pitchFamily="49" charset="0"/>
+              </a:rPr>
+              <a:t> === 5.U   // only when </a:t>
+            </a:r>
+            <a:r>
+              <a:rPr lang="en-US" altLang="zh-CN" dirty="0" err="1">
+                <a:latin typeface="Consolas" panose="020B0609020204030204" pitchFamily="49" charset="0"/>
+              </a:rPr>
+              <a:t>rd</a:t>
+            </a:r>
+            <a:r>
+              <a:rPr lang="en-US" altLang="zh-CN" dirty="0">
+                <a:latin typeface="Consolas" panose="020B0609020204030204" pitchFamily="49" charset="0"/>
+              </a:rPr>
+              <a:t> = x1 / </a:t>
+            </a:r>
+            <a:r>
+              <a:rPr lang="en-US" altLang="zh-CN" dirty="0" smtClean="0">
+                <a:latin typeface="Consolas" panose="020B0609020204030204" pitchFamily="49" charset="0"/>
+              </a:rPr>
+              <a:t>x5 return address</a:t>
+            </a:r>
+            <a:endParaRPr lang="en-US" altLang="zh-CN" dirty="0">
+              <a:latin typeface="Consolas" panose="020B0609020204030204" pitchFamily="49" charset="0"/>
+            </a:endParaRPr>
+          </a:p>
+        </p:txBody>
+      </p:sp>
+    </p:spTree>
+    <p:extLst>
+      <p:ext uri="{BB962C8B-B14F-4D97-AF65-F5344CB8AC3E}">
+        <p14:creationId xmlns:p14="http://schemas.microsoft.com/office/powerpoint/2010/main" val="2930014154"/>
+      </p:ext>
+    </p:extLst>
+  </p:cSld>
+  <p:clrMapOvr>
+    <a:masterClrMapping/>
+  </p:clrMapOvr>
+</p:sld>
+</file>
+
+<file path=ppt/slides/slide11.xml><?xml version="1.0" encoding="utf-8"?>
+<p:sld xmlns:a="http://schemas.openxmlformats.org/drawingml/2006/main" xmlns:r="http://schemas.openxmlformats.org/officeDocument/2006/relationships" xmlns:p="http://schemas.openxmlformats.org/presentationml/2006/main">
+  <p:cSld>
+    <p:spTree>
+      <p:nvGrpSpPr>
+        <p:cNvPr id="1" name=""/>
+        <p:cNvGrpSpPr/>
+        <p:nvPr/>
+      </p:nvGrpSpPr>
+      <p:grpSpPr>
+        <a:xfrm>
+          <a:off x="0" y="0"/>
+          <a:ext cx="0" cy="0"/>
+          <a:chOff x="0" y="0"/>
+          <a:chExt cx="0" cy="0"/>
+        </a:xfrm>
+      </p:grpSpPr>
+      <p:sp>
+        <p:nvSpPr>
+          <p:cNvPr id="2" name="标题 1"/>
+          <p:cNvSpPr>
+            <a:spLocks noGrp="1"/>
+          </p:cNvSpPr>
+          <p:nvPr>
+            <p:ph type="title"/>
+          </p:nvPr>
+        </p:nvSpPr>
+        <p:spPr>
+          <a:xfrm>
+            <a:off x="457200" y="274638"/>
+            <a:ext cx="8229600" cy="706090"/>
+          </a:xfrm>
+        </p:spPr>
+        <p:txBody>
+          <a:bodyPr>
+            <a:normAutofit/>
+          </a:bodyPr>
+          <a:lstStyle/>
+          <a:p>
+            <a:pPr algn="l"/>
+            <a:r>
+              <a:rPr lang="en-US" altLang="zh-CN" sz="3200" dirty="0" smtClean="0">
+                <a:latin typeface="等线 Light" pitchFamily="2" charset="-122"/>
+                <a:ea typeface="等线 Light" pitchFamily="2" charset="-122"/>
+              </a:rPr>
+              <a:t>RVC</a:t>
+            </a:r>
+            <a:r>
+              <a:rPr lang="zh-CN" altLang="en-US" sz="3200" dirty="0" smtClean="0">
+                <a:latin typeface="等线 Light" pitchFamily="2" charset="-122"/>
+                <a:ea typeface="等线 Light" pitchFamily="2" charset="-122"/>
+              </a:rPr>
+              <a:t>指令处理</a:t>
+            </a:r>
+            <a:endParaRPr lang="zh-CN" altLang="en-US" sz="3200" dirty="0">
+              <a:latin typeface="等线 Light" pitchFamily="2" charset="-122"/>
+              <a:ea typeface="等线 Light" pitchFamily="2" charset="-122"/>
+            </a:endParaRPr>
+          </a:p>
+        </p:txBody>
+      </p:sp>
+      <p:sp>
+        <p:nvSpPr>
+          <p:cNvPr id="4" name="矩形 3"/>
+          <p:cNvSpPr/>
+          <p:nvPr/>
+        </p:nvSpPr>
+        <p:spPr>
+          <a:xfrm>
+            <a:off x="539552" y="3138885"/>
+            <a:ext cx="6840760" cy="338554"/>
+          </a:xfrm>
+          <a:prstGeom prst="rect">
+            <a:avLst/>
+          </a:prstGeom>
+        </p:spPr>
+        <p:txBody>
+          <a:bodyPr wrap="square">
+            <a:spAutoFit/>
+          </a:bodyPr>
+          <a:lstStyle/>
+          <a:p>
+            <a:r>
+              <a:rPr lang="en-US" altLang="zh-CN" sz="1600" dirty="0" err="1"/>
+              <a:t>def</a:t>
+            </a:r>
+            <a:r>
+              <a:rPr lang="en-US" altLang="zh-CN" sz="1600" dirty="0"/>
+              <a:t> </a:t>
+            </a:r>
+            <a:r>
+              <a:rPr lang="en-US" altLang="zh-CN" sz="1600" dirty="0" err="1"/>
+              <a:t>isRVC</a:t>
+            </a:r>
+            <a:r>
+              <a:rPr lang="en-US" altLang="zh-CN" sz="1600" dirty="0"/>
+              <a:t>(</a:t>
+            </a:r>
+            <a:r>
+              <a:rPr lang="en-US" altLang="zh-CN" sz="1600" dirty="0" err="1"/>
+              <a:t>inst</a:t>
+            </a:r>
+            <a:r>
+              <a:rPr lang="en-US" altLang="zh-CN" sz="1600" dirty="0"/>
+              <a:t>: </a:t>
+            </a:r>
+            <a:r>
+              <a:rPr lang="en-US" altLang="zh-CN" sz="1600" dirty="0" err="1"/>
+              <a:t>UInt</a:t>
+            </a:r>
+            <a:r>
+              <a:rPr lang="en-US" altLang="zh-CN" sz="1600" dirty="0"/>
+              <a:t>) = (</a:t>
+            </a:r>
+            <a:r>
+              <a:rPr lang="en-US" altLang="zh-CN" sz="1600" dirty="0" err="1" smtClean="0"/>
+              <a:t>inst</a:t>
+            </a:r>
+            <a:r>
+              <a:rPr lang="en-US" altLang="zh-CN" sz="1600" dirty="0" smtClean="0"/>
+              <a:t>(1,0</a:t>
+            </a:r>
+            <a:r>
+              <a:rPr lang="en-US" altLang="zh-CN" sz="1600" dirty="0"/>
+              <a:t>) =/= 3.U</a:t>
+            </a:r>
+            <a:r>
+              <a:rPr lang="en-US" altLang="zh-CN" sz="1600" dirty="0" smtClean="0"/>
+              <a:t>)</a:t>
+            </a:r>
+            <a:endParaRPr lang="en-US" altLang="zh-CN" sz="1600" dirty="0"/>
+          </a:p>
+        </p:txBody>
+      </p:sp>
+      <p:pic>
+        <p:nvPicPr>
+          <p:cNvPr id="3074" name="Picture 2"/>
+          <p:cNvPicPr>
+            <a:picLocks noChangeAspect="1" noChangeArrowheads="1"/>
+          </p:cNvPicPr>
+          <p:nvPr/>
+        </p:nvPicPr>
+        <p:blipFill>
+          <a:blip r:embed="rId2">
+            <a:extLst>
+              <a:ext uri="{28A0092B-C50C-407E-A947-70E740481C1C}">
+                <a14:useLocalDpi xmlns:a14="http://schemas.microsoft.com/office/drawing/2010/main" val="0"/>
+              </a:ext>
+            </a:extLst>
+          </a:blip>
+          <a:srcRect/>
+          <a:stretch>
+            <a:fillRect/>
+          </a:stretch>
+        </p:blipFill>
+        <p:spPr bwMode="auto">
+          <a:xfrm>
+            <a:off x="454954" y="1052736"/>
+            <a:ext cx="7906667" cy="1942133"/>
+          </a:xfrm>
+          <a:prstGeom prst="rect">
+            <a:avLst/>
+          </a:prstGeom>
+          <a:noFill/>
+          <a:ln>
+            <a:noFill/>
+          </a:ln>
+          <a:effectLst/>
+          <a:extLst>
+            <a:ext uri="{909E8E84-426E-40DD-AFC4-6F175D3DCCD1}">
+              <a14:hiddenFill xmlns:a14="http://schemas.microsoft.com/office/drawing/2010/main">
+                <a:solidFill>
+                  <a:schemeClr val="accent1"/>
+                </a:solidFill>
+              </a14:hiddenFill>
+            </a:ext>
+            <a:ext uri="{91240B29-F687-4F45-9708-019B960494DF}">
+              <a14:hiddenLine xmlns:a14="http://schemas.microsoft.com/office/drawing/2010/main" w="9525">
+                <a:solidFill>
+                  <a:schemeClr val="tx1"/>
+                </a:solidFill>
+                <a:miter lim="800000"/>
+                <a:headEnd/>
+                <a:tailEnd/>
+              </a14:hiddenLine>
+            </a:ext>
+            <a:ext uri="{AF507438-7753-43E0-B8FC-AC1667EBCBE1}">
+              <a14:hiddenEffects xmlns:a14="http://schemas.microsoft.com/office/drawing/2010/main">
+                <a:effectLst>
+                  <a:outerShdw dist="35921" dir="2700000" algn="ctr" rotWithShape="0">
+                    <a:schemeClr val="bg2"/>
+                  </a:outerShdw>
+                </a:effectLst>
+              </a14:hiddenEffects>
+            </a:ext>
+          </a:extLst>
+        </p:spPr>
+      </p:pic>
+      <p:sp>
+        <p:nvSpPr>
+          <p:cNvPr id="5" name="矩形 4"/>
+          <p:cNvSpPr/>
+          <p:nvPr/>
+        </p:nvSpPr>
+        <p:spPr>
+          <a:xfrm>
+            <a:off x="454954" y="3645024"/>
+            <a:ext cx="8406680" cy="3108543"/>
+          </a:xfrm>
+          <a:prstGeom prst="rect">
+            <a:avLst/>
+          </a:prstGeom>
+        </p:spPr>
+        <p:txBody>
+          <a:bodyPr wrap="square">
+            <a:spAutoFit/>
+          </a:bodyPr>
+          <a:lstStyle/>
+          <a:p>
+            <a:r>
+              <a:rPr lang="en-US" altLang="zh-CN" sz="1600" dirty="0"/>
+              <a:t>class </a:t>
+            </a:r>
+            <a:r>
+              <a:rPr lang="en-US" altLang="zh-CN" sz="1600" dirty="0" err="1"/>
+              <a:t>RVCExpander</a:t>
+            </a:r>
+            <a:r>
+              <a:rPr lang="en-US" altLang="zh-CN" sz="1600" dirty="0"/>
+              <a:t>(implicit p: Parameters) extends </a:t>
+            </a:r>
+            <a:r>
+              <a:rPr lang="en-US" altLang="zh-CN" sz="1600" dirty="0" err="1"/>
+              <a:t>XSModule</a:t>
+            </a:r>
+            <a:r>
+              <a:rPr lang="en-US" altLang="zh-CN" sz="1600" dirty="0"/>
+              <a:t> {</a:t>
+            </a:r>
+          </a:p>
+          <a:p>
+            <a:r>
+              <a:rPr lang="en-US" altLang="zh-CN" sz="1600" dirty="0"/>
+              <a:t>  </a:t>
+            </a:r>
+            <a:r>
+              <a:rPr lang="en-US" altLang="zh-CN" sz="1600" dirty="0" err="1"/>
+              <a:t>val</a:t>
+            </a:r>
+            <a:r>
+              <a:rPr lang="en-US" altLang="zh-CN" sz="1600" dirty="0"/>
+              <a:t> </a:t>
+            </a:r>
+            <a:r>
+              <a:rPr lang="en-US" altLang="zh-CN" sz="1600" dirty="0" err="1"/>
+              <a:t>io</a:t>
+            </a:r>
+            <a:r>
+              <a:rPr lang="en-US" altLang="zh-CN" sz="1600" dirty="0"/>
+              <a:t> = IO(new Bundle {</a:t>
+            </a:r>
+          </a:p>
+          <a:p>
+            <a:r>
+              <a:rPr lang="en-US" altLang="zh-CN" sz="1600" dirty="0"/>
+              <a:t>    </a:t>
+            </a:r>
+            <a:r>
+              <a:rPr lang="en-US" altLang="zh-CN" sz="1600" dirty="0" err="1"/>
+              <a:t>val</a:t>
+            </a:r>
+            <a:r>
+              <a:rPr lang="en-US" altLang="zh-CN" sz="1600" dirty="0"/>
+              <a:t> in = Input(</a:t>
+            </a:r>
+            <a:r>
+              <a:rPr lang="en-US" altLang="zh-CN" sz="1600" dirty="0" err="1"/>
+              <a:t>UInt</a:t>
+            </a:r>
+            <a:r>
+              <a:rPr lang="en-US" altLang="zh-CN" sz="1600" dirty="0"/>
+              <a:t>(32.W))</a:t>
+            </a:r>
+          </a:p>
+          <a:p>
+            <a:r>
+              <a:rPr lang="en-US" altLang="zh-CN" sz="1600" dirty="0"/>
+              <a:t>    </a:t>
+            </a:r>
+            <a:r>
+              <a:rPr lang="en-US" altLang="zh-CN" sz="1600" dirty="0" err="1"/>
+              <a:t>val</a:t>
+            </a:r>
+            <a:r>
+              <a:rPr lang="en-US" altLang="zh-CN" sz="1600" dirty="0"/>
+              <a:t> out = Output(new </a:t>
+            </a:r>
+            <a:r>
+              <a:rPr lang="en-US" altLang="zh-CN" sz="1600" dirty="0" err="1"/>
+              <a:t>ExpandedInstruction</a:t>
+            </a:r>
+            <a:r>
+              <a:rPr lang="en-US" altLang="zh-CN" sz="1600" dirty="0"/>
+              <a:t>)</a:t>
+            </a:r>
+          </a:p>
+          <a:p>
+            <a:r>
+              <a:rPr lang="en-US" altLang="zh-CN" sz="1600" dirty="0"/>
+              <a:t>  })</a:t>
+            </a:r>
+          </a:p>
+          <a:p>
+            <a:r>
+              <a:rPr lang="en-US" altLang="zh-CN" sz="1600" dirty="0"/>
+              <a:t/>
+            </a:r>
+            <a:br>
+              <a:rPr lang="en-US" altLang="zh-CN" sz="1600" dirty="0"/>
+            </a:br>
+            <a:r>
+              <a:rPr lang="en-US" altLang="zh-CN" sz="1600" dirty="0"/>
+              <a:t>  if (</a:t>
+            </a:r>
+            <a:r>
+              <a:rPr lang="en-US" altLang="zh-CN" sz="1600" dirty="0" err="1"/>
+              <a:t>HasCExtension</a:t>
+            </a:r>
+            <a:r>
+              <a:rPr lang="en-US" altLang="zh-CN" sz="1600" dirty="0"/>
+              <a:t>) {</a:t>
+            </a:r>
+          </a:p>
+          <a:p>
+            <a:r>
+              <a:rPr lang="en-US" altLang="zh-CN" sz="1600" dirty="0"/>
+              <a:t>    </a:t>
+            </a:r>
+            <a:r>
+              <a:rPr lang="en-US" altLang="zh-CN" sz="1600" dirty="0" err="1"/>
+              <a:t>io.out</a:t>
+            </a:r>
+            <a:r>
+              <a:rPr lang="en-US" altLang="zh-CN" sz="1600" dirty="0"/>
+              <a:t> := new </a:t>
+            </a:r>
+            <a:r>
+              <a:rPr lang="en-US" altLang="zh-CN" sz="1600" dirty="0" err="1"/>
+              <a:t>RVCDecoder</a:t>
+            </a:r>
+            <a:r>
+              <a:rPr lang="en-US" altLang="zh-CN" sz="1600" dirty="0"/>
+              <a:t>(io.in, XLEN).decode</a:t>
+            </a:r>
+          </a:p>
+          <a:p>
+            <a:r>
+              <a:rPr lang="en-US" altLang="zh-CN" sz="1600" dirty="0"/>
+              <a:t>  } else {</a:t>
+            </a:r>
+          </a:p>
+          <a:p>
+            <a:r>
+              <a:rPr lang="en-US" altLang="zh-CN" sz="1600" dirty="0"/>
+              <a:t>    </a:t>
+            </a:r>
+            <a:r>
+              <a:rPr lang="en-US" altLang="zh-CN" sz="1600" dirty="0" err="1"/>
+              <a:t>io.out</a:t>
+            </a:r>
+            <a:r>
+              <a:rPr lang="en-US" altLang="zh-CN" sz="1600" dirty="0"/>
+              <a:t> := new </a:t>
+            </a:r>
+            <a:r>
+              <a:rPr lang="en-US" altLang="zh-CN" sz="1600" dirty="0" err="1"/>
+              <a:t>RVCDecoder</a:t>
+            </a:r>
+            <a:r>
+              <a:rPr lang="en-US" altLang="zh-CN" sz="1600" dirty="0"/>
+              <a:t>(io.in, XLEN).</a:t>
+            </a:r>
+            <a:r>
+              <a:rPr lang="en-US" altLang="zh-CN" sz="1600" dirty="0" err="1"/>
+              <a:t>passthrough</a:t>
+            </a:r>
+            <a:endParaRPr lang="en-US" altLang="zh-CN" sz="1600" dirty="0"/>
+          </a:p>
+          <a:p>
+            <a:r>
+              <a:rPr lang="en-US" altLang="zh-CN" sz="1600" dirty="0"/>
+              <a:t>  }</a:t>
+            </a:r>
+          </a:p>
+          <a:p>
+            <a:r>
+              <a:rPr lang="en-US" altLang="zh-CN" sz="1600" dirty="0"/>
+              <a:t>}</a:t>
+            </a:r>
+          </a:p>
+        </p:txBody>
+      </p:sp>
+    </p:spTree>
+    <p:extLst>
+      <p:ext uri="{BB962C8B-B14F-4D97-AF65-F5344CB8AC3E}">
+        <p14:creationId xmlns:p14="http://schemas.microsoft.com/office/powerpoint/2010/main" val="3983728922"/>
+      </p:ext>
+    </p:extLst>
+  </p:cSld>
+  <p:clrMapOvr>
+    <a:masterClrMapping/>
+  </p:clrMapOvr>
+</p:sld>
+</file>
+
+<file path=ppt/slides/slide12.xml><?xml version="1.0" encoding="utf-8"?>
+<p:sld xmlns:a="http://schemas.openxmlformats.org/drawingml/2006/main" xmlns:r="http://schemas.openxmlformats.org/officeDocument/2006/relationships" xmlns:p="http://schemas.openxmlformats.org/presentationml/2006/main">
+  <p:cSld>
+    <p:spTree>
+      <p:nvGrpSpPr>
+        <p:cNvPr id="1" name=""/>
+        <p:cNvGrpSpPr/>
+        <p:nvPr/>
+      </p:nvGrpSpPr>
+      <p:grpSpPr>
+        <a:xfrm>
+          <a:off x="0" y="0"/>
+          <a:ext cx="0" cy="0"/>
+          <a:chOff x="0" y="0"/>
+          <a:chExt cx="0" cy="0"/>
+        </a:xfrm>
+      </p:grpSpPr>
+      <p:sp>
+        <p:nvSpPr>
+          <p:cNvPr id="2" name="标题 1"/>
+          <p:cNvSpPr>
+            <a:spLocks noGrp="1"/>
+          </p:cNvSpPr>
+          <p:nvPr>
+            <p:ph type="title"/>
+          </p:nvPr>
+        </p:nvSpPr>
+        <p:spPr>
+          <a:xfrm>
+            <a:off x="457200" y="274638"/>
+            <a:ext cx="8229600" cy="706090"/>
+          </a:xfrm>
+        </p:spPr>
+        <p:txBody>
+          <a:bodyPr>
+            <a:normAutofit/>
+          </a:bodyPr>
+          <a:lstStyle/>
+          <a:p>
+            <a:pPr algn="l"/>
+            <a:r>
+              <a:rPr lang="en-US" altLang="zh-CN" sz="3200" dirty="0" smtClean="0">
+                <a:latin typeface="等线 Light" pitchFamily="2" charset="-122"/>
+                <a:ea typeface="等线 Light" pitchFamily="2" charset="-122"/>
+              </a:rPr>
+              <a:t>JAL/BR Offset</a:t>
+            </a:r>
+            <a:endParaRPr lang="zh-CN" altLang="en-US" sz="3200" dirty="0">
+              <a:latin typeface="等线 Light" pitchFamily="2" charset="-122"/>
+              <a:ea typeface="等线 Light" pitchFamily="2" charset="-122"/>
+            </a:endParaRPr>
+          </a:p>
+        </p:txBody>
+      </p:sp>
+      <p:pic>
+        <p:nvPicPr>
+          <p:cNvPr id="10" name="图片 9"/>
+          <p:cNvPicPr>
+            <a:picLocks noChangeAspect="1"/>
+          </p:cNvPicPr>
+          <p:nvPr/>
+        </p:nvPicPr>
+        <p:blipFill>
+          <a:blip r:embed="rId2"/>
+          <a:stretch>
+            <a:fillRect/>
+          </a:stretch>
+        </p:blipFill>
+        <p:spPr>
+          <a:xfrm>
+            <a:off x="393192" y="1556792"/>
+            <a:ext cx="7923224" cy="1304015"/>
+          </a:xfrm>
+          <a:prstGeom prst="rect">
+            <a:avLst/>
+          </a:prstGeom>
+        </p:spPr>
+      </p:pic>
+      <p:sp>
+        <p:nvSpPr>
+          <p:cNvPr id="11" name="矩形 10"/>
+          <p:cNvSpPr/>
+          <p:nvPr/>
+        </p:nvSpPr>
+        <p:spPr>
+          <a:xfrm>
+            <a:off x="393192" y="3436871"/>
+            <a:ext cx="8587280" cy="2585323"/>
+          </a:xfrm>
+          <a:prstGeom prst="rect">
+            <a:avLst/>
+          </a:prstGeom>
+        </p:spPr>
+        <p:txBody>
+          <a:bodyPr wrap="square">
+            <a:spAutoFit/>
+          </a:bodyPr>
+          <a:lstStyle/>
+          <a:p>
+            <a:r>
+              <a:rPr lang="en-US" altLang="zh-CN" b="0" dirty="0" err="1" smtClean="0">
+                <a:effectLst/>
+                <a:latin typeface="Consolas" panose="020B0609020204030204" pitchFamily="49" charset="0"/>
+              </a:rPr>
+              <a:t>def</a:t>
+            </a:r>
+            <a:r>
+              <a:rPr lang="en-US" altLang="zh-CN" b="0" dirty="0" smtClean="0">
+                <a:effectLst/>
+                <a:latin typeface="Consolas" panose="020B0609020204030204" pitchFamily="49" charset="0"/>
+              </a:rPr>
+              <a:t> </a:t>
+            </a:r>
+            <a:r>
+              <a:rPr lang="en-US" altLang="zh-CN" b="0" dirty="0" err="1" smtClean="0">
+                <a:effectLst/>
+                <a:latin typeface="Consolas" panose="020B0609020204030204" pitchFamily="49" charset="0"/>
+              </a:rPr>
+              <a:t>jal_offset</a:t>
+            </a:r>
+            <a:r>
+              <a:rPr lang="en-US" altLang="zh-CN" b="0" dirty="0" smtClean="0">
+                <a:effectLst/>
+                <a:latin typeface="Consolas" panose="020B0609020204030204" pitchFamily="49" charset="0"/>
+              </a:rPr>
+              <a:t>(</a:t>
+            </a:r>
+            <a:r>
+              <a:rPr lang="en-US" altLang="zh-CN" b="0" dirty="0" err="1" smtClean="0">
+                <a:effectLst/>
+                <a:latin typeface="Consolas" panose="020B0609020204030204" pitchFamily="49" charset="0"/>
+              </a:rPr>
+              <a:t>inst</a:t>
+            </a:r>
+            <a:r>
+              <a:rPr lang="en-US" altLang="zh-CN" b="0" dirty="0" smtClean="0">
+                <a:effectLst/>
+                <a:latin typeface="Consolas" panose="020B0609020204030204" pitchFamily="49" charset="0"/>
+              </a:rPr>
+              <a:t>: </a:t>
+            </a:r>
+            <a:r>
+              <a:rPr lang="en-US" altLang="zh-CN" b="0" dirty="0" err="1" smtClean="0">
+                <a:effectLst/>
+                <a:latin typeface="Consolas" panose="020B0609020204030204" pitchFamily="49" charset="0"/>
+              </a:rPr>
+              <a:t>UInt</a:t>
+            </a:r>
+            <a:r>
+              <a:rPr lang="en-US" altLang="zh-CN" b="0" dirty="0" smtClean="0">
+                <a:effectLst/>
+                <a:latin typeface="Consolas" panose="020B0609020204030204" pitchFamily="49" charset="0"/>
+              </a:rPr>
+              <a:t>, </a:t>
+            </a:r>
+            <a:r>
+              <a:rPr lang="en-US" altLang="zh-CN" b="0" dirty="0" err="1" smtClean="0">
+                <a:effectLst/>
+                <a:latin typeface="Consolas" panose="020B0609020204030204" pitchFamily="49" charset="0"/>
+              </a:rPr>
+              <a:t>rvc</a:t>
+            </a:r>
+            <a:r>
+              <a:rPr lang="en-US" altLang="zh-CN" b="0" dirty="0" smtClean="0">
+                <a:effectLst/>
+                <a:latin typeface="Consolas" panose="020B0609020204030204" pitchFamily="49" charset="0"/>
+              </a:rPr>
+              <a:t>: Bool): </a:t>
+            </a:r>
+            <a:r>
+              <a:rPr lang="en-US" altLang="zh-CN" b="0" dirty="0" err="1" smtClean="0">
+                <a:effectLst/>
+                <a:latin typeface="Consolas" panose="020B0609020204030204" pitchFamily="49" charset="0"/>
+              </a:rPr>
+              <a:t>UInt</a:t>
+            </a:r>
+            <a:r>
+              <a:rPr lang="en-US" altLang="zh-CN" b="0" dirty="0" smtClean="0">
+                <a:effectLst/>
+                <a:latin typeface="Consolas" panose="020B0609020204030204" pitchFamily="49" charset="0"/>
+              </a:rPr>
+              <a:t> = {</a:t>
+            </a:r>
+          </a:p>
+          <a:p>
+            <a:r>
+              <a:rPr lang="en-US" altLang="zh-CN" b="0" dirty="0" smtClean="0">
+                <a:effectLst/>
+                <a:latin typeface="Consolas" panose="020B0609020204030204" pitchFamily="49" charset="0"/>
+              </a:rPr>
+              <a:t>    </a:t>
+            </a:r>
+            <a:r>
+              <a:rPr lang="en-US" altLang="zh-CN" b="0" dirty="0" err="1" smtClean="0">
+                <a:effectLst/>
+                <a:latin typeface="Consolas" panose="020B0609020204030204" pitchFamily="49" charset="0"/>
+              </a:rPr>
+              <a:t>val</a:t>
+            </a:r>
+            <a:r>
+              <a:rPr lang="en-US" altLang="zh-CN" b="0" dirty="0" smtClean="0">
+                <a:effectLst/>
+                <a:latin typeface="Consolas" panose="020B0609020204030204" pitchFamily="49" charset="0"/>
+              </a:rPr>
+              <a:t> </a:t>
+            </a:r>
+            <a:r>
+              <a:rPr lang="en-US" altLang="zh-CN" b="0" dirty="0" err="1" smtClean="0">
+                <a:effectLst/>
+                <a:latin typeface="Consolas" panose="020B0609020204030204" pitchFamily="49" charset="0"/>
+              </a:rPr>
+              <a:t>rvc_offset</a:t>
+            </a:r>
+            <a:r>
+              <a:rPr lang="en-US" altLang="zh-CN" b="0" dirty="0" smtClean="0">
+                <a:effectLst/>
+                <a:latin typeface="Consolas" panose="020B0609020204030204" pitchFamily="49" charset="0"/>
+              </a:rPr>
+              <a:t> = Cat(</a:t>
+            </a:r>
+            <a:r>
+              <a:rPr lang="en-US" altLang="zh-CN" b="0" dirty="0" err="1" smtClean="0">
+                <a:effectLst/>
+                <a:latin typeface="Consolas" panose="020B0609020204030204" pitchFamily="49" charset="0"/>
+              </a:rPr>
+              <a:t>inst</a:t>
+            </a:r>
+            <a:r>
+              <a:rPr lang="en-US" altLang="zh-CN" b="0" dirty="0" smtClean="0">
+                <a:effectLst/>
+                <a:latin typeface="Consolas" panose="020B0609020204030204" pitchFamily="49" charset="0"/>
+              </a:rPr>
+              <a:t>(12), </a:t>
+            </a:r>
+            <a:r>
+              <a:rPr lang="en-US" altLang="zh-CN" b="0" dirty="0" err="1" smtClean="0">
+                <a:effectLst/>
+                <a:latin typeface="Consolas" panose="020B0609020204030204" pitchFamily="49" charset="0"/>
+              </a:rPr>
+              <a:t>inst</a:t>
+            </a:r>
+            <a:r>
+              <a:rPr lang="en-US" altLang="zh-CN" b="0" dirty="0" smtClean="0">
+                <a:effectLst/>
+                <a:latin typeface="Consolas" panose="020B0609020204030204" pitchFamily="49" charset="0"/>
+              </a:rPr>
+              <a:t>(8), </a:t>
+            </a:r>
+            <a:r>
+              <a:rPr lang="en-US" altLang="zh-CN" b="0" dirty="0" err="1" smtClean="0">
+                <a:effectLst/>
+                <a:latin typeface="Consolas" panose="020B0609020204030204" pitchFamily="49" charset="0"/>
+              </a:rPr>
+              <a:t>inst</a:t>
+            </a:r>
+            <a:r>
+              <a:rPr lang="en-US" altLang="zh-CN" b="0" dirty="0" smtClean="0">
+                <a:effectLst/>
+                <a:latin typeface="Consolas" panose="020B0609020204030204" pitchFamily="49" charset="0"/>
+              </a:rPr>
+              <a:t>(10, 9), </a:t>
+            </a:r>
+            <a:r>
+              <a:rPr lang="en-US" altLang="zh-CN" b="0" dirty="0" err="1" smtClean="0">
+                <a:effectLst/>
+                <a:latin typeface="Consolas" panose="020B0609020204030204" pitchFamily="49" charset="0"/>
+              </a:rPr>
+              <a:t>inst</a:t>
+            </a:r>
+            <a:r>
+              <a:rPr lang="en-US" altLang="zh-CN" b="0" dirty="0" smtClean="0">
+                <a:effectLst/>
+                <a:latin typeface="Consolas" panose="020B0609020204030204" pitchFamily="49" charset="0"/>
+              </a:rPr>
+              <a:t>(6), </a:t>
+            </a:r>
+            <a:r>
+              <a:rPr lang="en-US" altLang="zh-CN" b="0" dirty="0" err="1" smtClean="0">
+                <a:effectLst/>
+                <a:latin typeface="Consolas" panose="020B0609020204030204" pitchFamily="49" charset="0"/>
+              </a:rPr>
+              <a:t>inst</a:t>
+            </a:r>
+            <a:r>
+              <a:rPr lang="en-US" altLang="zh-CN" b="0" dirty="0" smtClean="0">
+                <a:effectLst/>
+                <a:latin typeface="Consolas" panose="020B0609020204030204" pitchFamily="49" charset="0"/>
+              </a:rPr>
+              <a:t>(7), </a:t>
+            </a:r>
+            <a:r>
+              <a:rPr lang="en-US" altLang="zh-CN" b="0" dirty="0" err="1" smtClean="0">
+                <a:effectLst/>
+                <a:latin typeface="Consolas" panose="020B0609020204030204" pitchFamily="49" charset="0"/>
+              </a:rPr>
+              <a:t>inst</a:t>
+            </a:r>
+            <a:r>
+              <a:rPr lang="en-US" altLang="zh-CN" b="0" dirty="0" smtClean="0">
+                <a:effectLst/>
+                <a:latin typeface="Consolas" panose="020B0609020204030204" pitchFamily="49" charset="0"/>
+              </a:rPr>
+              <a:t>(2), </a:t>
+            </a:r>
+            <a:r>
+              <a:rPr lang="en-US" altLang="zh-CN" b="0" dirty="0" err="1" smtClean="0">
+                <a:effectLst/>
+                <a:latin typeface="Consolas" panose="020B0609020204030204" pitchFamily="49" charset="0"/>
+              </a:rPr>
+              <a:t>inst</a:t>
+            </a:r>
+            <a:r>
+              <a:rPr lang="en-US" altLang="zh-CN" b="0" dirty="0" smtClean="0">
+                <a:effectLst/>
+                <a:latin typeface="Consolas" panose="020B0609020204030204" pitchFamily="49" charset="0"/>
+              </a:rPr>
+              <a:t>(11), </a:t>
+            </a:r>
+            <a:r>
+              <a:rPr lang="en-US" altLang="zh-CN" b="0" dirty="0" err="1" smtClean="0">
+                <a:effectLst/>
+                <a:latin typeface="Consolas" panose="020B0609020204030204" pitchFamily="49" charset="0"/>
+              </a:rPr>
+              <a:t>inst</a:t>
+            </a:r>
+            <a:r>
+              <a:rPr lang="en-US" altLang="zh-CN" b="0" dirty="0" smtClean="0">
+                <a:effectLst/>
+                <a:latin typeface="Consolas" panose="020B0609020204030204" pitchFamily="49" charset="0"/>
+              </a:rPr>
+              <a:t>(5, 3), 0.U(1.W))</a:t>
+            </a:r>
+          </a:p>
+          <a:p>
+            <a:r>
+              <a:rPr lang="en-US" altLang="zh-CN" b="0" dirty="0" smtClean="0">
+                <a:effectLst/>
+                <a:latin typeface="Consolas" panose="020B0609020204030204" pitchFamily="49" charset="0"/>
+              </a:rPr>
+              <a:t>    </a:t>
+            </a:r>
+            <a:r>
+              <a:rPr lang="en-US" altLang="zh-CN" b="0" dirty="0" err="1" smtClean="0">
+                <a:effectLst/>
+                <a:latin typeface="Consolas" panose="020B0609020204030204" pitchFamily="49" charset="0"/>
+              </a:rPr>
+              <a:t>val</a:t>
+            </a:r>
+            <a:r>
+              <a:rPr lang="en-US" altLang="zh-CN" b="0" dirty="0" smtClean="0">
+                <a:effectLst/>
+                <a:latin typeface="Consolas" panose="020B0609020204030204" pitchFamily="49" charset="0"/>
+              </a:rPr>
+              <a:t> </a:t>
+            </a:r>
+            <a:r>
+              <a:rPr lang="en-US" altLang="zh-CN" b="0" dirty="0" err="1" smtClean="0">
+                <a:effectLst/>
+                <a:latin typeface="Consolas" panose="020B0609020204030204" pitchFamily="49" charset="0"/>
+              </a:rPr>
+              <a:t>rvi_offset</a:t>
+            </a:r>
+            <a:r>
+              <a:rPr lang="en-US" altLang="zh-CN" b="0" dirty="0" smtClean="0">
+                <a:effectLst/>
+                <a:latin typeface="Consolas" panose="020B0609020204030204" pitchFamily="49" charset="0"/>
+              </a:rPr>
+              <a:t> = Cat(</a:t>
+            </a:r>
+            <a:r>
+              <a:rPr lang="en-US" altLang="zh-CN" b="0" dirty="0" err="1" smtClean="0">
+                <a:effectLst/>
+                <a:latin typeface="Consolas" panose="020B0609020204030204" pitchFamily="49" charset="0"/>
+              </a:rPr>
+              <a:t>inst</a:t>
+            </a:r>
+            <a:r>
+              <a:rPr lang="en-US" altLang="zh-CN" b="0" dirty="0" smtClean="0">
+                <a:effectLst/>
+                <a:latin typeface="Consolas" panose="020B0609020204030204" pitchFamily="49" charset="0"/>
+              </a:rPr>
+              <a:t>(31), </a:t>
+            </a:r>
+            <a:r>
+              <a:rPr lang="en-US" altLang="zh-CN" b="0" dirty="0" err="1" smtClean="0">
+                <a:effectLst/>
+                <a:latin typeface="Consolas" panose="020B0609020204030204" pitchFamily="49" charset="0"/>
+              </a:rPr>
+              <a:t>inst</a:t>
+            </a:r>
+            <a:r>
+              <a:rPr lang="en-US" altLang="zh-CN" b="0" dirty="0" smtClean="0">
+                <a:effectLst/>
+                <a:latin typeface="Consolas" panose="020B0609020204030204" pitchFamily="49" charset="0"/>
+              </a:rPr>
+              <a:t>(19, 12), </a:t>
+            </a:r>
+            <a:r>
+              <a:rPr lang="en-US" altLang="zh-CN" b="0" dirty="0" err="1" smtClean="0">
+                <a:effectLst/>
+                <a:latin typeface="Consolas" panose="020B0609020204030204" pitchFamily="49" charset="0"/>
+              </a:rPr>
+              <a:t>inst</a:t>
+            </a:r>
+            <a:r>
+              <a:rPr lang="en-US" altLang="zh-CN" b="0" dirty="0" smtClean="0">
+                <a:effectLst/>
+                <a:latin typeface="Consolas" panose="020B0609020204030204" pitchFamily="49" charset="0"/>
+              </a:rPr>
+              <a:t>(20), </a:t>
+            </a:r>
+            <a:r>
+              <a:rPr lang="en-US" altLang="zh-CN" b="0" dirty="0" err="1" smtClean="0">
+                <a:effectLst/>
+                <a:latin typeface="Consolas" panose="020B0609020204030204" pitchFamily="49" charset="0"/>
+              </a:rPr>
+              <a:t>inst</a:t>
+            </a:r>
+            <a:r>
+              <a:rPr lang="en-US" altLang="zh-CN" b="0" dirty="0" smtClean="0">
+                <a:effectLst/>
+                <a:latin typeface="Consolas" panose="020B0609020204030204" pitchFamily="49" charset="0"/>
+              </a:rPr>
+              <a:t>(30, 21), 0.U(1.W))</a:t>
+            </a:r>
+          </a:p>
+          <a:p>
+            <a:r>
+              <a:rPr lang="en-US" altLang="zh-CN" b="0" dirty="0" smtClean="0">
+                <a:effectLst/>
+                <a:latin typeface="Consolas" panose="020B0609020204030204" pitchFamily="49" charset="0"/>
+              </a:rPr>
+              <a:t>    </a:t>
+            </a:r>
+            <a:r>
+              <a:rPr lang="en-US" altLang="zh-CN" b="0" dirty="0" err="1" smtClean="0">
+                <a:effectLst/>
+                <a:latin typeface="Consolas" panose="020B0609020204030204" pitchFamily="49" charset="0"/>
+              </a:rPr>
+              <a:t>val</a:t>
+            </a:r>
+            <a:r>
+              <a:rPr lang="en-US" altLang="zh-CN" b="0" dirty="0" smtClean="0">
+                <a:effectLst/>
+                <a:latin typeface="Consolas" panose="020B0609020204030204" pitchFamily="49" charset="0"/>
+              </a:rPr>
+              <a:t> </a:t>
+            </a:r>
+            <a:r>
+              <a:rPr lang="en-US" altLang="zh-CN" b="0" dirty="0" err="1" smtClean="0">
+                <a:effectLst/>
+                <a:latin typeface="Consolas" panose="020B0609020204030204" pitchFamily="49" charset="0"/>
+              </a:rPr>
+              <a:t>max_width</a:t>
+            </a:r>
+            <a:r>
+              <a:rPr lang="en-US" altLang="zh-CN" b="0" dirty="0" smtClean="0">
+                <a:effectLst/>
+                <a:latin typeface="Consolas" panose="020B0609020204030204" pitchFamily="49" charset="0"/>
+              </a:rPr>
+              <a:t> = </a:t>
+            </a:r>
+            <a:r>
+              <a:rPr lang="en-US" altLang="zh-CN" b="0" dirty="0" err="1" smtClean="0">
+                <a:effectLst/>
+                <a:latin typeface="Consolas" panose="020B0609020204030204" pitchFamily="49" charset="0"/>
+              </a:rPr>
+              <a:t>rvi_offset.getWidth</a:t>
+            </a:r>
+            <a:endParaRPr lang="en-US" altLang="zh-CN" b="0" dirty="0" smtClean="0">
+              <a:effectLst/>
+              <a:latin typeface="Consolas" panose="020B0609020204030204" pitchFamily="49" charset="0"/>
+            </a:endParaRPr>
+          </a:p>
+          <a:p>
+            <a:r>
+              <a:rPr lang="en-US" altLang="zh-CN" b="0" dirty="0" smtClean="0">
+                <a:effectLst/>
+                <a:latin typeface="Consolas" panose="020B0609020204030204" pitchFamily="49" charset="0"/>
+              </a:rPr>
+              <a:t>    </a:t>
+            </a:r>
+            <a:r>
+              <a:rPr lang="en-US" altLang="zh-CN" b="0" dirty="0" err="1" smtClean="0">
+                <a:effectLst/>
+                <a:latin typeface="Consolas" panose="020B0609020204030204" pitchFamily="49" charset="0"/>
+              </a:rPr>
+              <a:t>SignExt</a:t>
+            </a:r>
+            <a:r>
+              <a:rPr lang="en-US" altLang="zh-CN" b="0" dirty="0" smtClean="0">
+                <a:effectLst/>
+                <a:latin typeface="Consolas" panose="020B0609020204030204" pitchFamily="49" charset="0"/>
+              </a:rPr>
+              <a:t>(Mux(</a:t>
+            </a:r>
+            <a:r>
+              <a:rPr lang="en-US" altLang="zh-CN" b="0" dirty="0" err="1" smtClean="0">
+                <a:effectLst/>
+                <a:latin typeface="Consolas" panose="020B0609020204030204" pitchFamily="49" charset="0"/>
+              </a:rPr>
+              <a:t>rvc</a:t>
+            </a:r>
+            <a:r>
+              <a:rPr lang="en-US" altLang="zh-CN" b="0" dirty="0" smtClean="0">
+                <a:effectLst/>
+                <a:latin typeface="Consolas" panose="020B0609020204030204" pitchFamily="49" charset="0"/>
+              </a:rPr>
+              <a:t>, </a:t>
+            </a:r>
+            <a:r>
+              <a:rPr lang="en-US" altLang="zh-CN" b="0" dirty="0" err="1" smtClean="0">
+                <a:effectLst/>
+                <a:latin typeface="Consolas" panose="020B0609020204030204" pitchFamily="49" charset="0"/>
+              </a:rPr>
+              <a:t>SignExt</a:t>
+            </a:r>
+            <a:r>
+              <a:rPr lang="en-US" altLang="zh-CN" b="0" dirty="0" smtClean="0">
+                <a:effectLst/>
+                <a:latin typeface="Consolas" panose="020B0609020204030204" pitchFamily="49" charset="0"/>
+              </a:rPr>
+              <a:t>(</a:t>
+            </a:r>
+            <a:r>
+              <a:rPr lang="en-US" altLang="zh-CN" b="0" dirty="0" err="1" smtClean="0">
+                <a:effectLst/>
+                <a:latin typeface="Consolas" panose="020B0609020204030204" pitchFamily="49" charset="0"/>
+              </a:rPr>
+              <a:t>rvc_offset</a:t>
+            </a:r>
+            <a:r>
+              <a:rPr lang="en-US" altLang="zh-CN" b="0" dirty="0" smtClean="0">
+                <a:effectLst/>
+                <a:latin typeface="Consolas" panose="020B0609020204030204" pitchFamily="49" charset="0"/>
+              </a:rPr>
+              <a:t>, </a:t>
+            </a:r>
+            <a:r>
+              <a:rPr lang="en-US" altLang="zh-CN" b="0" dirty="0" err="1" smtClean="0">
+                <a:effectLst/>
+                <a:latin typeface="Consolas" panose="020B0609020204030204" pitchFamily="49" charset="0"/>
+              </a:rPr>
+              <a:t>max_width</a:t>
+            </a:r>
+            <a:r>
+              <a:rPr lang="en-US" altLang="zh-CN" b="0" dirty="0" smtClean="0">
+                <a:effectLst/>
+                <a:latin typeface="Consolas" panose="020B0609020204030204" pitchFamily="49" charset="0"/>
+              </a:rPr>
+              <a:t>), </a:t>
+            </a:r>
+            <a:r>
+              <a:rPr lang="en-US" altLang="zh-CN" b="0" dirty="0" err="1" smtClean="0">
+                <a:effectLst/>
+                <a:latin typeface="Consolas" panose="020B0609020204030204" pitchFamily="49" charset="0"/>
+              </a:rPr>
+              <a:t>SignExt</a:t>
+            </a:r>
+            <a:r>
+              <a:rPr lang="en-US" altLang="zh-CN" b="0" dirty="0" smtClean="0">
+                <a:effectLst/>
+                <a:latin typeface="Consolas" panose="020B0609020204030204" pitchFamily="49" charset="0"/>
+              </a:rPr>
+              <a:t>(</a:t>
+            </a:r>
+            <a:r>
+              <a:rPr lang="en-US" altLang="zh-CN" b="0" dirty="0" err="1" smtClean="0">
+                <a:effectLst/>
+                <a:latin typeface="Consolas" panose="020B0609020204030204" pitchFamily="49" charset="0"/>
+              </a:rPr>
+              <a:t>rvi_offset</a:t>
+            </a:r>
+            <a:r>
+              <a:rPr lang="en-US" altLang="zh-CN" b="0" dirty="0" smtClean="0">
+                <a:effectLst/>
+                <a:latin typeface="Consolas" panose="020B0609020204030204" pitchFamily="49" charset="0"/>
+              </a:rPr>
+              <a:t>, </a:t>
+            </a:r>
+            <a:r>
+              <a:rPr lang="en-US" altLang="zh-CN" b="0" dirty="0" err="1" smtClean="0">
+                <a:effectLst/>
+                <a:latin typeface="Consolas" panose="020B0609020204030204" pitchFamily="49" charset="0"/>
+              </a:rPr>
+              <a:t>max_width</a:t>
+            </a:r>
+            <a:r>
+              <a:rPr lang="en-US" altLang="zh-CN" b="0" dirty="0" smtClean="0">
+                <a:effectLst/>
+                <a:latin typeface="Consolas" panose="020B0609020204030204" pitchFamily="49" charset="0"/>
+              </a:rPr>
+              <a:t>)), XLEN)</a:t>
+            </a:r>
+          </a:p>
+          <a:p>
+            <a:r>
+              <a:rPr lang="en-US" altLang="zh-CN" b="0" dirty="0" smtClean="0">
+                <a:effectLst/>
+                <a:latin typeface="Consolas" panose="020B0609020204030204" pitchFamily="49" charset="0"/>
+              </a:rPr>
+              <a:t>  }</a:t>
+            </a:r>
+            <a:endParaRPr lang="en-US" altLang="zh-CN" b="0" dirty="0">
+              <a:effectLst/>
+              <a:latin typeface="Consolas" panose="020B0609020204030204" pitchFamily="49" charset="0"/>
+            </a:endParaRPr>
+          </a:p>
+        </p:txBody>
+      </p:sp>
+    </p:spTree>
+    <p:extLst>
+      <p:ext uri="{BB962C8B-B14F-4D97-AF65-F5344CB8AC3E}">
+        <p14:creationId xmlns:p14="http://schemas.microsoft.com/office/powerpoint/2010/main" val="3928861012"/>
+      </p:ext>
+    </p:extLst>
+  </p:cSld>
+  <p:clrMapOvr>
+    <a:masterClrMapping/>
+  </p:clrMapOvr>
+</p:sld>
+</file>
+
+<file path=ppt/slides/slide13.xml><?xml version="1.0" encoding="utf-8"?>
+<p:sld xmlns:a="http://schemas.openxmlformats.org/drawingml/2006/main" xmlns:r="http://schemas.openxmlformats.org/officeDocument/2006/relationships" xmlns:p="http://schemas.openxmlformats.org/presentationml/2006/main">
+  <p:cSld>
+    <p:spTree>
+      <p:nvGrpSpPr>
+        <p:cNvPr id="1" name=""/>
+        <p:cNvGrpSpPr/>
+        <p:nvPr/>
+      </p:nvGrpSpPr>
+      <p:grpSpPr>
+        <a:xfrm>
+          <a:off x="0" y="0"/>
+          <a:ext cx="0" cy="0"/>
+          <a:chOff x="0" y="0"/>
+          <a:chExt cx="0" cy="0"/>
+        </a:xfrm>
+      </p:grpSpPr>
+      <p:sp>
+        <p:nvSpPr>
+          <p:cNvPr id="2" name="标题 1"/>
+          <p:cNvSpPr>
+            <a:spLocks noGrp="1"/>
+          </p:cNvSpPr>
+          <p:nvPr>
+            <p:ph type="title"/>
+          </p:nvPr>
+        </p:nvSpPr>
+        <p:spPr>
+          <a:xfrm>
+            <a:off x="457200" y="274638"/>
+            <a:ext cx="8229600" cy="706090"/>
+          </a:xfrm>
+        </p:spPr>
+        <p:txBody>
+          <a:bodyPr>
+            <a:normAutofit/>
+          </a:bodyPr>
+          <a:lstStyle/>
+          <a:p>
+            <a:pPr algn="l"/>
+            <a:r>
+              <a:rPr lang="en-US" altLang="zh-CN" sz="3200" dirty="0" smtClean="0">
+                <a:latin typeface="等线 Light" pitchFamily="2" charset="-122"/>
+                <a:ea typeface="等线 Light" pitchFamily="2" charset="-122"/>
+              </a:rPr>
+              <a:t>Branch type</a:t>
+            </a:r>
+            <a:endParaRPr lang="zh-CN" altLang="en-US" sz="3200" dirty="0">
+              <a:latin typeface="等线 Light" pitchFamily="2" charset="-122"/>
+              <a:ea typeface="等线 Light" pitchFamily="2" charset="-122"/>
+            </a:endParaRPr>
+          </a:p>
+        </p:txBody>
+      </p:sp>
+      <p:sp>
+        <p:nvSpPr>
+          <p:cNvPr id="3" name="矩形 2"/>
+          <p:cNvSpPr/>
+          <p:nvPr/>
+        </p:nvSpPr>
+        <p:spPr>
+          <a:xfrm>
+            <a:off x="457200" y="1124744"/>
+            <a:ext cx="7542584" cy="2031325"/>
+          </a:xfrm>
+          <a:prstGeom prst="rect">
+            <a:avLst/>
+          </a:prstGeom>
+        </p:spPr>
+        <p:txBody>
+          <a:bodyPr wrap="square">
+            <a:spAutoFit/>
+          </a:bodyPr>
+          <a:lstStyle/>
+          <a:p>
+            <a:r>
+              <a:rPr lang="en-US" altLang="zh-CN" dirty="0">
+                <a:latin typeface="Consolas" panose="020B0609020204030204" pitchFamily="49" charset="0"/>
+              </a:rPr>
+              <a:t>object </a:t>
+            </a:r>
+            <a:r>
+              <a:rPr lang="en-US" altLang="zh-CN" dirty="0" err="1">
+                <a:latin typeface="Consolas" panose="020B0609020204030204" pitchFamily="49" charset="0"/>
+              </a:rPr>
+              <a:t>BrType</a:t>
+            </a:r>
+            <a:r>
+              <a:rPr lang="en-US" altLang="zh-CN" dirty="0">
+                <a:latin typeface="Consolas" panose="020B0609020204030204" pitchFamily="49" charset="0"/>
+              </a:rPr>
+              <a:t> {</a:t>
+            </a:r>
+          </a:p>
+          <a:p>
+            <a:r>
+              <a:rPr lang="en-US" altLang="zh-CN" dirty="0">
+                <a:latin typeface="Consolas" panose="020B0609020204030204" pitchFamily="49" charset="0"/>
+              </a:rPr>
+              <a:t>  </a:t>
+            </a:r>
+            <a:r>
+              <a:rPr lang="en-US" altLang="zh-CN" dirty="0" err="1">
+                <a:latin typeface="Consolas" panose="020B0609020204030204" pitchFamily="49" charset="0"/>
+              </a:rPr>
+              <a:t>def</a:t>
+            </a:r>
+            <a:r>
+              <a:rPr lang="en-US" altLang="zh-CN" dirty="0">
+                <a:latin typeface="Consolas" panose="020B0609020204030204" pitchFamily="49" charset="0"/>
+              </a:rPr>
+              <a:t> </a:t>
+            </a:r>
+            <a:r>
+              <a:rPr lang="en-US" altLang="zh-CN" dirty="0" err="1">
+                <a:latin typeface="Consolas" panose="020B0609020204030204" pitchFamily="49" charset="0"/>
+              </a:rPr>
+              <a:t>notCFI</a:t>
+            </a:r>
+            <a:r>
+              <a:rPr lang="en-US" altLang="zh-CN" dirty="0">
+                <a:latin typeface="Consolas" panose="020B0609020204030204" pitchFamily="49" charset="0"/>
+              </a:rPr>
+              <a:t>   = "b00".U    </a:t>
+            </a:r>
+          </a:p>
+          <a:p>
+            <a:r>
+              <a:rPr lang="en-US" altLang="zh-CN" dirty="0">
+                <a:latin typeface="Consolas" panose="020B0609020204030204" pitchFamily="49" charset="0"/>
+              </a:rPr>
+              <a:t>  </a:t>
+            </a:r>
+            <a:r>
+              <a:rPr lang="en-US" altLang="zh-CN" dirty="0" err="1">
+                <a:latin typeface="Consolas" panose="020B0609020204030204" pitchFamily="49" charset="0"/>
+              </a:rPr>
+              <a:t>def</a:t>
+            </a:r>
+            <a:r>
+              <a:rPr lang="en-US" altLang="zh-CN" dirty="0">
+                <a:latin typeface="Consolas" panose="020B0609020204030204" pitchFamily="49" charset="0"/>
+              </a:rPr>
+              <a:t> branch  = "b01".U</a:t>
+            </a:r>
+          </a:p>
+          <a:p>
+            <a:r>
+              <a:rPr lang="en-US" altLang="zh-CN" dirty="0">
+                <a:latin typeface="Consolas" panose="020B0609020204030204" pitchFamily="49" charset="0"/>
+              </a:rPr>
+              <a:t>  </a:t>
+            </a:r>
+            <a:r>
+              <a:rPr lang="en-US" altLang="zh-CN" dirty="0" err="1">
+                <a:latin typeface="Consolas" panose="020B0609020204030204" pitchFamily="49" charset="0"/>
+              </a:rPr>
+              <a:t>def</a:t>
+            </a:r>
+            <a:r>
+              <a:rPr lang="en-US" altLang="zh-CN" dirty="0">
+                <a:latin typeface="Consolas" panose="020B0609020204030204" pitchFamily="49" charset="0"/>
+              </a:rPr>
+              <a:t> </a:t>
+            </a:r>
+            <a:r>
+              <a:rPr lang="en-US" altLang="zh-CN" dirty="0" err="1">
+                <a:latin typeface="Consolas" panose="020B0609020204030204" pitchFamily="49" charset="0"/>
+              </a:rPr>
+              <a:t>jal</a:t>
+            </a:r>
+            <a:r>
+              <a:rPr lang="en-US" altLang="zh-CN" dirty="0">
+                <a:latin typeface="Consolas" panose="020B0609020204030204" pitchFamily="49" charset="0"/>
+              </a:rPr>
+              <a:t>     = "b10".U    // jump and link </a:t>
+            </a:r>
+            <a:r>
+              <a:rPr lang="en-US" altLang="zh-CN" dirty="0" err="1">
+                <a:latin typeface="Consolas" panose="020B0609020204030204" pitchFamily="49" charset="0"/>
+              </a:rPr>
+              <a:t>instructino</a:t>
+            </a:r>
+            <a:endParaRPr lang="en-US" altLang="zh-CN" dirty="0">
+              <a:latin typeface="Consolas" panose="020B0609020204030204" pitchFamily="49" charset="0"/>
+            </a:endParaRPr>
+          </a:p>
+          <a:p>
+            <a:r>
+              <a:rPr lang="en-US" altLang="zh-CN" dirty="0">
+                <a:latin typeface="Consolas" panose="020B0609020204030204" pitchFamily="49" charset="0"/>
+              </a:rPr>
+              <a:t>  </a:t>
+            </a:r>
+            <a:r>
+              <a:rPr lang="en-US" altLang="zh-CN" dirty="0" err="1">
+                <a:latin typeface="Consolas" panose="020B0609020204030204" pitchFamily="49" charset="0"/>
+              </a:rPr>
+              <a:t>def</a:t>
+            </a:r>
+            <a:r>
+              <a:rPr lang="en-US" altLang="zh-CN" dirty="0">
+                <a:latin typeface="Consolas" panose="020B0609020204030204" pitchFamily="49" charset="0"/>
+              </a:rPr>
+              <a:t> </a:t>
+            </a:r>
+            <a:r>
+              <a:rPr lang="en-US" altLang="zh-CN" dirty="0" err="1">
+                <a:latin typeface="Consolas" panose="020B0609020204030204" pitchFamily="49" charset="0"/>
+              </a:rPr>
+              <a:t>jalr</a:t>
+            </a:r>
+            <a:r>
+              <a:rPr lang="en-US" altLang="zh-CN" dirty="0">
+                <a:latin typeface="Consolas" panose="020B0609020204030204" pitchFamily="49" charset="0"/>
+              </a:rPr>
+              <a:t>    = "b11".U</a:t>
+            </a:r>
+          </a:p>
+          <a:p>
+            <a:r>
+              <a:rPr lang="en-US" altLang="zh-CN" dirty="0">
+                <a:latin typeface="Consolas" panose="020B0609020204030204" pitchFamily="49" charset="0"/>
+              </a:rPr>
+              <a:t>  </a:t>
+            </a:r>
+            <a:r>
+              <a:rPr lang="en-US" altLang="zh-CN" dirty="0" err="1">
+                <a:latin typeface="Consolas" panose="020B0609020204030204" pitchFamily="49" charset="0"/>
+              </a:rPr>
+              <a:t>def</a:t>
+            </a:r>
+            <a:r>
+              <a:rPr lang="en-US" altLang="zh-CN" dirty="0">
+                <a:latin typeface="Consolas" panose="020B0609020204030204" pitchFamily="49" charset="0"/>
+              </a:rPr>
+              <a:t> apply() = </a:t>
+            </a:r>
+            <a:r>
+              <a:rPr lang="en-US" altLang="zh-CN" dirty="0" err="1">
+                <a:latin typeface="Consolas" panose="020B0609020204030204" pitchFamily="49" charset="0"/>
+              </a:rPr>
+              <a:t>UInt</a:t>
+            </a:r>
+            <a:r>
+              <a:rPr lang="en-US" altLang="zh-CN" dirty="0">
+                <a:latin typeface="Consolas" panose="020B0609020204030204" pitchFamily="49" charset="0"/>
+              </a:rPr>
+              <a:t>(2.W)</a:t>
+            </a:r>
+          </a:p>
+          <a:p>
+            <a:r>
+              <a:rPr lang="en-US" altLang="zh-CN" dirty="0">
+                <a:latin typeface="Consolas" panose="020B0609020204030204" pitchFamily="49" charset="0"/>
+              </a:rPr>
+              <a:t>}</a:t>
+            </a:r>
+            <a:endParaRPr lang="en-US" altLang="zh-CN" b="0" dirty="0">
+              <a:effectLst/>
+              <a:latin typeface="Consolas" panose="020B0609020204030204" pitchFamily="49" charset="0"/>
+            </a:endParaRPr>
+          </a:p>
+        </p:txBody>
+      </p:sp>
+    </p:spTree>
+    <p:extLst>
+      <p:ext uri="{BB962C8B-B14F-4D97-AF65-F5344CB8AC3E}">
+        <p14:creationId xmlns:p14="http://schemas.microsoft.com/office/powerpoint/2010/main" val="3221432674"/>
+      </p:ext>
+    </p:extLst>
+  </p:cSld>
+  <p:clrMapOvr>
+    <a:masterClrMapping/>
+  </p:clrMapOvr>
+</p:sld>
+</file>
+
+<file path=ppt/slides/slide14.xml><?xml version="1.0" encoding="utf-8"?>
+<p:sld xmlns:a="http://schemas.openxmlformats.org/drawingml/2006/main" xmlns:r="http://schemas.openxmlformats.org/officeDocument/2006/relationships" xmlns:p="http://schemas.openxmlformats.org/presentationml/2006/main">
+  <p:cSld>
+    <p:spTree>
+      <p:nvGrpSpPr>
+        <p:cNvPr id="1" name=""/>
+        <p:cNvGrpSpPr/>
+        <p:nvPr/>
+      </p:nvGrpSpPr>
+      <p:grpSpPr>
+        <a:xfrm>
+          <a:off x="0" y="0"/>
+          <a:ext cx="0" cy="0"/>
+          <a:chOff x="0" y="0"/>
+          <a:chExt cx="0" cy="0"/>
+        </a:xfrm>
+      </p:grpSpPr>
+      <p:sp>
+        <p:nvSpPr>
+          <p:cNvPr id="2" name="标题 1"/>
+          <p:cNvSpPr>
+            <a:spLocks noGrp="1"/>
+          </p:cNvSpPr>
+          <p:nvPr>
+            <p:ph type="title"/>
+          </p:nvPr>
+        </p:nvSpPr>
+        <p:spPr/>
+        <p:txBody>
+          <a:bodyPr/>
+          <a:lstStyle/>
+          <a:p>
+            <a:r>
+              <a:rPr lang="en-US" altLang="zh-CN" dirty="0" err="1" smtClean="0">
+                <a:latin typeface="等线 Light" pitchFamily="2" charset="-122"/>
+                <a:ea typeface="等线 Light" pitchFamily="2" charset="-122"/>
+              </a:rPr>
+              <a:t>PreDecoder</a:t>
+            </a:r>
+            <a:endParaRPr lang="zh-CN" altLang="en-US" dirty="0">
+              <a:latin typeface="等线 Light" pitchFamily="2" charset="-122"/>
+              <a:ea typeface="等线 Light" pitchFamily="2" charset="-122"/>
+            </a:endParaRPr>
+          </a:p>
+        </p:txBody>
+      </p:sp>
+    </p:spTree>
+    <p:extLst>
+      <p:ext uri="{BB962C8B-B14F-4D97-AF65-F5344CB8AC3E}">
+        <p14:creationId xmlns:p14="http://schemas.microsoft.com/office/powerpoint/2010/main" val="3272056970"/>
+      </p:ext>
+    </p:extLst>
+  </p:cSld>
+  <p:clrMapOvr>
+    <a:masterClrMapping/>
+  </p:clrMapOvr>
+</p:sld>
+</file>
+
+<file path=ppt/slides/slide15.xml><?xml version="1.0" encoding="utf-8"?>
+<p:sld xmlns:a="http://schemas.openxmlformats.org/drawingml/2006/main" xmlns:r="http://schemas.openxmlformats.org/officeDocument/2006/relationships" xmlns:p="http://schemas.openxmlformats.org/presentationml/2006/main">
+  <p:cSld>
+    <p:spTree>
+      <p:nvGrpSpPr>
+        <p:cNvPr id="1" name=""/>
+        <p:cNvGrpSpPr/>
+        <p:nvPr/>
+      </p:nvGrpSpPr>
+      <p:grpSpPr>
+        <a:xfrm>
+          <a:off x="0" y="0"/>
+          <a:ext cx="0" cy="0"/>
+          <a:chOff x="0" y="0"/>
+          <a:chExt cx="0" cy="0"/>
+        </a:xfrm>
+      </p:grpSpPr>
+      <p:pic>
+        <p:nvPicPr>
+          <p:cNvPr id="4" name="图片 3"/>
+          <p:cNvPicPr>
+            <a:picLocks noChangeAspect="1"/>
+          </p:cNvPicPr>
+          <p:nvPr/>
+        </p:nvPicPr>
+        <p:blipFill>
+          <a:blip r:embed="rId2"/>
+          <a:stretch>
+            <a:fillRect/>
+          </a:stretch>
+        </p:blipFill>
+        <p:spPr>
+          <a:xfrm>
+            <a:off x="4576200" y="476672"/>
+            <a:ext cx="4380773" cy="4197546"/>
+          </a:xfrm>
+          <a:prstGeom prst="rect">
+            <a:avLst/>
+          </a:prstGeom>
+        </p:spPr>
+      </p:pic>
+      <p:pic>
+        <p:nvPicPr>
+          <p:cNvPr id="5" name="图片 4"/>
+          <p:cNvPicPr>
+            <a:picLocks noChangeAspect="1"/>
+          </p:cNvPicPr>
+          <p:nvPr/>
+        </p:nvPicPr>
+        <p:blipFill>
+          <a:blip r:embed="rId3"/>
+          <a:stretch>
+            <a:fillRect/>
+          </a:stretch>
+        </p:blipFill>
+        <p:spPr>
+          <a:xfrm>
+            <a:off x="302187" y="841039"/>
+            <a:ext cx="4250944" cy="3468811"/>
+          </a:xfrm>
+          <a:prstGeom prst="rect">
+            <a:avLst/>
+          </a:prstGeom>
+        </p:spPr>
+      </p:pic>
+    </p:spTree>
+    <p:extLst>
+      <p:ext uri="{BB962C8B-B14F-4D97-AF65-F5344CB8AC3E}">
+        <p14:creationId xmlns:p14="http://schemas.microsoft.com/office/powerpoint/2010/main" val="1772972666"/>
+      </p:ext>
+    </p:extLst>
+  </p:cSld>
+  <p:clrMapOvr>
+    <a:masterClrMapping/>
+  </p:clrMapOvr>
+</p:sld>
+</file>
+
+<file path=ppt/slides/slide16.xml><?xml version="1.0" encoding="utf-8"?>
+<p:sld xmlns:a="http://schemas.openxmlformats.org/drawingml/2006/main" xmlns:r="http://schemas.openxmlformats.org/officeDocument/2006/relationships" xmlns:p="http://schemas.openxmlformats.org/presentationml/2006/main">
+  <p:cSld>
+    <p:spTree>
+      <p:nvGrpSpPr>
+        <p:cNvPr id="1" name=""/>
+        <p:cNvGrpSpPr/>
+        <p:nvPr/>
+      </p:nvGrpSpPr>
+      <p:grpSpPr>
+        <a:xfrm>
+          <a:off x="0" y="0"/>
+          <a:ext cx="0" cy="0"/>
+          <a:chOff x="0" y="0"/>
+          <a:chExt cx="0" cy="0"/>
+        </a:xfrm>
+      </p:grpSpPr>
+      <p:sp>
+        <p:nvSpPr>
+          <p:cNvPr id="4" name="标题 1"/>
+          <p:cNvSpPr txBox="1">
+            <a:spLocks/>
+          </p:cNvSpPr>
+          <p:nvPr/>
+        </p:nvSpPr>
+        <p:spPr>
+          <a:xfrm>
+            <a:off x="201390" y="44761"/>
+            <a:ext cx="8229600" cy="706090"/>
+          </a:xfrm>
+          <a:prstGeom prst="rect">
+            <a:avLst/>
+          </a:prstGeom>
+        </p:spPr>
+        <p:txBody>
+          <a:bodyPr vert="horz" lIns="91440" tIns="45720" rIns="91440" bIns="45720" rtlCol="0" anchor="ctr">
+            <a:normAutofit/>
+          </a:bodyPr>
+          <a:lstStyle>
+            <a:lvl1pPr algn="ctr" defTabSz="914400" rtl="0" eaLnBrk="1" latinLnBrk="0" hangingPunct="1">
+              <a:spcBef>
+                <a:spcPct val="0"/>
+              </a:spcBef>
+              <a:buNone/>
+              <a:defRPr sz="4400" kern="1200">
+                <a:solidFill>
+                  <a:schemeClr val="tx1"/>
+                </a:solidFill>
+                <a:latin typeface="+mj-lt"/>
+                <a:ea typeface="+mj-ea"/>
+                <a:cs typeface="+mj-cs"/>
+              </a:defRPr>
+            </a:lvl1pPr>
+          </a:lstStyle>
+          <a:p>
+            <a:pPr algn="l"/>
+            <a:r>
+              <a:rPr lang="en-US" altLang="zh-CN" sz="3200" dirty="0" smtClean="0">
+                <a:latin typeface="等线 Light" pitchFamily="2" charset="-122"/>
+                <a:ea typeface="等线 Light" pitchFamily="2" charset="-122"/>
+              </a:rPr>
+              <a:t>IO</a:t>
+            </a:r>
+          </a:p>
+        </p:txBody>
+      </p:sp>
+      <p:sp>
+        <p:nvSpPr>
+          <p:cNvPr id="5" name="矩形 4"/>
+          <p:cNvSpPr/>
+          <p:nvPr/>
+        </p:nvSpPr>
+        <p:spPr>
+          <a:xfrm>
+            <a:off x="200388" y="4437112"/>
+            <a:ext cx="9702824" cy="2308324"/>
+          </a:xfrm>
+          <a:prstGeom prst="rect">
+            <a:avLst/>
+          </a:prstGeom>
+        </p:spPr>
+        <p:txBody>
+          <a:bodyPr wrap="square">
+            <a:spAutoFit/>
+          </a:bodyPr>
+          <a:lstStyle/>
+          <a:p>
+            <a:r>
+              <a:rPr lang="en-US" altLang="zh-CN" sz="1600" dirty="0">
+                <a:latin typeface="Consolas" panose="020B0609020204030204" pitchFamily="49" charset="0"/>
+              </a:rPr>
+              <a:t>class </a:t>
+            </a:r>
+            <a:r>
+              <a:rPr lang="en-US" altLang="zh-CN" sz="1600" dirty="0" err="1">
+                <a:latin typeface="Consolas" panose="020B0609020204030204" pitchFamily="49" charset="0"/>
+              </a:rPr>
+              <a:t>PreDecodeResp</a:t>
+            </a:r>
+            <a:r>
+              <a:rPr lang="en-US" altLang="zh-CN" sz="1600" dirty="0">
+                <a:latin typeface="Consolas" panose="020B0609020204030204" pitchFamily="49" charset="0"/>
+              </a:rPr>
+              <a:t>(implicit p: Parameters) extends </a:t>
+            </a:r>
+            <a:r>
+              <a:rPr lang="en-US" altLang="zh-CN" sz="1600" dirty="0" err="1">
+                <a:latin typeface="Consolas" panose="020B0609020204030204" pitchFamily="49" charset="0"/>
+              </a:rPr>
+              <a:t>XSBundle</a:t>
+            </a:r>
+            <a:r>
+              <a:rPr lang="en-US" altLang="zh-CN" sz="1600" dirty="0">
+                <a:latin typeface="Consolas" panose="020B0609020204030204" pitchFamily="49" charset="0"/>
+              </a:rPr>
+              <a:t> with </a:t>
+            </a:r>
+            <a:r>
+              <a:rPr lang="en-US" altLang="zh-CN" sz="1600" dirty="0" err="1">
+                <a:latin typeface="Consolas" panose="020B0609020204030204" pitchFamily="49" charset="0"/>
+              </a:rPr>
+              <a:t>HasPdConst</a:t>
+            </a:r>
+            <a:r>
+              <a:rPr lang="en-US" altLang="zh-CN" sz="1600" dirty="0">
+                <a:latin typeface="Consolas" panose="020B0609020204030204" pitchFamily="49" charset="0"/>
+              </a:rPr>
+              <a:t> {</a:t>
+            </a:r>
+          </a:p>
+          <a:p>
+            <a:r>
+              <a:rPr lang="en-US" altLang="zh-CN" sz="1600" dirty="0">
+                <a:latin typeface="Consolas" panose="020B0609020204030204" pitchFamily="49" charset="0"/>
+              </a:rPr>
+              <a:t>  </a:t>
+            </a:r>
+            <a:r>
+              <a:rPr lang="en-US" altLang="zh-CN" sz="1600" dirty="0" err="1">
+                <a:latin typeface="Consolas" panose="020B0609020204030204" pitchFamily="49" charset="0"/>
+              </a:rPr>
+              <a:t>val</a:t>
+            </a:r>
+            <a:r>
+              <a:rPr lang="en-US" altLang="zh-CN" sz="1600" dirty="0">
+                <a:latin typeface="Consolas" panose="020B0609020204030204" pitchFamily="49" charset="0"/>
+              </a:rPr>
+              <a:t> </a:t>
+            </a:r>
+            <a:r>
+              <a:rPr lang="en-US" altLang="zh-CN" sz="1600" dirty="0" err="1">
+                <a:latin typeface="Consolas" panose="020B0609020204030204" pitchFamily="49" charset="0"/>
+              </a:rPr>
+              <a:t>pd</a:t>
+            </a:r>
+            <a:r>
+              <a:rPr lang="en-US" altLang="zh-CN" sz="1600" dirty="0">
+                <a:latin typeface="Consolas" panose="020B0609020204030204" pitchFamily="49" charset="0"/>
+              </a:rPr>
+              <a:t> = </a:t>
+            </a:r>
+            <a:r>
+              <a:rPr lang="en-US" altLang="zh-CN" sz="1600" dirty="0" err="1">
+                <a:latin typeface="Consolas" panose="020B0609020204030204" pitchFamily="49" charset="0"/>
+              </a:rPr>
+              <a:t>Vec</a:t>
+            </a:r>
+            <a:r>
+              <a:rPr lang="en-US" altLang="zh-CN" sz="1600" dirty="0">
+                <a:latin typeface="Consolas" panose="020B0609020204030204" pitchFamily="49" charset="0"/>
+              </a:rPr>
+              <a:t>(</a:t>
+            </a:r>
+            <a:r>
+              <a:rPr lang="en-US" altLang="zh-CN" sz="1600" dirty="0" err="1">
+                <a:latin typeface="Consolas" panose="020B0609020204030204" pitchFamily="49" charset="0"/>
+              </a:rPr>
+              <a:t>PredictWidth</a:t>
+            </a:r>
+            <a:r>
+              <a:rPr lang="en-US" altLang="zh-CN" sz="1600" dirty="0">
+                <a:latin typeface="Consolas" panose="020B0609020204030204" pitchFamily="49" charset="0"/>
+              </a:rPr>
+              <a:t>, new </a:t>
+            </a:r>
+            <a:r>
+              <a:rPr lang="en-US" altLang="zh-CN" sz="1600" dirty="0" err="1">
+                <a:latin typeface="Consolas" panose="020B0609020204030204" pitchFamily="49" charset="0"/>
+              </a:rPr>
+              <a:t>PreDecodeInfo</a:t>
+            </a:r>
+            <a:r>
+              <a:rPr lang="en-US" altLang="zh-CN" sz="1600" dirty="0" smtClean="0">
+                <a:latin typeface="Consolas" panose="020B0609020204030204" pitchFamily="49" charset="0"/>
+              </a:rPr>
+              <a:t>)    // decode info</a:t>
+            </a:r>
+          </a:p>
+          <a:p>
+            <a:r>
+              <a:rPr lang="en-US" altLang="zh-CN" sz="1600" dirty="0">
+                <a:latin typeface="Consolas" panose="020B0609020204030204" pitchFamily="49" charset="0"/>
+              </a:rPr>
+              <a:t> </a:t>
+            </a:r>
+            <a:r>
+              <a:rPr lang="en-US" altLang="zh-CN" sz="1600" dirty="0" smtClean="0">
+                <a:latin typeface="Consolas" panose="020B0609020204030204" pitchFamily="49" charset="0"/>
+              </a:rPr>
+              <a:t> // </a:t>
+            </a:r>
+            <a:r>
+              <a:rPr lang="zh-CN" altLang="en-US" sz="1600" dirty="0" smtClean="0">
+                <a:latin typeface="Consolas" panose="020B0609020204030204" pitchFamily="49" charset="0"/>
+              </a:rPr>
+              <a:t>因为存在压缩指令，而每次读取的是两个</a:t>
+            </a:r>
+            <a:r>
+              <a:rPr lang="en-US" altLang="zh-CN" sz="1600" dirty="0" err="1" smtClean="0">
+                <a:latin typeface="Consolas" panose="020B0609020204030204" pitchFamily="49" charset="0"/>
+              </a:rPr>
+              <a:t>cacheline</a:t>
+            </a:r>
+            <a:r>
+              <a:rPr lang="zh-CN" altLang="en-US" sz="1600" dirty="0" smtClean="0">
+                <a:latin typeface="Consolas" panose="020B0609020204030204" pitchFamily="49" charset="0"/>
+              </a:rPr>
+              <a:t>，可能会导致截断</a:t>
+            </a:r>
+            <a:endParaRPr lang="en-US" altLang="zh-CN" sz="1600" dirty="0">
+              <a:latin typeface="Consolas" panose="020B0609020204030204" pitchFamily="49" charset="0"/>
+            </a:endParaRPr>
+          </a:p>
+          <a:p>
+            <a:r>
+              <a:rPr lang="en-US" altLang="zh-CN" sz="1600" dirty="0">
+                <a:latin typeface="Consolas" panose="020B0609020204030204" pitchFamily="49" charset="0"/>
+              </a:rPr>
+              <a:t>  </a:t>
+            </a:r>
+            <a:r>
+              <a:rPr lang="en-US" altLang="zh-CN" sz="1600" dirty="0" err="1">
+                <a:latin typeface="Consolas" panose="020B0609020204030204" pitchFamily="49" charset="0"/>
+              </a:rPr>
+              <a:t>val</a:t>
+            </a:r>
+            <a:r>
+              <a:rPr lang="en-US" altLang="zh-CN" sz="1600" dirty="0">
+                <a:latin typeface="Consolas" panose="020B0609020204030204" pitchFamily="49" charset="0"/>
+              </a:rPr>
+              <a:t> </a:t>
+            </a:r>
+            <a:r>
+              <a:rPr lang="en-US" altLang="zh-CN" sz="1600" dirty="0" err="1">
+                <a:latin typeface="Consolas" panose="020B0609020204030204" pitchFamily="49" charset="0"/>
+              </a:rPr>
+              <a:t>hasHalfValid</a:t>
+            </a:r>
+            <a:r>
+              <a:rPr lang="en-US" altLang="zh-CN" sz="1600" dirty="0">
+                <a:latin typeface="Consolas" panose="020B0609020204030204" pitchFamily="49" charset="0"/>
+              </a:rPr>
+              <a:t> = </a:t>
+            </a:r>
+            <a:r>
+              <a:rPr lang="en-US" altLang="zh-CN" sz="1600" dirty="0" err="1">
+                <a:latin typeface="Consolas" panose="020B0609020204030204" pitchFamily="49" charset="0"/>
+              </a:rPr>
+              <a:t>Vec</a:t>
+            </a:r>
+            <a:r>
+              <a:rPr lang="en-US" altLang="zh-CN" sz="1600" dirty="0">
+                <a:latin typeface="Consolas" panose="020B0609020204030204" pitchFamily="49" charset="0"/>
+              </a:rPr>
+              <a:t>(</a:t>
+            </a:r>
+            <a:r>
+              <a:rPr lang="en-US" altLang="zh-CN" sz="1600" dirty="0" err="1">
+                <a:latin typeface="Consolas" panose="020B0609020204030204" pitchFamily="49" charset="0"/>
+              </a:rPr>
+              <a:t>PredictWidth</a:t>
+            </a:r>
+            <a:r>
+              <a:rPr lang="en-US" altLang="zh-CN" sz="1600" dirty="0">
+                <a:latin typeface="Consolas" panose="020B0609020204030204" pitchFamily="49" charset="0"/>
+              </a:rPr>
+              <a:t>, Bool</a:t>
+            </a:r>
+            <a:r>
+              <a:rPr lang="en-US" altLang="zh-CN" sz="1600" dirty="0" smtClean="0">
+                <a:latin typeface="Consolas" panose="020B0609020204030204" pitchFamily="49" charset="0"/>
+              </a:rPr>
+              <a:t>())</a:t>
+            </a:r>
+            <a:endParaRPr lang="en-US" altLang="zh-CN" sz="1600" dirty="0">
+              <a:latin typeface="Consolas" panose="020B0609020204030204" pitchFamily="49" charset="0"/>
+            </a:endParaRPr>
+          </a:p>
+          <a:p>
+            <a:r>
+              <a:rPr lang="en-US" altLang="zh-CN" sz="1600" dirty="0">
+                <a:latin typeface="Consolas" panose="020B0609020204030204" pitchFamily="49" charset="0"/>
+              </a:rPr>
+              <a:t>  </a:t>
+            </a:r>
+            <a:r>
+              <a:rPr lang="en-US" altLang="zh-CN" sz="1600" dirty="0" err="1">
+                <a:latin typeface="Consolas" panose="020B0609020204030204" pitchFamily="49" charset="0"/>
+              </a:rPr>
+              <a:t>val</a:t>
+            </a:r>
+            <a:r>
+              <a:rPr lang="en-US" altLang="zh-CN" sz="1600" dirty="0">
+                <a:latin typeface="Consolas" panose="020B0609020204030204" pitchFamily="49" charset="0"/>
+              </a:rPr>
+              <a:t> </a:t>
+            </a:r>
+            <a:r>
+              <a:rPr lang="en-US" altLang="zh-CN" sz="1600" dirty="0" err="1">
+                <a:latin typeface="Consolas" panose="020B0609020204030204" pitchFamily="49" charset="0"/>
+              </a:rPr>
+              <a:t>expInstr</a:t>
+            </a:r>
+            <a:r>
+              <a:rPr lang="en-US" altLang="zh-CN" sz="1600" dirty="0">
+                <a:latin typeface="Consolas" panose="020B0609020204030204" pitchFamily="49" charset="0"/>
+              </a:rPr>
+              <a:t> = </a:t>
+            </a:r>
+            <a:r>
+              <a:rPr lang="en-US" altLang="zh-CN" sz="1600" dirty="0" err="1">
+                <a:latin typeface="Consolas" panose="020B0609020204030204" pitchFamily="49" charset="0"/>
+              </a:rPr>
+              <a:t>Vec</a:t>
+            </a:r>
+            <a:r>
+              <a:rPr lang="en-US" altLang="zh-CN" sz="1600" dirty="0">
+                <a:latin typeface="Consolas" panose="020B0609020204030204" pitchFamily="49" charset="0"/>
+              </a:rPr>
+              <a:t>(</a:t>
+            </a:r>
+            <a:r>
+              <a:rPr lang="en-US" altLang="zh-CN" sz="1600" dirty="0" err="1">
+                <a:latin typeface="Consolas" panose="020B0609020204030204" pitchFamily="49" charset="0"/>
+              </a:rPr>
+              <a:t>PredictWidth</a:t>
+            </a:r>
+            <a:r>
+              <a:rPr lang="en-US" altLang="zh-CN" sz="1600" dirty="0">
+                <a:latin typeface="Consolas" panose="020B0609020204030204" pitchFamily="49" charset="0"/>
+              </a:rPr>
+              <a:t>, </a:t>
+            </a:r>
+            <a:r>
+              <a:rPr lang="en-US" altLang="zh-CN" sz="1600" dirty="0" err="1">
+                <a:latin typeface="Consolas" panose="020B0609020204030204" pitchFamily="49" charset="0"/>
+              </a:rPr>
+              <a:t>UInt</a:t>
+            </a:r>
+            <a:r>
+              <a:rPr lang="en-US" altLang="zh-CN" sz="1600" dirty="0">
+                <a:latin typeface="Consolas" panose="020B0609020204030204" pitchFamily="49" charset="0"/>
+              </a:rPr>
+              <a:t>(32.W))        // </a:t>
+            </a:r>
+            <a:r>
+              <a:rPr lang="zh-CN" altLang="en-US" sz="1600" dirty="0">
+                <a:latin typeface="Consolas" panose="020B0609020204030204" pitchFamily="49" charset="0"/>
+              </a:rPr>
+              <a:t>经过扩展的指令</a:t>
+            </a:r>
+          </a:p>
+          <a:p>
+            <a:r>
+              <a:rPr lang="zh-CN" altLang="en-US" sz="1600" dirty="0">
+                <a:latin typeface="Consolas" panose="020B0609020204030204" pitchFamily="49" charset="0"/>
+              </a:rPr>
+              <a:t>  </a:t>
+            </a:r>
+            <a:r>
+              <a:rPr lang="en-US" altLang="zh-CN" sz="1600" dirty="0" err="1">
+                <a:latin typeface="Consolas" panose="020B0609020204030204" pitchFamily="49" charset="0"/>
+              </a:rPr>
+              <a:t>val</a:t>
+            </a:r>
+            <a:r>
+              <a:rPr lang="en-US" altLang="zh-CN" sz="1600" dirty="0">
+                <a:latin typeface="Consolas" panose="020B0609020204030204" pitchFamily="49" charset="0"/>
+              </a:rPr>
+              <a:t> </a:t>
+            </a:r>
+            <a:r>
+              <a:rPr lang="en-US" altLang="zh-CN" sz="1600" dirty="0" err="1">
+                <a:latin typeface="Consolas" panose="020B0609020204030204" pitchFamily="49" charset="0"/>
+              </a:rPr>
+              <a:t>jumpOffset</a:t>
+            </a:r>
+            <a:r>
+              <a:rPr lang="en-US" altLang="zh-CN" sz="1600" dirty="0">
+                <a:latin typeface="Consolas" panose="020B0609020204030204" pitchFamily="49" charset="0"/>
+              </a:rPr>
+              <a:t> = </a:t>
+            </a:r>
+            <a:r>
+              <a:rPr lang="en-US" altLang="zh-CN" sz="1600" dirty="0" err="1">
+                <a:latin typeface="Consolas" panose="020B0609020204030204" pitchFamily="49" charset="0"/>
+              </a:rPr>
+              <a:t>Vec</a:t>
+            </a:r>
+            <a:r>
+              <a:rPr lang="en-US" altLang="zh-CN" sz="1600" dirty="0">
+                <a:latin typeface="Consolas" panose="020B0609020204030204" pitchFamily="49" charset="0"/>
+              </a:rPr>
+              <a:t>(</a:t>
+            </a:r>
+            <a:r>
+              <a:rPr lang="en-US" altLang="zh-CN" sz="1600" dirty="0" err="1">
+                <a:latin typeface="Consolas" panose="020B0609020204030204" pitchFamily="49" charset="0"/>
+              </a:rPr>
+              <a:t>PredictWidth</a:t>
+            </a:r>
+            <a:r>
+              <a:rPr lang="en-US" altLang="zh-CN" sz="1600" dirty="0">
+                <a:latin typeface="Consolas" panose="020B0609020204030204" pitchFamily="49" charset="0"/>
+              </a:rPr>
+              <a:t>, </a:t>
+            </a:r>
+            <a:r>
+              <a:rPr lang="en-US" altLang="zh-CN" sz="1600" dirty="0" err="1">
+                <a:latin typeface="Consolas" panose="020B0609020204030204" pitchFamily="49" charset="0"/>
+              </a:rPr>
+              <a:t>UInt</a:t>
+            </a:r>
+            <a:r>
+              <a:rPr lang="en-US" altLang="zh-CN" sz="1600" dirty="0">
+                <a:latin typeface="Consolas" panose="020B0609020204030204" pitchFamily="49" charset="0"/>
+              </a:rPr>
+              <a:t>(XLEN.W))    // </a:t>
+            </a:r>
+            <a:r>
+              <a:rPr lang="zh-CN" altLang="en-US" sz="1600" dirty="0">
+                <a:latin typeface="Consolas" panose="020B0609020204030204" pitchFamily="49" charset="0"/>
+              </a:rPr>
+              <a:t>跳转偏移</a:t>
+            </a:r>
+          </a:p>
+          <a:p>
+            <a:r>
+              <a:rPr lang="en-US" altLang="zh-CN" sz="1600" dirty="0">
+                <a:latin typeface="Consolas" panose="020B0609020204030204" pitchFamily="49" charset="0"/>
+              </a:rPr>
+              <a:t>//  </a:t>
+            </a:r>
+            <a:r>
+              <a:rPr lang="en-US" altLang="zh-CN" sz="1600" dirty="0" err="1">
+                <a:latin typeface="Consolas" panose="020B0609020204030204" pitchFamily="49" charset="0"/>
+              </a:rPr>
+              <a:t>val</a:t>
+            </a:r>
+            <a:r>
+              <a:rPr lang="en-US" altLang="zh-CN" sz="1600" dirty="0">
+                <a:latin typeface="Consolas" panose="020B0609020204030204" pitchFamily="49" charset="0"/>
+              </a:rPr>
+              <a:t> </a:t>
+            </a:r>
+            <a:r>
+              <a:rPr lang="en-US" altLang="zh-CN" sz="1600" dirty="0" err="1">
+                <a:latin typeface="Consolas" panose="020B0609020204030204" pitchFamily="49" charset="0"/>
+              </a:rPr>
+              <a:t>hasLastHalf</a:t>
+            </a:r>
+            <a:r>
+              <a:rPr lang="en-US" altLang="zh-CN" sz="1600" dirty="0">
+                <a:latin typeface="Consolas" panose="020B0609020204030204" pitchFamily="49" charset="0"/>
+              </a:rPr>
+              <a:t> = Bool()</a:t>
+            </a:r>
+          </a:p>
+          <a:p>
+            <a:r>
+              <a:rPr lang="en-US" altLang="zh-CN" sz="1600" dirty="0">
+                <a:latin typeface="Consolas" panose="020B0609020204030204" pitchFamily="49" charset="0"/>
+              </a:rPr>
+              <a:t>  </a:t>
+            </a:r>
+            <a:r>
+              <a:rPr lang="en-US" altLang="zh-CN" sz="1600" dirty="0" err="1">
+                <a:latin typeface="Consolas" panose="020B0609020204030204" pitchFamily="49" charset="0"/>
+              </a:rPr>
+              <a:t>val</a:t>
+            </a:r>
+            <a:r>
+              <a:rPr lang="en-US" altLang="zh-CN" sz="1600" dirty="0">
+                <a:latin typeface="Consolas" panose="020B0609020204030204" pitchFamily="49" charset="0"/>
+              </a:rPr>
+              <a:t> triggered    = </a:t>
+            </a:r>
+            <a:r>
+              <a:rPr lang="en-US" altLang="zh-CN" sz="1600" dirty="0" err="1">
+                <a:latin typeface="Consolas" panose="020B0609020204030204" pitchFamily="49" charset="0"/>
+              </a:rPr>
+              <a:t>Vec</a:t>
+            </a:r>
+            <a:r>
+              <a:rPr lang="en-US" altLang="zh-CN" sz="1600" dirty="0">
+                <a:latin typeface="Consolas" panose="020B0609020204030204" pitchFamily="49" charset="0"/>
+              </a:rPr>
+              <a:t>(</a:t>
+            </a:r>
+            <a:r>
+              <a:rPr lang="en-US" altLang="zh-CN" sz="1600" dirty="0" err="1">
+                <a:latin typeface="Consolas" panose="020B0609020204030204" pitchFamily="49" charset="0"/>
+              </a:rPr>
+              <a:t>PredictWidth</a:t>
+            </a:r>
+            <a:r>
+              <a:rPr lang="en-US" altLang="zh-CN" sz="1600" dirty="0">
+                <a:latin typeface="Consolas" panose="020B0609020204030204" pitchFamily="49" charset="0"/>
+              </a:rPr>
+              <a:t>, new </a:t>
+            </a:r>
+            <a:r>
+              <a:rPr lang="en-US" altLang="zh-CN" sz="1600" dirty="0" err="1">
+                <a:latin typeface="Consolas" panose="020B0609020204030204" pitchFamily="49" charset="0"/>
+              </a:rPr>
+              <a:t>TriggerCf</a:t>
+            </a:r>
+            <a:r>
+              <a:rPr lang="en-US" altLang="zh-CN" sz="1600" dirty="0">
+                <a:latin typeface="Consolas" panose="020B0609020204030204" pitchFamily="49" charset="0"/>
+              </a:rPr>
+              <a:t>)</a:t>
+            </a:r>
+          </a:p>
+          <a:p>
+            <a:r>
+              <a:rPr lang="en-US" altLang="zh-CN" sz="1600" dirty="0">
+                <a:latin typeface="Consolas" panose="020B0609020204030204" pitchFamily="49" charset="0"/>
+              </a:rPr>
+              <a:t>}</a:t>
+            </a:r>
+            <a:endParaRPr lang="en-US" altLang="zh-CN" sz="1600" b="0" dirty="0">
+              <a:effectLst/>
+              <a:latin typeface="Consolas" panose="020B0609020204030204" pitchFamily="49" charset="0"/>
+            </a:endParaRPr>
+          </a:p>
+        </p:txBody>
+      </p:sp>
+      <p:sp>
+        <p:nvSpPr>
+          <p:cNvPr id="6" name="矩形 5"/>
+          <p:cNvSpPr/>
+          <p:nvPr/>
+        </p:nvSpPr>
+        <p:spPr>
+          <a:xfrm>
+            <a:off x="201390" y="750851"/>
+            <a:ext cx="8622704" cy="2062103"/>
+          </a:xfrm>
+          <a:prstGeom prst="rect">
+            <a:avLst/>
+          </a:prstGeom>
+        </p:spPr>
+        <p:txBody>
+          <a:bodyPr wrap="square">
+            <a:spAutoFit/>
+          </a:bodyPr>
+          <a:lstStyle/>
+          <a:p>
+            <a:r>
+              <a:rPr lang="en-US" altLang="zh-CN" sz="1600" dirty="0">
+                <a:latin typeface="Consolas" panose="020B0609020204030204" pitchFamily="49" charset="0"/>
+              </a:rPr>
+              <a:t>class </a:t>
+            </a:r>
+            <a:r>
+              <a:rPr lang="en-US" altLang="zh-CN" sz="1600" dirty="0" err="1">
+                <a:latin typeface="Consolas" panose="020B0609020204030204" pitchFamily="49" charset="0"/>
+              </a:rPr>
+              <a:t>PreDecodeInfo</a:t>
+            </a:r>
+            <a:r>
+              <a:rPr lang="en-US" altLang="zh-CN" sz="1600" dirty="0">
+                <a:latin typeface="Consolas" panose="020B0609020204030204" pitchFamily="49" charset="0"/>
+              </a:rPr>
+              <a:t> extends Bundle {  // 8 bit</a:t>
+            </a:r>
+          </a:p>
+          <a:p>
+            <a:r>
+              <a:rPr lang="en-US" altLang="zh-CN" sz="1600" dirty="0">
+                <a:latin typeface="Consolas" panose="020B0609020204030204" pitchFamily="49" charset="0"/>
+              </a:rPr>
+              <a:t>  </a:t>
+            </a:r>
+            <a:r>
+              <a:rPr lang="en-US" altLang="zh-CN" sz="1600" dirty="0" err="1">
+                <a:latin typeface="Consolas" panose="020B0609020204030204" pitchFamily="49" charset="0"/>
+              </a:rPr>
+              <a:t>val</a:t>
+            </a:r>
+            <a:r>
+              <a:rPr lang="en-US" altLang="zh-CN" sz="1600" dirty="0">
+                <a:latin typeface="Consolas" panose="020B0609020204030204" pitchFamily="49" charset="0"/>
+              </a:rPr>
+              <a:t> valid   = Bool()</a:t>
+            </a:r>
+          </a:p>
+          <a:p>
+            <a:r>
+              <a:rPr lang="en-US" altLang="zh-CN" sz="1600" dirty="0">
+                <a:latin typeface="Consolas" panose="020B0609020204030204" pitchFamily="49" charset="0"/>
+              </a:rPr>
+              <a:t>  </a:t>
+            </a:r>
+            <a:r>
+              <a:rPr lang="en-US" altLang="zh-CN" sz="1600" dirty="0" err="1">
+                <a:latin typeface="Consolas" panose="020B0609020204030204" pitchFamily="49" charset="0"/>
+              </a:rPr>
+              <a:t>val</a:t>
+            </a:r>
+            <a:r>
+              <a:rPr lang="en-US" altLang="zh-CN" sz="1600" dirty="0">
+                <a:latin typeface="Consolas" panose="020B0609020204030204" pitchFamily="49" charset="0"/>
+              </a:rPr>
+              <a:t> </a:t>
+            </a:r>
+            <a:r>
+              <a:rPr lang="en-US" altLang="zh-CN" sz="1600" dirty="0" err="1">
+                <a:latin typeface="Consolas" panose="020B0609020204030204" pitchFamily="49" charset="0"/>
+              </a:rPr>
+              <a:t>isRVC</a:t>
+            </a:r>
+            <a:r>
+              <a:rPr lang="en-US" altLang="zh-CN" sz="1600" dirty="0">
+                <a:latin typeface="Consolas" panose="020B0609020204030204" pitchFamily="49" charset="0"/>
+              </a:rPr>
+              <a:t>   = Bool()</a:t>
+            </a:r>
+          </a:p>
+          <a:p>
+            <a:r>
+              <a:rPr lang="en-US" altLang="zh-CN" sz="1600" dirty="0" smtClean="0">
+                <a:latin typeface="Consolas" panose="020B0609020204030204" pitchFamily="49" charset="0"/>
+              </a:rPr>
+              <a:t>  </a:t>
+            </a:r>
+            <a:r>
+              <a:rPr lang="en-US" altLang="zh-CN" sz="1600" dirty="0" err="1" smtClean="0">
+                <a:latin typeface="Consolas" panose="020B0609020204030204" pitchFamily="49" charset="0"/>
+              </a:rPr>
+              <a:t>val</a:t>
+            </a:r>
+            <a:r>
+              <a:rPr lang="en-US" altLang="zh-CN" sz="1600" dirty="0" smtClean="0">
+                <a:latin typeface="Consolas" panose="020B0609020204030204" pitchFamily="49" charset="0"/>
+              </a:rPr>
+              <a:t> </a:t>
+            </a:r>
+            <a:r>
+              <a:rPr lang="en-US" altLang="zh-CN" sz="1600" dirty="0" err="1" smtClean="0">
+                <a:latin typeface="Consolas" panose="020B0609020204030204" pitchFamily="49" charset="0"/>
+              </a:rPr>
+              <a:t>brType</a:t>
+            </a:r>
+            <a:r>
+              <a:rPr lang="en-US" altLang="zh-CN" sz="1600" dirty="0" smtClean="0">
+                <a:latin typeface="Consolas" panose="020B0609020204030204" pitchFamily="49" charset="0"/>
+              </a:rPr>
+              <a:t>  = </a:t>
+            </a:r>
+            <a:r>
+              <a:rPr lang="en-US" altLang="zh-CN" sz="1600" dirty="0" err="1" smtClean="0">
+                <a:latin typeface="Consolas" panose="020B0609020204030204" pitchFamily="49" charset="0"/>
+              </a:rPr>
+              <a:t>UInt</a:t>
+            </a:r>
+            <a:r>
+              <a:rPr lang="en-US" altLang="zh-CN" sz="1600" dirty="0" smtClean="0">
+                <a:latin typeface="Consolas" panose="020B0609020204030204" pitchFamily="49" charset="0"/>
+              </a:rPr>
+              <a:t>(2.W)</a:t>
+            </a:r>
+          </a:p>
+          <a:p>
+            <a:r>
+              <a:rPr lang="en-US" altLang="zh-CN" sz="1600" dirty="0" smtClean="0">
+                <a:latin typeface="Consolas" panose="020B0609020204030204" pitchFamily="49" charset="0"/>
+              </a:rPr>
+              <a:t>  </a:t>
+            </a:r>
+            <a:r>
+              <a:rPr lang="en-US" altLang="zh-CN" sz="1600" dirty="0" err="1" smtClean="0">
+                <a:latin typeface="Consolas" panose="020B0609020204030204" pitchFamily="49" charset="0"/>
+              </a:rPr>
+              <a:t>val</a:t>
+            </a:r>
+            <a:r>
+              <a:rPr lang="en-US" altLang="zh-CN" sz="1600" dirty="0" smtClean="0">
+                <a:latin typeface="Consolas" panose="020B0609020204030204" pitchFamily="49" charset="0"/>
+              </a:rPr>
+              <a:t> </a:t>
+            </a:r>
+            <a:r>
+              <a:rPr lang="en-US" altLang="zh-CN" sz="1600" dirty="0" err="1" smtClean="0">
+                <a:latin typeface="Consolas" panose="020B0609020204030204" pitchFamily="49" charset="0"/>
+              </a:rPr>
+              <a:t>isCall</a:t>
+            </a:r>
+            <a:r>
+              <a:rPr lang="en-US" altLang="zh-CN" sz="1600" dirty="0" smtClean="0">
+                <a:latin typeface="Consolas" panose="020B0609020204030204" pitchFamily="49" charset="0"/>
+              </a:rPr>
+              <a:t>  = Bool()</a:t>
+            </a:r>
+          </a:p>
+          <a:p>
+            <a:r>
+              <a:rPr lang="en-US" altLang="zh-CN" sz="1600" dirty="0" smtClean="0">
+                <a:latin typeface="Consolas" panose="020B0609020204030204" pitchFamily="49" charset="0"/>
+              </a:rPr>
+              <a:t>…</a:t>
+            </a:r>
+          </a:p>
+          <a:p>
+            <a:r>
+              <a:rPr lang="en-US" altLang="zh-CN" sz="1600" dirty="0">
+                <a:latin typeface="Consolas" panose="020B0609020204030204" pitchFamily="49" charset="0"/>
+              </a:rPr>
+              <a:t>  </a:t>
+            </a:r>
+            <a:r>
+              <a:rPr lang="en-US" altLang="zh-CN" sz="1600" dirty="0" err="1">
+                <a:latin typeface="Consolas" panose="020B0609020204030204" pitchFamily="49" charset="0"/>
+              </a:rPr>
+              <a:t>def</a:t>
+            </a:r>
+            <a:r>
+              <a:rPr lang="en-US" altLang="zh-CN" sz="1600" dirty="0">
+                <a:latin typeface="Consolas" panose="020B0609020204030204" pitchFamily="49" charset="0"/>
+              </a:rPr>
+              <a:t> </a:t>
+            </a:r>
+            <a:r>
+              <a:rPr lang="en-US" altLang="zh-CN" sz="1600" dirty="0" err="1">
+                <a:latin typeface="Consolas" panose="020B0609020204030204" pitchFamily="49" charset="0"/>
+              </a:rPr>
+              <a:t>notCFI</a:t>
+            </a:r>
+            <a:r>
+              <a:rPr lang="en-US" altLang="zh-CN" sz="1600" dirty="0">
+                <a:latin typeface="Consolas" panose="020B0609020204030204" pitchFamily="49" charset="0"/>
+              </a:rPr>
+              <a:t>  = </a:t>
+            </a:r>
+            <a:r>
+              <a:rPr lang="en-US" altLang="zh-CN" sz="1600" dirty="0" err="1">
+                <a:latin typeface="Consolas" panose="020B0609020204030204" pitchFamily="49" charset="0"/>
+              </a:rPr>
+              <a:t>brType</a:t>
+            </a:r>
+            <a:r>
+              <a:rPr lang="en-US" altLang="zh-CN" sz="1600" dirty="0">
+                <a:latin typeface="Consolas" panose="020B0609020204030204" pitchFamily="49" charset="0"/>
+              </a:rPr>
+              <a:t> === </a:t>
+            </a:r>
+            <a:r>
+              <a:rPr lang="en-US" altLang="zh-CN" sz="1600" dirty="0" err="1">
+                <a:latin typeface="Consolas" panose="020B0609020204030204" pitchFamily="49" charset="0"/>
+              </a:rPr>
+              <a:t>BrType.notCFI</a:t>
+            </a:r>
+            <a:endParaRPr lang="en-US" altLang="zh-CN" sz="1600" dirty="0">
+              <a:latin typeface="Consolas" panose="020B0609020204030204" pitchFamily="49" charset="0"/>
+            </a:endParaRPr>
+          </a:p>
+          <a:p>
+            <a:r>
+              <a:rPr lang="en-US" altLang="zh-CN" sz="1600" dirty="0">
+                <a:latin typeface="Consolas" panose="020B0609020204030204" pitchFamily="49" charset="0"/>
+              </a:rPr>
+              <a:t>}</a:t>
+            </a:r>
+            <a:endParaRPr lang="en-US" altLang="zh-CN" sz="1600" b="0" dirty="0">
+              <a:effectLst/>
+              <a:latin typeface="Consolas" panose="020B0609020204030204" pitchFamily="49" charset="0"/>
+            </a:endParaRPr>
+          </a:p>
+        </p:txBody>
+      </p:sp>
+      <p:sp>
+        <p:nvSpPr>
+          <p:cNvPr id="7" name="矩形 6"/>
+          <p:cNvSpPr/>
+          <p:nvPr/>
+        </p:nvSpPr>
+        <p:spPr>
+          <a:xfrm>
+            <a:off x="200388" y="3080741"/>
+            <a:ext cx="6678488" cy="1107996"/>
+          </a:xfrm>
+          <a:prstGeom prst="rect">
+            <a:avLst/>
+          </a:prstGeom>
+        </p:spPr>
+        <p:txBody>
+          <a:bodyPr wrap="square">
+            <a:spAutoFit/>
+          </a:bodyPr>
+          <a:lstStyle/>
+          <a:p>
+            <a:r>
+              <a:rPr lang="en-US" altLang="zh-CN" sz="1600" dirty="0" err="1">
+                <a:latin typeface="Consolas" panose="020B0609020204030204" pitchFamily="49" charset="0"/>
+              </a:rPr>
+              <a:t>val</a:t>
+            </a:r>
+            <a:r>
+              <a:rPr lang="en-US" altLang="zh-CN" sz="1600" dirty="0">
+                <a:latin typeface="Consolas" panose="020B0609020204030204" pitchFamily="49" charset="0"/>
+              </a:rPr>
+              <a:t> </a:t>
+            </a:r>
+            <a:r>
+              <a:rPr lang="en-US" altLang="zh-CN" sz="1600" dirty="0" err="1">
+                <a:latin typeface="Consolas" panose="020B0609020204030204" pitchFamily="49" charset="0"/>
+              </a:rPr>
+              <a:t>io</a:t>
+            </a:r>
+            <a:r>
+              <a:rPr lang="en-US" altLang="zh-CN" sz="1600" dirty="0">
+                <a:latin typeface="Consolas" panose="020B0609020204030204" pitchFamily="49" charset="0"/>
+              </a:rPr>
+              <a:t> = IO(new Bundle() {</a:t>
+            </a:r>
+          </a:p>
+          <a:p>
+            <a:r>
+              <a:rPr lang="en-US" altLang="zh-CN" sz="1600" dirty="0">
+                <a:latin typeface="Consolas" panose="020B0609020204030204" pitchFamily="49" charset="0"/>
+              </a:rPr>
+              <a:t>    </a:t>
+            </a:r>
+            <a:r>
+              <a:rPr lang="en-US" altLang="zh-CN" sz="1600" dirty="0" err="1">
+                <a:latin typeface="Consolas" panose="020B0609020204030204" pitchFamily="49" charset="0"/>
+              </a:rPr>
+              <a:t>val</a:t>
+            </a:r>
+            <a:r>
+              <a:rPr lang="en-US" altLang="zh-CN" sz="1600" dirty="0">
+                <a:latin typeface="Consolas" panose="020B0609020204030204" pitchFamily="49" charset="0"/>
+              </a:rPr>
+              <a:t> in = Input(new </a:t>
+            </a:r>
+            <a:r>
+              <a:rPr lang="en-US" altLang="zh-CN" sz="1600" dirty="0" err="1">
+                <a:latin typeface="Consolas" panose="020B0609020204030204" pitchFamily="49" charset="0"/>
+              </a:rPr>
+              <a:t>IfuToPreDecode</a:t>
+            </a:r>
+            <a:r>
+              <a:rPr lang="en-US" altLang="zh-CN" sz="1600" dirty="0">
+                <a:latin typeface="Consolas" panose="020B0609020204030204" pitchFamily="49" charset="0"/>
+              </a:rPr>
+              <a:t>)</a:t>
+            </a:r>
+          </a:p>
+          <a:p>
+            <a:r>
+              <a:rPr lang="en-US" altLang="zh-CN" sz="1600" dirty="0">
+                <a:latin typeface="Consolas" panose="020B0609020204030204" pitchFamily="49" charset="0"/>
+              </a:rPr>
+              <a:t>    </a:t>
+            </a:r>
+            <a:r>
+              <a:rPr lang="en-US" altLang="zh-CN" sz="1600" dirty="0" err="1">
+                <a:latin typeface="Consolas" panose="020B0609020204030204" pitchFamily="49" charset="0"/>
+              </a:rPr>
+              <a:t>val</a:t>
+            </a:r>
+            <a:r>
+              <a:rPr lang="en-US" altLang="zh-CN" sz="1600" dirty="0">
+                <a:latin typeface="Consolas" panose="020B0609020204030204" pitchFamily="49" charset="0"/>
+              </a:rPr>
+              <a:t> out = Output(new </a:t>
+            </a:r>
+            <a:r>
+              <a:rPr lang="en-US" altLang="zh-CN" sz="1600" dirty="0" err="1">
+                <a:latin typeface="Consolas" panose="020B0609020204030204" pitchFamily="49" charset="0"/>
+              </a:rPr>
+              <a:t>PreDecodeResp</a:t>
+            </a:r>
+            <a:r>
+              <a:rPr lang="en-US" altLang="zh-CN" sz="1600" dirty="0">
+                <a:latin typeface="Consolas" panose="020B0609020204030204" pitchFamily="49" charset="0"/>
+              </a:rPr>
+              <a:t>)</a:t>
+            </a:r>
+          </a:p>
+          <a:p>
+            <a:r>
+              <a:rPr lang="en-US" altLang="zh-CN" sz="1600" dirty="0">
+                <a:latin typeface="Consolas" panose="020B0609020204030204" pitchFamily="49" charset="0"/>
+              </a:rPr>
+              <a:t>  })</a:t>
+            </a:r>
+            <a:endParaRPr lang="en-US" altLang="zh-CN" sz="1600" b="0" dirty="0">
+              <a:effectLst/>
+              <a:latin typeface="Consolas" panose="020B0609020204030204" pitchFamily="49" charset="0"/>
+            </a:endParaRPr>
+          </a:p>
+        </p:txBody>
+      </p:sp>
+    </p:spTree>
+    <p:extLst>
+      <p:ext uri="{BB962C8B-B14F-4D97-AF65-F5344CB8AC3E}">
+        <p14:creationId xmlns:p14="http://schemas.microsoft.com/office/powerpoint/2010/main" val="1096895131"/>
+      </p:ext>
+    </p:extLst>
+  </p:cSld>
+  <p:clrMapOvr>
+    <a:masterClrMapping/>
+  </p:clrMapOvr>
+</p:sld>
+</file>
+
+<file path=ppt/slides/slide17.xml><?xml version="1.0" encoding="utf-8"?>
+<p:sld xmlns:a="http://schemas.openxmlformats.org/drawingml/2006/main" xmlns:r="http://schemas.openxmlformats.org/officeDocument/2006/relationships" xmlns:p="http://schemas.openxmlformats.org/presentationml/2006/main">
+  <p:cSld>
+    <p:spTree>
+      <p:nvGrpSpPr>
+        <p:cNvPr id="1" name=""/>
+        <p:cNvGrpSpPr/>
+        <p:nvPr/>
+      </p:nvGrpSpPr>
+      <p:grpSpPr>
+        <a:xfrm>
+          <a:off x="0" y="0"/>
+          <a:ext cx="0" cy="0"/>
+          <a:chOff x="0" y="0"/>
+          <a:chExt cx="0" cy="0"/>
+        </a:xfrm>
+      </p:grpSpPr>
+      <p:sp>
+        <p:nvSpPr>
+          <p:cNvPr id="4" name="标题 1"/>
+          <p:cNvSpPr txBox="1">
+            <a:spLocks/>
+          </p:cNvSpPr>
+          <p:nvPr/>
+        </p:nvSpPr>
+        <p:spPr>
+          <a:xfrm>
+            <a:off x="201390" y="44761"/>
+            <a:ext cx="8229600" cy="706090"/>
+          </a:xfrm>
+          <a:prstGeom prst="rect">
+            <a:avLst/>
+          </a:prstGeom>
+        </p:spPr>
+        <p:txBody>
+          <a:bodyPr vert="horz" lIns="91440" tIns="45720" rIns="91440" bIns="45720" rtlCol="0" anchor="ctr">
+            <a:normAutofit/>
+          </a:bodyPr>
+          <a:lstStyle>
+            <a:lvl1pPr algn="ctr" defTabSz="914400" rtl="0" eaLnBrk="1" latinLnBrk="0" hangingPunct="1">
+              <a:spcBef>
+                <a:spcPct val="0"/>
+              </a:spcBef>
+              <a:buNone/>
+              <a:defRPr sz="4400" kern="1200">
+                <a:solidFill>
+                  <a:schemeClr val="tx1"/>
+                </a:solidFill>
+                <a:latin typeface="+mj-lt"/>
+                <a:ea typeface="+mj-ea"/>
+                <a:cs typeface="+mj-cs"/>
+              </a:defRPr>
+            </a:lvl1pPr>
+          </a:lstStyle>
+          <a:p>
+            <a:pPr algn="l"/>
+            <a:r>
+              <a:rPr lang="zh-CN" altLang="en-US" sz="3200" dirty="0" smtClean="0">
+                <a:latin typeface="等线 Light" pitchFamily="2" charset="-122"/>
+                <a:ea typeface="等线 Light" pitchFamily="2" charset="-122"/>
+              </a:rPr>
+              <a:t>预译码逻辑</a:t>
+            </a:r>
+            <a:endParaRPr lang="en-US" altLang="zh-CN" sz="3200" dirty="0" smtClean="0">
+              <a:latin typeface="等线 Light" pitchFamily="2" charset="-122"/>
+              <a:ea typeface="等线 Light" pitchFamily="2" charset="-122"/>
+            </a:endParaRPr>
+          </a:p>
+        </p:txBody>
+      </p:sp>
+      <p:sp>
+        <p:nvSpPr>
+          <p:cNvPr id="2" name="矩形 1"/>
+          <p:cNvSpPr/>
+          <p:nvPr/>
+        </p:nvSpPr>
+        <p:spPr>
+          <a:xfrm>
+            <a:off x="107504" y="799058"/>
+            <a:ext cx="10225136" cy="5909310"/>
+          </a:xfrm>
+          <a:prstGeom prst="rect">
+            <a:avLst/>
+          </a:prstGeom>
+        </p:spPr>
+        <p:txBody>
+          <a:bodyPr wrap="square">
+            <a:spAutoFit/>
+          </a:bodyPr>
+          <a:lstStyle/>
+          <a:p>
+            <a:r>
+              <a:rPr lang="en-US" altLang="zh-CN" sz="1400" dirty="0" err="1">
+                <a:latin typeface="Consolas" panose="020B0609020204030204" pitchFamily="49" charset="0"/>
+              </a:rPr>
+              <a:t>val</a:t>
+            </a:r>
+            <a:r>
+              <a:rPr lang="en-US" altLang="zh-CN" sz="1400" dirty="0">
+                <a:latin typeface="Consolas" panose="020B0609020204030204" pitchFamily="49" charset="0"/>
+              </a:rPr>
+              <a:t> </a:t>
+            </a:r>
+            <a:r>
+              <a:rPr lang="en-US" altLang="zh-CN" sz="1400" dirty="0" err="1">
+                <a:latin typeface="Consolas" panose="020B0609020204030204" pitchFamily="49" charset="0"/>
+              </a:rPr>
+              <a:t>brType</a:t>
+            </a:r>
+            <a:r>
+              <a:rPr lang="en-US" altLang="zh-CN" sz="1400" dirty="0">
+                <a:latin typeface="Consolas" panose="020B0609020204030204" pitchFamily="49" charset="0"/>
+              </a:rPr>
+              <a:t>::</a:t>
+            </a:r>
+            <a:r>
+              <a:rPr lang="en-US" altLang="zh-CN" sz="1400" dirty="0" err="1">
+                <a:latin typeface="Consolas" panose="020B0609020204030204" pitchFamily="49" charset="0"/>
+              </a:rPr>
+              <a:t>isCall</a:t>
+            </a:r>
+            <a:r>
+              <a:rPr lang="en-US" altLang="zh-CN" sz="1400" dirty="0">
+                <a:latin typeface="Consolas" panose="020B0609020204030204" pitchFamily="49" charset="0"/>
+              </a:rPr>
+              <a:t>::</a:t>
+            </a:r>
+            <a:r>
+              <a:rPr lang="en-US" altLang="zh-CN" sz="1400" dirty="0" err="1">
+                <a:latin typeface="Consolas" panose="020B0609020204030204" pitchFamily="49" charset="0"/>
+              </a:rPr>
+              <a:t>isRet</a:t>
+            </a:r>
+            <a:r>
+              <a:rPr lang="en-US" altLang="zh-CN" sz="1400" dirty="0">
+                <a:latin typeface="Consolas" panose="020B0609020204030204" pitchFamily="49" charset="0"/>
+              </a:rPr>
+              <a:t>::Nil = </a:t>
+            </a:r>
+            <a:r>
+              <a:rPr lang="en-US" altLang="zh-CN" sz="1400" dirty="0" err="1">
+                <a:latin typeface="Consolas" panose="020B0609020204030204" pitchFamily="49" charset="0"/>
+              </a:rPr>
+              <a:t>brInfo</a:t>
+            </a:r>
+            <a:r>
+              <a:rPr lang="en-US" altLang="zh-CN" sz="1400" dirty="0">
+                <a:latin typeface="Consolas" panose="020B0609020204030204" pitchFamily="49" charset="0"/>
+              </a:rPr>
+              <a:t>(</a:t>
+            </a:r>
+            <a:r>
+              <a:rPr lang="en-US" altLang="zh-CN" sz="1400" dirty="0" err="1">
+                <a:latin typeface="Consolas" panose="020B0609020204030204" pitchFamily="49" charset="0"/>
+              </a:rPr>
+              <a:t>inst</a:t>
+            </a:r>
+            <a:r>
+              <a:rPr lang="en-US" altLang="zh-CN" sz="1400" dirty="0" smtClean="0">
+                <a:latin typeface="Consolas" panose="020B0609020204030204" pitchFamily="49" charset="0"/>
+              </a:rPr>
+              <a:t>)</a:t>
+            </a:r>
+          </a:p>
+          <a:p>
+            <a:r>
+              <a:rPr lang="en-US" altLang="zh-CN" sz="1400" dirty="0">
+                <a:latin typeface="Consolas" panose="020B0609020204030204" pitchFamily="49" charset="0"/>
+              </a:rPr>
+              <a:t> </a:t>
+            </a:r>
+            <a:r>
+              <a:rPr lang="en-US" altLang="zh-CN" sz="1400" dirty="0" smtClean="0">
+                <a:latin typeface="Consolas" panose="020B0609020204030204" pitchFamily="49" charset="0"/>
+              </a:rPr>
+              <a:t>   // </a:t>
+            </a:r>
+            <a:r>
+              <a:rPr lang="zh-CN" altLang="en-US" sz="1400" dirty="0" smtClean="0">
+                <a:latin typeface="Consolas" panose="020B0609020204030204" pitchFamily="49" charset="0"/>
+              </a:rPr>
+              <a:t>获取</a:t>
+            </a:r>
+            <a:r>
+              <a:rPr lang="en-US" altLang="zh-CN" sz="1400" dirty="0" smtClean="0">
+                <a:latin typeface="Consolas" panose="020B0609020204030204" pitchFamily="49" charset="0"/>
+              </a:rPr>
+              <a:t>offset</a:t>
+            </a:r>
+            <a:endParaRPr lang="en-US" altLang="zh-CN" sz="1400" dirty="0">
+              <a:latin typeface="Consolas" panose="020B0609020204030204" pitchFamily="49" charset="0"/>
+            </a:endParaRPr>
+          </a:p>
+          <a:p>
+            <a:r>
+              <a:rPr lang="en-US" altLang="zh-CN" sz="1400" dirty="0">
+                <a:latin typeface="Consolas" panose="020B0609020204030204" pitchFamily="49" charset="0"/>
+              </a:rPr>
+              <a:t>    </a:t>
+            </a:r>
+            <a:r>
+              <a:rPr lang="en-US" altLang="zh-CN" sz="1400" dirty="0" err="1">
+                <a:latin typeface="Consolas" panose="020B0609020204030204" pitchFamily="49" charset="0"/>
+              </a:rPr>
+              <a:t>val</a:t>
+            </a:r>
+            <a:r>
+              <a:rPr lang="en-US" altLang="zh-CN" sz="1400" dirty="0">
+                <a:latin typeface="Consolas" panose="020B0609020204030204" pitchFamily="49" charset="0"/>
+              </a:rPr>
+              <a:t> </a:t>
+            </a:r>
+            <a:r>
+              <a:rPr lang="en-US" altLang="zh-CN" sz="1400" dirty="0" err="1">
+                <a:latin typeface="Consolas" panose="020B0609020204030204" pitchFamily="49" charset="0"/>
+              </a:rPr>
+              <a:t>jalOffset</a:t>
+            </a:r>
+            <a:r>
+              <a:rPr lang="en-US" altLang="zh-CN" sz="1400" dirty="0">
+                <a:latin typeface="Consolas" panose="020B0609020204030204" pitchFamily="49" charset="0"/>
+              </a:rPr>
+              <a:t> = </a:t>
+            </a:r>
+            <a:r>
+              <a:rPr lang="en-US" altLang="zh-CN" sz="1400" dirty="0" err="1">
+                <a:latin typeface="Consolas" panose="020B0609020204030204" pitchFamily="49" charset="0"/>
+              </a:rPr>
+              <a:t>jal_offset</a:t>
+            </a:r>
+            <a:r>
+              <a:rPr lang="en-US" altLang="zh-CN" sz="1400" dirty="0">
+                <a:latin typeface="Consolas" panose="020B0609020204030204" pitchFamily="49" charset="0"/>
+              </a:rPr>
+              <a:t>(</a:t>
+            </a:r>
+            <a:r>
+              <a:rPr lang="en-US" altLang="zh-CN" sz="1400" dirty="0" err="1">
+                <a:latin typeface="Consolas" panose="020B0609020204030204" pitchFamily="49" charset="0"/>
+              </a:rPr>
+              <a:t>inst</a:t>
+            </a:r>
+            <a:r>
+              <a:rPr lang="en-US" altLang="zh-CN" sz="1400" dirty="0">
+                <a:latin typeface="Consolas" panose="020B0609020204030204" pitchFamily="49" charset="0"/>
+              </a:rPr>
+              <a:t>, </a:t>
+            </a:r>
+            <a:r>
+              <a:rPr lang="en-US" altLang="zh-CN" sz="1400" dirty="0" err="1">
+                <a:latin typeface="Consolas" panose="020B0609020204030204" pitchFamily="49" charset="0"/>
+              </a:rPr>
+              <a:t>currentIsRVC</a:t>
+            </a:r>
+            <a:r>
+              <a:rPr lang="en-US" altLang="zh-CN" sz="1400" dirty="0">
+                <a:latin typeface="Consolas" panose="020B0609020204030204" pitchFamily="49" charset="0"/>
+              </a:rPr>
+              <a:t>)</a:t>
+            </a:r>
+          </a:p>
+          <a:p>
+            <a:r>
+              <a:rPr lang="en-US" altLang="zh-CN" sz="1400" dirty="0">
+                <a:latin typeface="Consolas" panose="020B0609020204030204" pitchFamily="49" charset="0"/>
+              </a:rPr>
+              <a:t>    </a:t>
+            </a:r>
+            <a:r>
+              <a:rPr lang="en-US" altLang="zh-CN" sz="1400" dirty="0" err="1">
+                <a:latin typeface="Consolas" panose="020B0609020204030204" pitchFamily="49" charset="0"/>
+              </a:rPr>
+              <a:t>val</a:t>
+            </a:r>
+            <a:r>
+              <a:rPr lang="en-US" altLang="zh-CN" sz="1400" dirty="0">
+                <a:latin typeface="Consolas" panose="020B0609020204030204" pitchFamily="49" charset="0"/>
+              </a:rPr>
+              <a:t> </a:t>
+            </a:r>
+            <a:r>
+              <a:rPr lang="en-US" altLang="zh-CN" sz="1400" dirty="0" err="1">
+                <a:latin typeface="Consolas" panose="020B0609020204030204" pitchFamily="49" charset="0"/>
+              </a:rPr>
+              <a:t>brOffset</a:t>
+            </a:r>
+            <a:r>
+              <a:rPr lang="en-US" altLang="zh-CN" sz="1400" dirty="0">
+                <a:latin typeface="Consolas" panose="020B0609020204030204" pitchFamily="49" charset="0"/>
+              </a:rPr>
+              <a:t>  = </a:t>
+            </a:r>
+            <a:r>
+              <a:rPr lang="en-US" altLang="zh-CN" sz="1400" dirty="0" err="1">
+                <a:latin typeface="Consolas" panose="020B0609020204030204" pitchFamily="49" charset="0"/>
+              </a:rPr>
+              <a:t>br_offset</a:t>
+            </a:r>
+            <a:r>
+              <a:rPr lang="en-US" altLang="zh-CN" sz="1400" dirty="0">
+                <a:latin typeface="Consolas" panose="020B0609020204030204" pitchFamily="49" charset="0"/>
+              </a:rPr>
+              <a:t>(</a:t>
+            </a:r>
+            <a:r>
+              <a:rPr lang="en-US" altLang="zh-CN" sz="1400" dirty="0" err="1">
+                <a:latin typeface="Consolas" panose="020B0609020204030204" pitchFamily="49" charset="0"/>
+              </a:rPr>
+              <a:t>inst</a:t>
+            </a:r>
+            <a:r>
+              <a:rPr lang="en-US" altLang="zh-CN" sz="1400" dirty="0">
+                <a:latin typeface="Consolas" panose="020B0609020204030204" pitchFamily="49" charset="0"/>
+              </a:rPr>
+              <a:t>, </a:t>
+            </a:r>
+            <a:r>
+              <a:rPr lang="en-US" altLang="zh-CN" sz="1400" dirty="0" err="1">
+                <a:latin typeface="Consolas" panose="020B0609020204030204" pitchFamily="49" charset="0"/>
+              </a:rPr>
+              <a:t>currentIsRVC</a:t>
+            </a:r>
+            <a:r>
+              <a:rPr lang="en-US" altLang="zh-CN" sz="1400" dirty="0">
+                <a:latin typeface="Consolas" panose="020B0609020204030204" pitchFamily="49" charset="0"/>
+              </a:rPr>
+              <a:t>)</a:t>
+            </a:r>
+          </a:p>
+          <a:p>
+            <a:endParaRPr lang="en-US" altLang="zh-CN" sz="1400" dirty="0" smtClean="0">
+              <a:latin typeface="Consolas" panose="020B0609020204030204" pitchFamily="49" charset="0"/>
+            </a:endParaRPr>
+          </a:p>
+          <a:p>
+            <a:r>
+              <a:rPr lang="en-US" altLang="zh-CN" sz="1400" dirty="0">
+                <a:latin typeface="Consolas" panose="020B0609020204030204" pitchFamily="49" charset="0"/>
+              </a:rPr>
+              <a:t> </a:t>
+            </a:r>
+            <a:r>
+              <a:rPr lang="en-US" altLang="zh-CN" sz="1400" dirty="0" smtClean="0">
+                <a:latin typeface="Consolas" panose="020B0609020204030204" pitchFamily="49" charset="0"/>
+              </a:rPr>
+              <a:t>   // </a:t>
+            </a:r>
+            <a:r>
+              <a:rPr lang="zh-CN" altLang="en-US" sz="1400" dirty="0" smtClean="0">
+                <a:latin typeface="Consolas" panose="020B0609020204030204" pitchFamily="49" charset="0"/>
+              </a:rPr>
+              <a:t>指令截断处理</a:t>
+            </a:r>
+            <a:r>
+              <a:rPr lang="en-US" altLang="zh-CN" sz="1400" dirty="0">
+                <a:latin typeface="Consolas" panose="020B0609020204030204" pitchFamily="49" charset="0"/>
+              </a:rPr>
+              <a:t/>
+            </a:r>
+            <a:br>
+              <a:rPr lang="en-US" altLang="zh-CN" sz="1400" dirty="0">
+                <a:latin typeface="Consolas" panose="020B0609020204030204" pitchFamily="49" charset="0"/>
+              </a:rPr>
+            </a:br>
+            <a:r>
+              <a:rPr lang="en-US" altLang="zh-CN" sz="1400" dirty="0">
+                <a:solidFill>
+                  <a:srgbClr val="FF0000"/>
+                </a:solidFill>
+                <a:latin typeface="Consolas" panose="020B0609020204030204" pitchFamily="49" charset="0"/>
+              </a:rPr>
+              <a:t>    //</a:t>
+            </a:r>
+            <a:r>
+              <a:rPr lang="en-US" altLang="zh-CN" sz="1400" dirty="0" err="1">
+                <a:solidFill>
+                  <a:srgbClr val="FF0000"/>
+                </a:solidFill>
+                <a:latin typeface="Consolas" panose="020B0609020204030204" pitchFamily="49" charset="0"/>
+              </a:rPr>
+              <a:t>val</a:t>
+            </a:r>
+            <a:r>
+              <a:rPr lang="en-US" altLang="zh-CN" sz="1400" dirty="0">
+                <a:solidFill>
+                  <a:srgbClr val="FF0000"/>
+                </a:solidFill>
+                <a:latin typeface="Consolas" panose="020B0609020204030204" pitchFamily="49" charset="0"/>
+              </a:rPr>
+              <a:t> </a:t>
+            </a:r>
+            <a:r>
+              <a:rPr lang="en-US" altLang="zh-CN" sz="1400" dirty="0" err="1">
+                <a:solidFill>
+                  <a:srgbClr val="FF0000"/>
+                </a:solidFill>
+                <a:latin typeface="Consolas" panose="020B0609020204030204" pitchFamily="49" charset="0"/>
+              </a:rPr>
+              <a:t>lastIsValidEnd</a:t>
+            </a:r>
+            <a:r>
+              <a:rPr lang="en-US" altLang="zh-CN" sz="1400" dirty="0">
+                <a:solidFill>
+                  <a:srgbClr val="FF0000"/>
+                </a:solidFill>
+                <a:latin typeface="Consolas" panose="020B0609020204030204" pitchFamily="49" charset="0"/>
+              </a:rPr>
+              <a:t> =  if (</a:t>
+            </a:r>
+            <a:r>
+              <a:rPr lang="en-US" altLang="zh-CN" sz="1400" dirty="0" err="1">
+                <a:solidFill>
+                  <a:srgbClr val="FF0000"/>
+                </a:solidFill>
+                <a:latin typeface="Consolas" panose="020B0609020204030204" pitchFamily="49" charset="0"/>
+              </a:rPr>
+              <a:t>i</a:t>
+            </a:r>
+            <a:r>
+              <a:rPr lang="en-US" altLang="zh-CN" sz="1400" dirty="0">
+                <a:solidFill>
+                  <a:srgbClr val="FF0000"/>
+                </a:solidFill>
+                <a:latin typeface="Consolas" panose="020B0609020204030204" pitchFamily="49" charset="0"/>
+              </a:rPr>
+              <a:t> == 0) { !</a:t>
+            </a:r>
+            <a:r>
+              <a:rPr lang="en-US" altLang="zh-CN" sz="1400" dirty="0" err="1">
+                <a:solidFill>
+                  <a:srgbClr val="FF0000"/>
+                </a:solidFill>
+                <a:latin typeface="Consolas" panose="020B0609020204030204" pitchFamily="49" charset="0"/>
+              </a:rPr>
+              <a:t>lastHalfMatch</a:t>
+            </a:r>
+            <a:r>
+              <a:rPr lang="en-US" altLang="zh-CN" sz="1400" dirty="0">
+                <a:solidFill>
+                  <a:srgbClr val="FF0000"/>
+                </a:solidFill>
+                <a:latin typeface="Consolas" panose="020B0609020204030204" pitchFamily="49" charset="0"/>
+              </a:rPr>
+              <a:t> } else { </a:t>
+            </a:r>
+            <a:r>
+              <a:rPr lang="en-US" altLang="zh-CN" sz="1400" dirty="0" err="1">
+                <a:solidFill>
+                  <a:srgbClr val="FF0000"/>
+                </a:solidFill>
+                <a:latin typeface="Consolas" panose="020B0609020204030204" pitchFamily="49" charset="0"/>
+              </a:rPr>
+              <a:t>validEnd</a:t>
+            </a:r>
+            <a:r>
+              <a:rPr lang="en-US" altLang="zh-CN" sz="1400" dirty="0">
+                <a:solidFill>
+                  <a:srgbClr val="FF0000"/>
+                </a:solidFill>
+                <a:latin typeface="Consolas" panose="020B0609020204030204" pitchFamily="49" charset="0"/>
+              </a:rPr>
+              <a:t>(i-1) || !</a:t>
+            </a:r>
+            <a:r>
+              <a:rPr lang="en-US" altLang="zh-CN" sz="1400" dirty="0" err="1">
+                <a:solidFill>
+                  <a:srgbClr val="FF0000"/>
+                </a:solidFill>
+                <a:latin typeface="Consolas" panose="020B0609020204030204" pitchFamily="49" charset="0"/>
+              </a:rPr>
+              <a:t>HasCExtension.B</a:t>
+            </a:r>
+            <a:r>
+              <a:rPr lang="en-US" altLang="zh-CN" sz="1400" dirty="0">
+                <a:solidFill>
+                  <a:srgbClr val="FF0000"/>
+                </a:solidFill>
+                <a:latin typeface="Consolas" panose="020B0609020204030204" pitchFamily="49" charset="0"/>
+              </a:rPr>
+              <a:t> }</a:t>
+            </a:r>
+          </a:p>
+          <a:p>
+            <a:r>
+              <a:rPr lang="en-US" altLang="zh-CN" sz="1400" dirty="0">
+                <a:solidFill>
+                  <a:srgbClr val="FF0000"/>
+                </a:solidFill>
+                <a:latin typeface="Consolas" panose="020B0609020204030204" pitchFamily="49" charset="0"/>
+              </a:rPr>
+              <a:t>    </a:t>
+            </a:r>
+            <a:r>
+              <a:rPr lang="en-US" altLang="zh-CN" sz="1400" dirty="0" err="1">
+                <a:solidFill>
+                  <a:srgbClr val="FF0000"/>
+                </a:solidFill>
+                <a:latin typeface="Consolas" panose="020B0609020204030204" pitchFamily="49" charset="0"/>
+              </a:rPr>
+              <a:t>val</a:t>
+            </a:r>
+            <a:r>
+              <a:rPr lang="en-US" altLang="zh-CN" sz="1400" dirty="0">
+                <a:solidFill>
+                  <a:srgbClr val="FF0000"/>
+                </a:solidFill>
+                <a:latin typeface="Consolas" panose="020B0609020204030204" pitchFamily="49" charset="0"/>
+              </a:rPr>
+              <a:t> </a:t>
+            </a:r>
+            <a:r>
+              <a:rPr lang="en-US" altLang="zh-CN" sz="1400" dirty="0" err="1">
+                <a:solidFill>
+                  <a:srgbClr val="FF0000"/>
+                </a:solidFill>
+                <a:latin typeface="Consolas" panose="020B0609020204030204" pitchFamily="49" charset="0"/>
+              </a:rPr>
+              <a:t>lastIsValidEnd</a:t>
+            </a:r>
+            <a:r>
+              <a:rPr lang="en-US" altLang="zh-CN" sz="1400" dirty="0">
+                <a:solidFill>
+                  <a:srgbClr val="FF0000"/>
+                </a:solidFill>
+                <a:latin typeface="Consolas" panose="020B0609020204030204" pitchFamily="49" charset="0"/>
+              </a:rPr>
+              <a:t> =   if (</a:t>
+            </a:r>
+            <a:r>
+              <a:rPr lang="en-US" altLang="zh-CN" sz="1400" dirty="0" err="1">
+                <a:solidFill>
+                  <a:srgbClr val="FF0000"/>
+                </a:solidFill>
+                <a:latin typeface="Consolas" panose="020B0609020204030204" pitchFamily="49" charset="0"/>
+              </a:rPr>
+              <a:t>i</a:t>
+            </a:r>
+            <a:r>
+              <a:rPr lang="en-US" altLang="zh-CN" sz="1400" dirty="0">
+                <a:solidFill>
+                  <a:srgbClr val="FF0000"/>
+                </a:solidFill>
+                <a:latin typeface="Consolas" panose="020B0609020204030204" pitchFamily="49" charset="0"/>
+              </a:rPr>
+              <a:t> == 0) { </a:t>
+            </a:r>
+            <a:r>
+              <a:rPr lang="en-US" altLang="zh-CN" sz="1400" dirty="0" err="1">
+                <a:solidFill>
+                  <a:srgbClr val="FF0000"/>
+                </a:solidFill>
+                <a:latin typeface="Consolas" panose="020B0609020204030204" pitchFamily="49" charset="0"/>
+              </a:rPr>
+              <a:t>true.B</a:t>
+            </a:r>
+            <a:r>
+              <a:rPr lang="en-US" altLang="zh-CN" sz="1400" dirty="0">
+                <a:solidFill>
+                  <a:srgbClr val="FF0000"/>
+                </a:solidFill>
+                <a:latin typeface="Consolas" panose="020B0609020204030204" pitchFamily="49" charset="0"/>
+              </a:rPr>
+              <a:t> } else { </a:t>
+            </a:r>
+            <a:r>
+              <a:rPr lang="en-US" altLang="zh-CN" sz="1400" dirty="0" err="1">
+                <a:solidFill>
+                  <a:srgbClr val="FF0000"/>
+                </a:solidFill>
+                <a:latin typeface="Consolas" panose="020B0609020204030204" pitchFamily="49" charset="0"/>
+              </a:rPr>
+              <a:t>validEnd</a:t>
+            </a:r>
+            <a:r>
+              <a:rPr lang="en-US" altLang="zh-CN" sz="1400" dirty="0">
+                <a:solidFill>
+                  <a:srgbClr val="FF0000"/>
+                </a:solidFill>
+                <a:latin typeface="Consolas" panose="020B0609020204030204" pitchFamily="49" charset="0"/>
+              </a:rPr>
+              <a:t>(i-1) || !</a:t>
+            </a:r>
+            <a:r>
+              <a:rPr lang="en-US" altLang="zh-CN" sz="1400" dirty="0" err="1">
+                <a:solidFill>
+                  <a:srgbClr val="FF0000"/>
+                </a:solidFill>
+                <a:latin typeface="Consolas" panose="020B0609020204030204" pitchFamily="49" charset="0"/>
+              </a:rPr>
+              <a:t>HasCExtension.B</a:t>
+            </a:r>
+            <a:r>
+              <a:rPr lang="en-US" altLang="zh-CN" sz="1400" dirty="0">
+                <a:solidFill>
+                  <a:srgbClr val="FF0000"/>
+                </a:solidFill>
+                <a:latin typeface="Consolas" panose="020B0609020204030204" pitchFamily="49" charset="0"/>
+              </a:rPr>
+              <a:t> }</a:t>
+            </a:r>
+          </a:p>
+          <a:p>
+            <a:r>
+              <a:rPr lang="en-US" altLang="zh-CN" sz="1400" dirty="0">
+                <a:solidFill>
+                  <a:srgbClr val="FF0000"/>
+                </a:solidFill>
+                <a:latin typeface="Consolas" panose="020B0609020204030204" pitchFamily="49" charset="0"/>
+              </a:rPr>
+              <a:t>    </a:t>
+            </a:r>
+            <a:r>
+              <a:rPr lang="en-US" altLang="zh-CN" sz="1400" dirty="0" err="1">
+                <a:solidFill>
+                  <a:srgbClr val="FF0000"/>
+                </a:solidFill>
+                <a:latin typeface="Consolas" panose="020B0609020204030204" pitchFamily="49" charset="0"/>
+              </a:rPr>
+              <a:t>validStart</a:t>
+            </a:r>
+            <a:r>
+              <a:rPr lang="en-US" altLang="zh-CN" sz="1400" dirty="0">
+                <a:solidFill>
+                  <a:srgbClr val="FF0000"/>
+                </a:solidFill>
+                <a:latin typeface="Consolas" panose="020B0609020204030204" pitchFamily="49" charset="0"/>
+              </a:rPr>
+              <a:t>(</a:t>
+            </a:r>
+            <a:r>
+              <a:rPr lang="en-US" altLang="zh-CN" sz="1400" dirty="0" err="1">
+                <a:solidFill>
+                  <a:srgbClr val="FF0000"/>
+                </a:solidFill>
+                <a:latin typeface="Consolas" panose="020B0609020204030204" pitchFamily="49" charset="0"/>
+              </a:rPr>
+              <a:t>i</a:t>
+            </a:r>
+            <a:r>
+              <a:rPr lang="en-US" altLang="zh-CN" sz="1400" dirty="0">
+                <a:solidFill>
+                  <a:srgbClr val="FF0000"/>
+                </a:solidFill>
+                <a:latin typeface="Consolas" panose="020B0609020204030204" pitchFamily="49" charset="0"/>
+              </a:rPr>
+              <a:t>)   := (</a:t>
+            </a:r>
+            <a:r>
+              <a:rPr lang="en-US" altLang="zh-CN" sz="1400" dirty="0" err="1">
+                <a:solidFill>
+                  <a:srgbClr val="FF0000"/>
+                </a:solidFill>
+                <a:latin typeface="Consolas" panose="020B0609020204030204" pitchFamily="49" charset="0"/>
+              </a:rPr>
+              <a:t>lastIsValidEnd</a:t>
+            </a:r>
+            <a:r>
+              <a:rPr lang="en-US" altLang="zh-CN" sz="1400" dirty="0">
+                <a:solidFill>
+                  <a:srgbClr val="FF0000"/>
+                </a:solidFill>
+                <a:latin typeface="Consolas" panose="020B0609020204030204" pitchFamily="49" charset="0"/>
+              </a:rPr>
+              <a:t> || !</a:t>
+            </a:r>
+            <a:r>
+              <a:rPr lang="en-US" altLang="zh-CN" sz="1400" dirty="0" err="1">
+                <a:solidFill>
+                  <a:srgbClr val="FF0000"/>
+                </a:solidFill>
+                <a:latin typeface="Consolas" panose="020B0609020204030204" pitchFamily="49" charset="0"/>
+              </a:rPr>
+              <a:t>HasCExtension.B</a:t>
+            </a:r>
+            <a:r>
+              <a:rPr lang="en-US" altLang="zh-CN" sz="1400" dirty="0">
+                <a:solidFill>
+                  <a:srgbClr val="FF0000"/>
+                </a:solidFill>
+                <a:latin typeface="Consolas" panose="020B0609020204030204" pitchFamily="49" charset="0"/>
+              </a:rPr>
+              <a:t>)</a:t>
+            </a:r>
+          </a:p>
+          <a:p>
+            <a:r>
+              <a:rPr lang="en-US" altLang="zh-CN" sz="1400" dirty="0">
+                <a:solidFill>
+                  <a:srgbClr val="FF0000"/>
+                </a:solidFill>
+                <a:latin typeface="Consolas" panose="020B0609020204030204" pitchFamily="49" charset="0"/>
+              </a:rPr>
+              <a:t>    </a:t>
+            </a:r>
+            <a:r>
+              <a:rPr lang="en-US" altLang="zh-CN" sz="1400" dirty="0" err="1">
+                <a:solidFill>
+                  <a:srgbClr val="FF0000"/>
+                </a:solidFill>
+                <a:latin typeface="Consolas" panose="020B0609020204030204" pitchFamily="49" charset="0"/>
+              </a:rPr>
+              <a:t>validEnd</a:t>
+            </a:r>
+            <a:r>
+              <a:rPr lang="en-US" altLang="zh-CN" sz="1400" dirty="0">
+                <a:solidFill>
+                  <a:srgbClr val="FF0000"/>
+                </a:solidFill>
+                <a:latin typeface="Consolas" panose="020B0609020204030204" pitchFamily="49" charset="0"/>
+              </a:rPr>
+              <a:t>(</a:t>
+            </a:r>
+            <a:r>
+              <a:rPr lang="en-US" altLang="zh-CN" sz="1400" dirty="0" err="1">
+                <a:solidFill>
+                  <a:srgbClr val="FF0000"/>
+                </a:solidFill>
+                <a:latin typeface="Consolas" panose="020B0609020204030204" pitchFamily="49" charset="0"/>
+              </a:rPr>
+              <a:t>i</a:t>
+            </a:r>
+            <a:r>
+              <a:rPr lang="en-US" altLang="zh-CN" sz="1400" dirty="0">
+                <a:solidFill>
+                  <a:srgbClr val="FF0000"/>
+                </a:solidFill>
+                <a:latin typeface="Consolas" panose="020B0609020204030204" pitchFamily="49" charset="0"/>
+              </a:rPr>
+              <a:t>)     := </a:t>
+            </a:r>
+            <a:r>
+              <a:rPr lang="en-US" altLang="zh-CN" sz="1400" dirty="0" err="1">
+                <a:solidFill>
+                  <a:srgbClr val="FF0000"/>
+                </a:solidFill>
+                <a:latin typeface="Consolas" panose="020B0609020204030204" pitchFamily="49" charset="0"/>
+              </a:rPr>
+              <a:t>validStart</a:t>
+            </a:r>
+            <a:r>
+              <a:rPr lang="en-US" altLang="zh-CN" sz="1400" dirty="0">
+                <a:solidFill>
+                  <a:srgbClr val="FF0000"/>
+                </a:solidFill>
+                <a:latin typeface="Consolas" panose="020B0609020204030204" pitchFamily="49" charset="0"/>
+              </a:rPr>
+              <a:t>(</a:t>
+            </a:r>
+            <a:r>
+              <a:rPr lang="en-US" altLang="zh-CN" sz="1400" dirty="0" err="1">
+                <a:solidFill>
+                  <a:srgbClr val="FF0000"/>
+                </a:solidFill>
+                <a:latin typeface="Consolas" panose="020B0609020204030204" pitchFamily="49" charset="0"/>
+              </a:rPr>
+              <a:t>i</a:t>
+            </a:r>
+            <a:r>
+              <a:rPr lang="en-US" altLang="zh-CN" sz="1400" dirty="0">
+                <a:solidFill>
+                  <a:srgbClr val="FF0000"/>
+                </a:solidFill>
+                <a:latin typeface="Consolas" panose="020B0609020204030204" pitchFamily="49" charset="0"/>
+              </a:rPr>
+              <a:t>) &amp;&amp; </a:t>
+            </a:r>
+            <a:r>
+              <a:rPr lang="en-US" altLang="zh-CN" sz="1400" dirty="0" err="1">
+                <a:solidFill>
+                  <a:srgbClr val="FF0000"/>
+                </a:solidFill>
+                <a:latin typeface="Consolas" panose="020B0609020204030204" pitchFamily="49" charset="0"/>
+              </a:rPr>
+              <a:t>currentIsRVC</a:t>
+            </a:r>
+            <a:r>
+              <a:rPr lang="en-US" altLang="zh-CN" sz="1400" dirty="0">
+                <a:solidFill>
+                  <a:srgbClr val="FF0000"/>
+                </a:solidFill>
+                <a:latin typeface="Consolas" panose="020B0609020204030204" pitchFamily="49" charset="0"/>
+              </a:rPr>
+              <a:t> || !</a:t>
+            </a:r>
+            <a:r>
+              <a:rPr lang="en-US" altLang="zh-CN" sz="1400" dirty="0" err="1">
+                <a:solidFill>
+                  <a:srgbClr val="FF0000"/>
+                </a:solidFill>
+                <a:latin typeface="Consolas" panose="020B0609020204030204" pitchFamily="49" charset="0"/>
+              </a:rPr>
+              <a:t>validStart</a:t>
+            </a:r>
+            <a:r>
+              <a:rPr lang="en-US" altLang="zh-CN" sz="1400" dirty="0">
+                <a:solidFill>
+                  <a:srgbClr val="FF0000"/>
+                </a:solidFill>
+                <a:latin typeface="Consolas" panose="020B0609020204030204" pitchFamily="49" charset="0"/>
+              </a:rPr>
+              <a:t>(</a:t>
+            </a:r>
+            <a:r>
+              <a:rPr lang="en-US" altLang="zh-CN" sz="1400" dirty="0" err="1">
+                <a:solidFill>
+                  <a:srgbClr val="FF0000"/>
+                </a:solidFill>
+                <a:latin typeface="Consolas" panose="020B0609020204030204" pitchFamily="49" charset="0"/>
+              </a:rPr>
+              <a:t>i</a:t>
+            </a:r>
+            <a:r>
+              <a:rPr lang="en-US" altLang="zh-CN" sz="1400" dirty="0">
+                <a:solidFill>
+                  <a:srgbClr val="FF0000"/>
+                </a:solidFill>
+                <a:latin typeface="Consolas" panose="020B0609020204030204" pitchFamily="49" charset="0"/>
+              </a:rPr>
+              <a:t>) || !</a:t>
+            </a:r>
+            <a:r>
+              <a:rPr lang="en-US" altLang="zh-CN" sz="1400" dirty="0" err="1">
+                <a:solidFill>
+                  <a:srgbClr val="FF0000"/>
+                </a:solidFill>
+                <a:latin typeface="Consolas" panose="020B0609020204030204" pitchFamily="49" charset="0"/>
+              </a:rPr>
+              <a:t>HasCExtension.B</a:t>
+            </a:r>
+            <a:endParaRPr lang="en-US" altLang="zh-CN" sz="1400" dirty="0">
+              <a:solidFill>
+                <a:srgbClr val="FF0000"/>
+              </a:solidFill>
+              <a:latin typeface="Consolas" panose="020B0609020204030204" pitchFamily="49" charset="0"/>
+            </a:endParaRPr>
+          </a:p>
+          <a:p>
+            <a:r>
+              <a:rPr lang="en-US" altLang="zh-CN" sz="1400" dirty="0">
+                <a:solidFill>
+                  <a:srgbClr val="FF0000"/>
+                </a:solidFill>
+                <a:latin typeface="Consolas" panose="020B0609020204030204" pitchFamily="49" charset="0"/>
+              </a:rPr>
+              <a:t/>
+            </a:r>
+            <a:br>
+              <a:rPr lang="en-US" altLang="zh-CN" sz="1400" dirty="0">
+                <a:solidFill>
+                  <a:srgbClr val="FF0000"/>
+                </a:solidFill>
+                <a:latin typeface="Consolas" panose="020B0609020204030204" pitchFamily="49" charset="0"/>
+              </a:rPr>
+            </a:br>
+            <a:r>
+              <a:rPr lang="en-US" altLang="zh-CN" sz="1400" dirty="0">
+                <a:solidFill>
+                  <a:srgbClr val="FF0000"/>
+                </a:solidFill>
+                <a:latin typeface="Consolas" panose="020B0609020204030204" pitchFamily="49" charset="0"/>
+              </a:rPr>
+              <a:t>    //prepared for last half match</a:t>
+            </a:r>
+          </a:p>
+          <a:p>
+            <a:r>
+              <a:rPr lang="en-US" altLang="zh-CN" sz="1400" dirty="0">
+                <a:solidFill>
+                  <a:srgbClr val="FF0000"/>
+                </a:solidFill>
+                <a:latin typeface="Consolas" panose="020B0609020204030204" pitchFamily="49" charset="0"/>
+              </a:rPr>
+              <a:t>    //TODO if </a:t>
+            </a:r>
+            <a:r>
+              <a:rPr lang="en-US" altLang="zh-CN" sz="1400" dirty="0" err="1">
+                <a:solidFill>
+                  <a:srgbClr val="FF0000"/>
+                </a:solidFill>
+                <a:latin typeface="Consolas" panose="020B0609020204030204" pitchFamily="49" charset="0"/>
+              </a:rPr>
+              <a:t>HasCExtension</a:t>
+            </a:r>
+            <a:endParaRPr lang="en-US" altLang="zh-CN" sz="1400" dirty="0">
+              <a:solidFill>
+                <a:srgbClr val="FF0000"/>
+              </a:solidFill>
+              <a:latin typeface="Consolas" panose="020B0609020204030204" pitchFamily="49" charset="0"/>
+            </a:endParaRPr>
+          </a:p>
+          <a:p>
+            <a:r>
+              <a:rPr lang="en-US" altLang="zh-CN" sz="1400" dirty="0">
+                <a:solidFill>
+                  <a:srgbClr val="FF0000"/>
+                </a:solidFill>
+                <a:latin typeface="Consolas" panose="020B0609020204030204" pitchFamily="49" charset="0"/>
+              </a:rPr>
+              <a:t>    </a:t>
+            </a:r>
+            <a:r>
+              <a:rPr lang="en-US" altLang="zh-CN" sz="1400" dirty="0" err="1">
+                <a:solidFill>
+                  <a:srgbClr val="FF0000"/>
+                </a:solidFill>
+                <a:latin typeface="Consolas" panose="020B0609020204030204" pitchFamily="49" charset="0"/>
+              </a:rPr>
+              <a:t>val</a:t>
+            </a:r>
+            <a:r>
+              <a:rPr lang="en-US" altLang="zh-CN" sz="1400" dirty="0">
+                <a:solidFill>
+                  <a:srgbClr val="FF0000"/>
+                </a:solidFill>
+                <a:latin typeface="Consolas" panose="020B0609020204030204" pitchFamily="49" charset="0"/>
+              </a:rPr>
+              <a:t> </a:t>
+            </a:r>
+            <a:r>
+              <a:rPr lang="en-US" altLang="zh-CN" sz="1400" dirty="0" err="1">
+                <a:solidFill>
+                  <a:srgbClr val="FF0000"/>
+                </a:solidFill>
+                <a:latin typeface="Consolas" panose="020B0609020204030204" pitchFamily="49" charset="0"/>
+              </a:rPr>
+              <a:t>h_lastIsValidEnd</a:t>
+            </a:r>
+            <a:r>
+              <a:rPr lang="en-US" altLang="zh-CN" sz="1400" dirty="0">
+                <a:solidFill>
+                  <a:srgbClr val="FF0000"/>
+                </a:solidFill>
+                <a:latin typeface="Consolas" panose="020B0609020204030204" pitchFamily="49" charset="0"/>
+              </a:rPr>
+              <a:t> = if (</a:t>
+            </a:r>
+            <a:r>
+              <a:rPr lang="en-US" altLang="zh-CN" sz="1400" dirty="0" err="1">
+                <a:solidFill>
+                  <a:srgbClr val="FF0000"/>
+                </a:solidFill>
+                <a:latin typeface="Consolas" panose="020B0609020204030204" pitchFamily="49" charset="0"/>
+              </a:rPr>
+              <a:t>i</a:t>
+            </a:r>
+            <a:r>
+              <a:rPr lang="en-US" altLang="zh-CN" sz="1400" dirty="0">
+                <a:solidFill>
+                  <a:srgbClr val="FF0000"/>
+                </a:solidFill>
+                <a:latin typeface="Consolas" panose="020B0609020204030204" pitchFamily="49" charset="0"/>
+              </a:rPr>
+              <a:t> == 0) { </a:t>
+            </a:r>
+            <a:r>
+              <a:rPr lang="en-US" altLang="zh-CN" sz="1400" dirty="0" err="1">
+                <a:solidFill>
+                  <a:srgbClr val="FF0000"/>
+                </a:solidFill>
+                <a:latin typeface="Consolas" panose="020B0609020204030204" pitchFamily="49" charset="0"/>
+              </a:rPr>
+              <a:t>false.B</a:t>
+            </a:r>
+            <a:r>
+              <a:rPr lang="en-US" altLang="zh-CN" sz="1400" dirty="0">
+                <a:solidFill>
+                  <a:srgbClr val="FF0000"/>
+                </a:solidFill>
+                <a:latin typeface="Consolas" panose="020B0609020204030204" pitchFamily="49" charset="0"/>
+              </a:rPr>
+              <a:t> } else { </a:t>
+            </a:r>
+            <a:r>
+              <a:rPr lang="en-US" altLang="zh-CN" sz="1400" dirty="0" err="1">
+                <a:solidFill>
+                  <a:srgbClr val="FF0000"/>
+                </a:solidFill>
+                <a:latin typeface="Consolas" panose="020B0609020204030204" pitchFamily="49" charset="0"/>
+              </a:rPr>
+              <a:t>h_validEnd</a:t>
+            </a:r>
+            <a:r>
+              <a:rPr lang="en-US" altLang="zh-CN" sz="1400" dirty="0">
+                <a:solidFill>
+                  <a:srgbClr val="FF0000"/>
+                </a:solidFill>
+                <a:latin typeface="Consolas" panose="020B0609020204030204" pitchFamily="49" charset="0"/>
+              </a:rPr>
+              <a:t>(i-1) || !</a:t>
+            </a:r>
+            <a:r>
+              <a:rPr lang="en-US" altLang="zh-CN" sz="1400" dirty="0" err="1">
+                <a:solidFill>
+                  <a:srgbClr val="FF0000"/>
+                </a:solidFill>
+                <a:latin typeface="Consolas" panose="020B0609020204030204" pitchFamily="49" charset="0"/>
+              </a:rPr>
+              <a:t>HasCExtension.B</a:t>
+            </a:r>
+            <a:r>
+              <a:rPr lang="en-US" altLang="zh-CN" sz="1400" dirty="0">
+                <a:solidFill>
+                  <a:srgbClr val="FF0000"/>
+                </a:solidFill>
+                <a:latin typeface="Consolas" panose="020B0609020204030204" pitchFamily="49" charset="0"/>
+              </a:rPr>
+              <a:t> }</a:t>
+            </a:r>
+          </a:p>
+          <a:p>
+            <a:r>
+              <a:rPr lang="en-US" altLang="zh-CN" sz="1400" dirty="0">
+                <a:solidFill>
+                  <a:srgbClr val="FF0000"/>
+                </a:solidFill>
+                <a:latin typeface="Consolas" panose="020B0609020204030204" pitchFamily="49" charset="0"/>
+              </a:rPr>
+              <a:t>    </a:t>
+            </a:r>
+            <a:r>
+              <a:rPr lang="en-US" altLang="zh-CN" sz="1400" dirty="0" err="1">
+                <a:solidFill>
+                  <a:srgbClr val="FF0000"/>
+                </a:solidFill>
+                <a:latin typeface="Consolas" panose="020B0609020204030204" pitchFamily="49" charset="0"/>
+              </a:rPr>
+              <a:t>h_validStart</a:t>
+            </a:r>
+            <a:r>
+              <a:rPr lang="en-US" altLang="zh-CN" sz="1400" dirty="0">
+                <a:solidFill>
+                  <a:srgbClr val="FF0000"/>
+                </a:solidFill>
+                <a:latin typeface="Consolas" panose="020B0609020204030204" pitchFamily="49" charset="0"/>
+              </a:rPr>
+              <a:t>(</a:t>
+            </a:r>
+            <a:r>
+              <a:rPr lang="en-US" altLang="zh-CN" sz="1400" dirty="0" err="1">
+                <a:solidFill>
+                  <a:srgbClr val="FF0000"/>
+                </a:solidFill>
+                <a:latin typeface="Consolas" panose="020B0609020204030204" pitchFamily="49" charset="0"/>
+              </a:rPr>
+              <a:t>i</a:t>
+            </a:r>
+            <a:r>
+              <a:rPr lang="en-US" altLang="zh-CN" sz="1400" dirty="0">
+                <a:solidFill>
+                  <a:srgbClr val="FF0000"/>
+                </a:solidFill>
+                <a:latin typeface="Consolas" panose="020B0609020204030204" pitchFamily="49" charset="0"/>
+              </a:rPr>
+              <a:t>)   := (</a:t>
+            </a:r>
+            <a:r>
+              <a:rPr lang="en-US" altLang="zh-CN" sz="1400" dirty="0" err="1">
+                <a:solidFill>
+                  <a:srgbClr val="FF0000"/>
+                </a:solidFill>
+                <a:latin typeface="Consolas" panose="020B0609020204030204" pitchFamily="49" charset="0"/>
+              </a:rPr>
+              <a:t>h_lastIsValidEnd</a:t>
+            </a:r>
+            <a:r>
+              <a:rPr lang="en-US" altLang="zh-CN" sz="1400" dirty="0">
+                <a:solidFill>
+                  <a:srgbClr val="FF0000"/>
+                </a:solidFill>
+                <a:latin typeface="Consolas" panose="020B0609020204030204" pitchFamily="49" charset="0"/>
+              </a:rPr>
+              <a:t> || !</a:t>
+            </a:r>
+            <a:r>
+              <a:rPr lang="en-US" altLang="zh-CN" sz="1400" dirty="0" err="1">
+                <a:solidFill>
+                  <a:srgbClr val="FF0000"/>
+                </a:solidFill>
+                <a:latin typeface="Consolas" panose="020B0609020204030204" pitchFamily="49" charset="0"/>
+              </a:rPr>
+              <a:t>HasCExtension.B</a:t>
+            </a:r>
+            <a:r>
+              <a:rPr lang="en-US" altLang="zh-CN" sz="1400" dirty="0">
+                <a:solidFill>
+                  <a:srgbClr val="FF0000"/>
+                </a:solidFill>
+                <a:latin typeface="Consolas" panose="020B0609020204030204" pitchFamily="49" charset="0"/>
+              </a:rPr>
+              <a:t>)</a:t>
+            </a:r>
+          </a:p>
+          <a:p>
+            <a:r>
+              <a:rPr lang="en-US" altLang="zh-CN" sz="1400" dirty="0">
+                <a:solidFill>
+                  <a:srgbClr val="FF0000"/>
+                </a:solidFill>
+                <a:latin typeface="Consolas" panose="020B0609020204030204" pitchFamily="49" charset="0"/>
+              </a:rPr>
+              <a:t>    </a:t>
+            </a:r>
+            <a:r>
+              <a:rPr lang="en-US" altLang="zh-CN" sz="1400" dirty="0" err="1">
+                <a:solidFill>
+                  <a:srgbClr val="FF0000"/>
+                </a:solidFill>
+                <a:latin typeface="Consolas" panose="020B0609020204030204" pitchFamily="49" charset="0"/>
+              </a:rPr>
+              <a:t>h_validEnd</a:t>
+            </a:r>
+            <a:r>
+              <a:rPr lang="en-US" altLang="zh-CN" sz="1400" dirty="0">
+                <a:solidFill>
+                  <a:srgbClr val="FF0000"/>
+                </a:solidFill>
+                <a:latin typeface="Consolas" panose="020B0609020204030204" pitchFamily="49" charset="0"/>
+              </a:rPr>
+              <a:t>(</a:t>
+            </a:r>
+            <a:r>
+              <a:rPr lang="en-US" altLang="zh-CN" sz="1400" dirty="0" err="1">
+                <a:solidFill>
+                  <a:srgbClr val="FF0000"/>
+                </a:solidFill>
+                <a:latin typeface="Consolas" panose="020B0609020204030204" pitchFamily="49" charset="0"/>
+              </a:rPr>
+              <a:t>i</a:t>
+            </a:r>
+            <a:r>
+              <a:rPr lang="en-US" altLang="zh-CN" sz="1400" dirty="0">
+                <a:solidFill>
+                  <a:srgbClr val="FF0000"/>
+                </a:solidFill>
+                <a:latin typeface="Consolas" panose="020B0609020204030204" pitchFamily="49" charset="0"/>
+              </a:rPr>
+              <a:t>)     := </a:t>
+            </a:r>
+            <a:r>
+              <a:rPr lang="en-US" altLang="zh-CN" sz="1400" dirty="0" err="1">
+                <a:solidFill>
+                  <a:srgbClr val="FF0000"/>
+                </a:solidFill>
+                <a:latin typeface="Consolas" panose="020B0609020204030204" pitchFamily="49" charset="0"/>
+              </a:rPr>
+              <a:t>h_validStart</a:t>
+            </a:r>
+            <a:r>
+              <a:rPr lang="en-US" altLang="zh-CN" sz="1400" dirty="0">
+                <a:solidFill>
+                  <a:srgbClr val="FF0000"/>
+                </a:solidFill>
+                <a:latin typeface="Consolas" panose="020B0609020204030204" pitchFamily="49" charset="0"/>
+              </a:rPr>
+              <a:t>(</a:t>
+            </a:r>
+            <a:r>
+              <a:rPr lang="en-US" altLang="zh-CN" sz="1400" dirty="0" err="1">
+                <a:solidFill>
+                  <a:srgbClr val="FF0000"/>
+                </a:solidFill>
+                <a:latin typeface="Consolas" panose="020B0609020204030204" pitchFamily="49" charset="0"/>
+              </a:rPr>
+              <a:t>i</a:t>
+            </a:r>
+            <a:r>
+              <a:rPr lang="en-US" altLang="zh-CN" sz="1400" dirty="0">
+                <a:solidFill>
+                  <a:srgbClr val="FF0000"/>
+                </a:solidFill>
+                <a:latin typeface="Consolas" panose="020B0609020204030204" pitchFamily="49" charset="0"/>
+              </a:rPr>
+              <a:t>) &amp;&amp; </a:t>
+            </a:r>
+            <a:r>
+              <a:rPr lang="en-US" altLang="zh-CN" sz="1400" dirty="0" err="1">
+                <a:solidFill>
+                  <a:srgbClr val="FF0000"/>
+                </a:solidFill>
+                <a:latin typeface="Consolas" panose="020B0609020204030204" pitchFamily="49" charset="0"/>
+              </a:rPr>
+              <a:t>currentIsRVC</a:t>
+            </a:r>
+            <a:r>
+              <a:rPr lang="en-US" altLang="zh-CN" sz="1400" dirty="0">
+                <a:solidFill>
+                  <a:srgbClr val="FF0000"/>
+                </a:solidFill>
+                <a:latin typeface="Consolas" panose="020B0609020204030204" pitchFamily="49" charset="0"/>
+              </a:rPr>
+              <a:t> || !</a:t>
+            </a:r>
+            <a:r>
+              <a:rPr lang="en-US" altLang="zh-CN" sz="1400" dirty="0" err="1">
+                <a:solidFill>
+                  <a:srgbClr val="FF0000"/>
+                </a:solidFill>
+                <a:latin typeface="Consolas" panose="020B0609020204030204" pitchFamily="49" charset="0"/>
+              </a:rPr>
+              <a:t>h_validStart</a:t>
+            </a:r>
+            <a:r>
+              <a:rPr lang="en-US" altLang="zh-CN" sz="1400" dirty="0">
+                <a:solidFill>
+                  <a:srgbClr val="FF0000"/>
+                </a:solidFill>
+                <a:latin typeface="Consolas" panose="020B0609020204030204" pitchFamily="49" charset="0"/>
+              </a:rPr>
+              <a:t>(</a:t>
+            </a:r>
+            <a:r>
+              <a:rPr lang="en-US" altLang="zh-CN" sz="1400" dirty="0" err="1">
+                <a:solidFill>
+                  <a:srgbClr val="FF0000"/>
+                </a:solidFill>
+                <a:latin typeface="Consolas" panose="020B0609020204030204" pitchFamily="49" charset="0"/>
+              </a:rPr>
+              <a:t>i</a:t>
+            </a:r>
+            <a:r>
+              <a:rPr lang="en-US" altLang="zh-CN" sz="1400" dirty="0">
+                <a:solidFill>
+                  <a:srgbClr val="FF0000"/>
+                </a:solidFill>
+                <a:latin typeface="Consolas" panose="020B0609020204030204" pitchFamily="49" charset="0"/>
+              </a:rPr>
+              <a:t>) || !</a:t>
+            </a:r>
+            <a:r>
+              <a:rPr lang="en-US" altLang="zh-CN" sz="1400" dirty="0" err="1">
+                <a:solidFill>
+                  <a:srgbClr val="FF0000"/>
+                </a:solidFill>
+                <a:latin typeface="Consolas" panose="020B0609020204030204" pitchFamily="49" charset="0"/>
+              </a:rPr>
+              <a:t>HasCExtension.B</a:t>
+            </a:r>
+            <a:endParaRPr lang="en-US" altLang="zh-CN" sz="1400" dirty="0">
+              <a:solidFill>
+                <a:srgbClr val="FF0000"/>
+              </a:solidFill>
+              <a:latin typeface="Consolas" panose="020B0609020204030204" pitchFamily="49" charset="0"/>
+            </a:endParaRPr>
+          </a:p>
+          <a:p>
+            <a:r>
+              <a:rPr lang="en-US" altLang="zh-CN" sz="1400" dirty="0">
+                <a:latin typeface="Consolas" panose="020B0609020204030204" pitchFamily="49" charset="0"/>
+              </a:rPr>
+              <a:t/>
+            </a:r>
+            <a:br>
+              <a:rPr lang="en-US" altLang="zh-CN" sz="1400" dirty="0">
+                <a:latin typeface="Consolas" panose="020B0609020204030204" pitchFamily="49" charset="0"/>
+              </a:rPr>
+            </a:br>
+            <a:r>
+              <a:rPr lang="en-US" altLang="zh-CN" sz="1400" dirty="0">
+                <a:latin typeface="Consolas" panose="020B0609020204030204" pitchFamily="49" charset="0"/>
+              </a:rPr>
+              <a:t>    </a:t>
+            </a:r>
+            <a:r>
+              <a:rPr lang="en-US" altLang="zh-CN" sz="1400" dirty="0" err="1">
+                <a:latin typeface="Consolas" panose="020B0609020204030204" pitchFamily="49" charset="0"/>
+              </a:rPr>
+              <a:t>io.out.hasHalfValid</a:t>
+            </a:r>
+            <a:r>
+              <a:rPr lang="en-US" altLang="zh-CN" sz="1400" dirty="0">
+                <a:latin typeface="Consolas" panose="020B0609020204030204" pitchFamily="49" charset="0"/>
+              </a:rPr>
+              <a:t>(</a:t>
+            </a:r>
+            <a:r>
+              <a:rPr lang="en-US" altLang="zh-CN" sz="1400" dirty="0" err="1">
+                <a:latin typeface="Consolas" panose="020B0609020204030204" pitchFamily="49" charset="0"/>
+              </a:rPr>
+              <a:t>i</a:t>
+            </a:r>
+            <a:r>
+              <a:rPr lang="en-US" altLang="zh-CN" sz="1400" dirty="0">
+                <a:latin typeface="Consolas" panose="020B0609020204030204" pitchFamily="49" charset="0"/>
+              </a:rPr>
+              <a:t>)        := </a:t>
+            </a:r>
+            <a:r>
+              <a:rPr lang="en-US" altLang="zh-CN" sz="1400" dirty="0" err="1">
+                <a:latin typeface="Consolas" panose="020B0609020204030204" pitchFamily="49" charset="0"/>
+              </a:rPr>
+              <a:t>h_validStart</a:t>
+            </a:r>
+            <a:r>
+              <a:rPr lang="en-US" altLang="zh-CN" sz="1400" dirty="0">
+                <a:latin typeface="Consolas" panose="020B0609020204030204" pitchFamily="49" charset="0"/>
+              </a:rPr>
+              <a:t>(</a:t>
+            </a:r>
+            <a:r>
+              <a:rPr lang="en-US" altLang="zh-CN" sz="1400" dirty="0" err="1">
+                <a:latin typeface="Consolas" panose="020B0609020204030204" pitchFamily="49" charset="0"/>
+              </a:rPr>
+              <a:t>i</a:t>
+            </a:r>
+            <a:r>
+              <a:rPr lang="en-US" altLang="zh-CN" sz="1400" dirty="0" smtClean="0">
+                <a:latin typeface="Consolas" panose="020B0609020204030204" pitchFamily="49" charset="0"/>
+              </a:rPr>
+              <a:t>)</a:t>
+            </a:r>
+            <a:r>
+              <a:rPr lang="en-US" altLang="zh-CN" sz="1400" dirty="0">
+                <a:latin typeface="Consolas" panose="020B0609020204030204" pitchFamily="49" charset="0"/>
+              </a:rPr>
+              <a:t/>
+            </a:r>
+            <a:br>
+              <a:rPr lang="en-US" altLang="zh-CN" sz="1400" dirty="0">
+                <a:latin typeface="Consolas" panose="020B0609020204030204" pitchFamily="49" charset="0"/>
+              </a:rPr>
+            </a:br>
+            <a:r>
+              <a:rPr lang="en-US" altLang="zh-CN" sz="1400" dirty="0">
+                <a:latin typeface="Consolas" panose="020B0609020204030204" pitchFamily="49" charset="0"/>
+              </a:rPr>
+              <a:t>    </a:t>
+            </a:r>
+            <a:r>
+              <a:rPr lang="en-US" altLang="zh-CN" sz="1400" dirty="0" err="1">
+                <a:latin typeface="Consolas" panose="020B0609020204030204" pitchFamily="49" charset="0"/>
+              </a:rPr>
+              <a:t>io.out.triggered</a:t>
+            </a:r>
+            <a:r>
+              <a:rPr lang="en-US" altLang="zh-CN" sz="1400" dirty="0">
+                <a:latin typeface="Consolas" panose="020B0609020204030204" pitchFamily="49" charset="0"/>
+              </a:rPr>
+              <a:t>(</a:t>
+            </a:r>
+            <a:r>
+              <a:rPr lang="en-US" altLang="zh-CN" sz="1400" dirty="0" err="1">
+                <a:latin typeface="Consolas" panose="020B0609020204030204" pitchFamily="49" charset="0"/>
+              </a:rPr>
+              <a:t>i</a:t>
+            </a:r>
+            <a:r>
+              <a:rPr lang="en-US" altLang="zh-CN" sz="1400" dirty="0">
+                <a:latin typeface="Consolas" panose="020B0609020204030204" pitchFamily="49" charset="0"/>
+              </a:rPr>
+              <a:t>)   := </a:t>
+            </a:r>
+            <a:r>
+              <a:rPr lang="en-US" altLang="zh-CN" sz="1400" dirty="0" err="1">
+                <a:latin typeface="Consolas" panose="020B0609020204030204" pitchFamily="49" charset="0"/>
+              </a:rPr>
+              <a:t>DontCare</a:t>
+            </a:r>
+            <a:r>
+              <a:rPr lang="en-US" altLang="zh-CN" sz="1400" dirty="0">
+                <a:latin typeface="Consolas" panose="020B0609020204030204" pitchFamily="49" charset="0"/>
+              </a:rPr>
+              <a:t>//</a:t>
+            </a:r>
+            <a:r>
+              <a:rPr lang="en-US" altLang="zh-CN" sz="1400" dirty="0" err="1">
+                <a:latin typeface="Consolas" panose="020B0609020204030204" pitchFamily="49" charset="0"/>
+              </a:rPr>
+              <a:t>VecInit</a:t>
+            </a:r>
+            <a:r>
+              <a:rPr lang="en-US" altLang="zh-CN" sz="1400" dirty="0">
+                <a:latin typeface="Consolas" panose="020B0609020204030204" pitchFamily="49" charset="0"/>
+              </a:rPr>
+              <a:t>(</a:t>
+            </a:r>
+            <a:r>
+              <a:rPr lang="en-US" altLang="zh-CN" sz="1400" dirty="0" err="1">
+                <a:latin typeface="Consolas" panose="020B0609020204030204" pitchFamily="49" charset="0"/>
+              </a:rPr>
+              <a:t>Seq.fill</a:t>
+            </a:r>
+            <a:r>
+              <a:rPr lang="en-US" altLang="zh-CN" sz="1400" dirty="0">
+                <a:latin typeface="Consolas" panose="020B0609020204030204" pitchFamily="49" charset="0"/>
+              </a:rPr>
+              <a:t>(10)(</a:t>
+            </a:r>
+            <a:r>
+              <a:rPr lang="en-US" altLang="zh-CN" sz="1400" dirty="0" err="1">
+                <a:latin typeface="Consolas" panose="020B0609020204030204" pitchFamily="49" charset="0"/>
+              </a:rPr>
+              <a:t>false.B</a:t>
+            </a:r>
+            <a:r>
+              <a:rPr lang="en-US" altLang="zh-CN" sz="1400" dirty="0">
+                <a:latin typeface="Consolas" panose="020B0609020204030204" pitchFamily="49" charset="0"/>
+              </a:rPr>
+              <a:t>))</a:t>
+            </a:r>
+          </a:p>
+          <a:p>
+            <a:endParaRPr lang="en-US" altLang="zh-CN" sz="1400" dirty="0" smtClean="0">
+              <a:latin typeface="Consolas" panose="020B0609020204030204" pitchFamily="49" charset="0"/>
+            </a:endParaRPr>
+          </a:p>
+          <a:p>
+            <a:r>
+              <a:rPr lang="en-US" altLang="zh-CN" sz="1400" dirty="0" smtClean="0">
+                <a:latin typeface="Consolas" panose="020B0609020204030204" pitchFamily="49" charset="0"/>
+              </a:rPr>
+              <a:t>    // </a:t>
+            </a:r>
+            <a:r>
+              <a:rPr lang="zh-CN" altLang="en-US" sz="1400" dirty="0" smtClean="0">
+                <a:latin typeface="Consolas" panose="020B0609020204030204" pitchFamily="49" charset="0"/>
+              </a:rPr>
+              <a:t>填充</a:t>
+            </a:r>
+            <a:r>
+              <a:rPr lang="en-US" altLang="zh-CN" sz="1400" dirty="0" smtClean="0">
+                <a:latin typeface="Consolas" panose="020B0609020204030204" pitchFamily="49" charset="0"/>
+              </a:rPr>
+              <a:t>PD</a:t>
+            </a:r>
+            <a:r>
+              <a:rPr lang="en-US" altLang="zh-CN" sz="1400" dirty="0">
+                <a:latin typeface="Consolas" panose="020B0609020204030204" pitchFamily="49" charset="0"/>
+              </a:rPr>
+              <a:t/>
+            </a:r>
+            <a:br>
+              <a:rPr lang="en-US" altLang="zh-CN" sz="1400" dirty="0">
+                <a:latin typeface="Consolas" panose="020B0609020204030204" pitchFamily="49" charset="0"/>
+              </a:rPr>
+            </a:br>
+            <a:r>
+              <a:rPr lang="en-US" altLang="zh-CN" sz="1400" dirty="0">
+                <a:latin typeface="Consolas" panose="020B0609020204030204" pitchFamily="49" charset="0"/>
+              </a:rPr>
+              <a:t>    </a:t>
+            </a:r>
+            <a:r>
+              <a:rPr lang="en-US" altLang="zh-CN" sz="1400" dirty="0" err="1">
+                <a:latin typeface="Consolas" panose="020B0609020204030204" pitchFamily="49" charset="0"/>
+              </a:rPr>
+              <a:t>io.out.pd</a:t>
+            </a:r>
+            <a:r>
+              <a:rPr lang="en-US" altLang="zh-CN" sz="1400" dirty="0">
+                <a:latin typeface="Consolas" panose="020B0609020204030204" pitchFamily="49" charset="0"/>
+              </a:rPr>
+              <a:t>(</a:t>
+            </a:r>
+            <a:r>
+              <a:rPr lang="en-US" altLang="zh-CN" sz="1400" dirty="0" err="1">
+                <a:latin typeface="Consolas" panose="020B0609020204030204" pitchFamily="49" charset="0"/>
+              </a:rPr>
+              <a:t>i</a:t>
+            </a:r>
+            <a:r>
+              <a:rPr lang="en-US" altLang="zh-CN" sz="1400" dirty="0">
+                <a:latin typeface="Consolas" panose="020B0609020204030204" pitchFamily="49" charset="0"/>
+              </a:rPr>
+              <a:t>).valid         := </a:t>
+            </a:r>
+            <a:r>
+              <a:rPr lang="en-US" altLang="zh-CN" sz="1400" dirty="0" err="1">
+                <a:latin typeface="Consolas" panose="020B0609020204030204" pitchFamily="49" charset="0"/>
+              </a:rPr>
+              <a:t>validStart</a:t>
+            </a:r>
+            <a:r>
+              <a:rPr lang="en-US" altLang="zh-CN" sz="1400" dirty="0">
+                <a:latin typeface="Consolas" panose="020B0609020204030204" pitchFamily="49" charset="0"/>
+              </a:rPr>
+              <a:t>(</a:t>
+            </a:r>
+            <a:r>
+              <a:rPr lang="en-US" altLang="zh-CN" sz="1400" dirty="0" err="1">
+                <a:latin typeface="Consolas" panose="020B0609020204030204" pitchFamily="49" charset="0"/>
+              </a:rPr>
+              <a:t>i</a:t>
+            </a:r>
+            <a:r>
+              <a:rPr lang="en-US" altLang="zh-CN" sz="1400" dirty="0">
+                <a:latin typeface="Consolas" panose="020B0609020204030204" pitchFamily="49" charset="0"/>
+              </a:rPr>
+              <a:t>)</a:t>
+            </a:r>
+          </a:p>
+          <a:p>
+            <a:r>
+              <a:rPr lang="en-US" altLang="zh-CN" sz="1400" dirty="0">
+                <a:latin typeface="Consolas" panose="020B0609020204030204" pitchFamily="49" charset="0"/>
+              </a:rPr>
+              <a:t>   </a:t>
+            </a:r>
+            <a:r>
+              <a:rPr lang="zh-CN" altLang="en-US" sz="1400" dirty="0">
+                <a:latin typeface="Consolas" panose="020B0609020204030204" pitchFamily="49" charset="0"/>
+              </a:rPr>
+              <a:t> </a:t>
+            </a:r>
+            <a:r>
+              <a:rPr lang="en-US" altLang="zh-CN" sz="1400" dirty="0" smtClean="0">
+                <a:latin typeface="Consolas" panose="020B0609020204030204" pitchFamily="49" charset="0"/>
+              </a:rPr>
+              <a:t>…</a:t>
+            </a:r>
+          </a:p>
+          <a:p>
+            <a:r>
+              <a:rPr lang="en-US" altLang="zh-CN" sz="1400" dirty="0">
+                <a:latin typeface="Consolas" panose="020B0609020204030204" pitchFamily="49" charset="0"/>
+              </a:rPr>
+              <a:t/>
+            </a:r>
+            <a:br>
+              <a:rPr lang="en-US" altLang="zh-CN" sz="1400" dirty="0">
+                <a:latin typeface="Consolas" panose="020B0609020204030204" pitchFamily="49" charset="0"/>
+              </a:rPr>
+            </a:br>
+            <a:r>
+              <a:rPr lang="en-US" altLang="zh-CN" sz="1400" dirty="0">
+                <a:latin typeface="Consolas" panose="020B0609020204030204" pitchFamily="49" charset="0"/>
+              </a:rPr>
+              <a:t>    </a:t>
+            </a:r>
+            <a:r>
+              <a:rPr lang="en-US" altLang="zh-CN" sz="1400" dirty="0" err="1">
+                <a:latin typeface="Consolas" panose="020B0609020204030204" pitchFamily="49" charset="0"/>
+              </a:rPr>
+              <a:t>io.out.expInstr</a:t>
+            </a:r>
+            <a:r>
+              <a:rPr lang="en-US" altLang="zh-CN" sz="1400" dirty="0">
+                <a:latin typeface="Consolas" panose="020B0609020204030204" pitchFamily="49" charset="0"/>
+              </a:rPr>
+              <a:t>(</a:t>
+            </a:r>
+            <a:r>
+              <a:rPr lang="en-US" altLang="zh-CN" sz="1400" dirty="0" err="1">
+                <a:latin typeface="Consolas" panose="020B0609020204030204" pitchFamily="49" charset="0"/>
+              </a:rPr>
+              <a:t>i</a:t>
+            </a:r>
+            <a:r>
+              <a:rPr lang="en-US" altLang="zh-CN" sz="1400" dirty="0">
+                <a:latin typeface="Consolas" panose="020B0609020204030204" pitchFamily="49" charset="0"/>
+              </a:rPr>
+              <a:t>)         := </a:t>
+            </a:r>
+            <a:r>
+              <a:rPr lang="en-US" altLang="zh-CN" sz="1400" dirty="0" err="1">
+                <a:latin typeface="Consolas" panose="020B0609020204030204" pitchFamily="49" charset="0"/>
+              </a:rPr>
+              <a:t>expander.io.out.bits</a:t>
+            </a:r>
+            <a:endParaRPr lang="en-US" altLang="zh-CN" sz="1400" dirty="0">
+              <a:latin typeface="Consolas" panose="020B0609020204030204" pitchFamily="49" charset="0"/>
+            </a:endParaRPr>
+          </a:p>
+          <a:p>
+            <a:r>
+              <a:rPr lang="en-US" altLang="zh-CN" sz="1400" dirty="0">
+                <a:latin typeface="Consolas" panose="020B0609020204030204" pitchFamily="49" charset="0"/>
+              </a:rPr>
+              <a:t>    </a:t>
+            </a:r>
+            <a:r>
+              <a:rPr lang="en-US" altLang="zh-CN" sz="1400" dirty="0" err="1">
+                <a:latin typeface="Consolas" panose="020B0609020204030204" pitchFamily="49" charset="0"/>
+              </a:rPr>
+              <a:t>io.out.jumpOffset</a:t>
+            </a:r>
+            <a:r>
+              <a:rPr lang="en-US" altLang="zh-CN" sz="1400" dirty="0">
+                <a:latin typeface="Consolas" panose="020B0609020204030204" pitchFamily="49" charset="0"/>
+              </a:rPr>
+              <a:t>(</a:t>
+            </a:r>
+            <a:r>
+              <a:rPr lang="en-US" altLang="zh-CN" sz="1400" dirty="0" err="1">
+                <a:latin typeface="Consolas" panose="020B0609020204030204" pitchFamily="49" charset="0"/>
+              </a:rPr>
+              <a:t>i</a:t>
+            </a:r>
+            <a:r>
+              <a:rPr lang="en-US" altLang="zh-CN" sz="1400" dirty="0">
+                <a:latin typeface="Consolas" panose="020B0609020204030204" pitchFamily="49" charset="0"/>
+              </a:rPr>
+              <a:t>)       := Mux(</a:t>
+            </a:r>
+            <a:r>
+              <a:rPr lang="en-US" altLang="zh-CN" sz="1400" dirty="0" err="1">
+                <a:latin typeface="Consolas" panose="020B0609020204030204" pitchFamily="49" charset="0"/>
+              </a:rPr>
+              <a:t>io.out.pd</a:t>
+            </a:r>
+            <a:r>
+              <a:rPr lang="en-US" altLang="zh-CN" sz="1400" dirty="0">
+                <a:latin typeface="Consolas" panose="020B0609020204030204" pitchFamily="49" charset="0"/>
+              </a:rPr>
+              <a:t>(</a:t>
+            </a:r>
+            <a:r>
+              <a:rPr lang="en-US" altLang="zh-CN" sz="1400" dirty="0" err="1">
+                <a:latin typeface="Consolas" panose="020B0609020204030204" pitchFamily="49" charset="0"/>
+              </a:rPr>
+              <a:t>i</a:t>
+            </a:r>
+            <a:r>
+              <a:rPr lang="en-US" altLang="zh-CN" sz="1400" dirty="0">
+                <a:latin typeface="Consolas" panose="020B0609020204030204" pitchFamily="49" charset="0"/>
+              </a:rPr>
+              <a:t>).</a:t>
+            </a:r>
+            <a:r>
+              <a:rPr lang="en-US" altLang="zh-CN" sz="1400" dirty="0" err="1">
+                <a:latin typeface="Consolas" panose="020B0609020204030204" pitchFamily="49" charset="0"/>
+              </a:rPr>
+              <a:t>isBr</a:t>
+            </a:r>
+            <a:r>
+              <a:rPr lang="en-US" altLang="zh-CN" sz="1400" dirty="0">
+                <a:latin typeface="Consolas" panose="020B0609020204030204" pitchFamily="49" charset="0"/>
+              </a:rPr>
+              <a:t>, </a:t>
+            </a:r>
+            <a:r>
+              <a:rPr lang="en-US" altLang="zh-CN" sz="1400" dirty="0" err="1">
+                <a:latin typeface="Consolas" panose="020B0609020204030204" pitchFamily="49" charset="0"/>
+              </a:rPr>
+              <a:t>brOffset</a:t>
+            </a:r>
+            <a:r>
+              <a:rPr lang="en-US" altLang="zh-CN" sz="1400" dirty="0">
+                <a:latin typeface="Consolas" panose="020B0609020204030204" pitchFamily="49" charset="0"/>
+              </a:rPr>
+              <a:t>, </a:t>
+            </a:r>
+            <a:r>
+              <a:rPr lang="en-US" altLang="zh-CN" sz="1400" dirty="0" err="1">
+                <a:latin typeface="Consolas" panose="020B0609020204030204" pitchFamily="49" charset="0"/>
+              </a:rPr>
+              <a:t>jalOffset</a:t>
+            </a:r>
+            <a:r>
+              <a:rPr lang="en-US" altLang="zh-CN" sz="1400" dirty="0">
+                <a:latin typeface="Consolas" panose="020B0609020204030204" pitchFamily="49" charset="0"/>
+              </a:rPr>
+              <a:t>)</a:t>
+            </a:r>
+            <a:endParaRPr lang="en-US" altLang="zh-CN" sz="1400" b="0" dirty="0">
+              <a:effectLst/>
+              <a:latin typeface="Consolas" panose="020B0609020204030204" pitchFamily="49" charset="0"/>
+            </a:endParaRPr>
+          </a:p>
+        </p:txBody>
+      </p:sp>
+    </p:spTree>
+    <p:extLst>
+      <p:ext uri="{BB962C8B-B14F-4D97-AF65-F5344CB8AC3E}">
+        <p14:creationId xmlns:p14="http://schemas.microsoft.com/office/powerpoint/2010/main" val="1461786841"/>
+      </p:ext>
+    </p:extLst>
+  </p:cSld>
+  <p:clrMapOvr>
+    <a:masterClrMapping/>
+  </p:clrMapOvr>
+</p:sld>
+</file>
+
+<file path=ppt/slides/slide18.xml><?xml version="1.0" encoding="utf-8"?>
+<p:sld xmlns:a="http://schemas.openxmlformats.org/drawingml/2006/main" xmlns:r="http://schemas.openxmlformats.org/officeDocument/2006/relationships" xmlns:p="http://schemas.openxmlformats.org/presentationml/2006/main">
+  <p:cSld>
+    <p:spTree>
+      <p:nvGrpSpPr>
+        <p:cNvPr id="1" name=""/>
+        <p:cNvGrpSpPr/>
+        <p:nvPr/>
+      </p:nvGrpSpPr>
+      <p:grpSpPr>
+        <a:xfrm>
+          <a:off x="0" y="0"/>
+          <a:ext cx="0" cy="0"/>
+          <a:chOff x="0" y="0"/>
+          <a:chExt cx="0" cy="0"/>
+        </a:xfrm>
+      </p:grpSpPr>
+      <p:sp>
+        <p:nvSpPr>
+          <p:cNvPr id="2" name="标题 1"/>
+          <p:cNvSpPr>
+            <a:spLocks noGrp="1"/>
+          </p:cNvSpPr>
+          <p:nvPr>
+            <p:ph type="title"/>
+          </p:nvPr>
+        </p:nvSpPr>
+        <p:spPr/>
+        <p:txBody>
+          <a:bodyPr/>
+          <a:lstStyle/>
+          <a:p>
+            <a:r>
+              <a:rPr lang="en-US" altLang="zh-CN" dirty="0" smtClean="0">
+                <a:latin typeface="等线 Light" pitchFamily="2" charset="-122"/>
+                <a:ea typeface="等线 Light" pitchFamily="2" charset="-122"/>
+              </a:rPr>
+              <a:t>Predict checker</a:t>
+            </a:r>
+            <a:endParaRPr lang="zh-CN" altLang="en-US" dirty="0">
+              <a:latin typeface="等线 Light" pitchFamily="2" charset="-122"/>
+              <a:ea typeface="等线 Light" pitchFamily="2" charset="-122"/>
+            </a:endParaRPr>
+          </a:p>
+        </p:txBody>
+      </p:sp>
+      <p:sp>
+        <p:nvSpPr>
+          <p:cNvPr id="4" name="矩形 3"/>
+          <p:cNvSpPr/>
+          <p:nvPr/>
+        </p:nvSpPr>
+        <p:spPr>
+          <a:xfrm>
+            <a:off x="756692" y="1772816"/>
+            <a:ext cx="7848872" cy="2585323"/>
+          </a:xfrm>
+          <a:prstGeom prst="rect">
+            <a:avLst/>
+          </a:prstGeom>
+        </p:spPr>
+        <p:txBody>
+          <a:bodyPr wrap="square">
+            <a:spAutoFit/>
+          </a:bodyPr>
+          <a:lstStyle/>
+          <a:p>
+            <a:r>
+              <a:rPr lang="en-US" altLang="zh-CN" dirty="0"/>
+              <a:t>object </a:t>
+            </a:r>
+            <a:r>
+              <a:rPr lang="en-US" altLang="zh-CN" dirty="0" err="1"/>
+              <a:t>FaultType</a:t>
+            </a:r>
+            <a:r>
+              <a:rPr lang="en-US" altLang="zh-CN" dirty="0"/>
+              <a:t> {</a:t>
+            </a:r>
+          </a:p>
+          <a:p>
+            <a:r>
+              <a:rPr lang="en-US" altLang="zh-CN" dirty="0"/>
+              <a:t>  </a:t>
+            </a:r>
+            <a:r>
+              <a:rPr lang="en-US" altLang="zh-CN" dirty="0" err="1"/>
+              <a:t>def</a:t>
+            </a:r>
+            <a:r>
+              <a:rPr lang="en-US" altLang="zh-CN" dirty="0"/>
+              <a:t> </a:t>
+            </a:r>
+            <a:r>
+              <a:rPr lang="en-US" altLang="zh-CN" dirty="0" err="1"/>
+              <a:t>noFault</a:t>
+            </a:r>
+            <a:r>
+              <a:rPr lang="en-US" altLang="zh-CN" dirty="0"/>
+              <a:t>         = "b000".U</a:t>
+            </a:r>
+          </a:p>
+          <a:p>
+            <a:r>
+              <a:rPr lang="en-US" altLang="zh-CN" dirty="0"/>
+              <a:t>  </a:t>
+            </a:r>
+            <a:r>
+              <a:rPr lang="en-US" altLang="zh-CN" dirty="0" err="1"/>
+              <a:t>def</a:t>
+            </a:r>
+            <a:r>
+              <a:rPr lang="en-US" altLang="zh-CN" dirty="0"/>
+              <a:t> </a:t>
+            </a:r>
+            <a:r>
+              <a:rPr lang="en-US" altLang="zh-CN" dirty="0" err="1"/>
+              <a:t>jalFault</a:t>
+            </a:r>
+            <a:r>
+              <a:rPr lang="en-US" altLang="zh-CN" dirty="0"/>
+              <a:t>        = "b001".U    //not CFI taken or invalid instruction taken</a:t>
+            </a:r>
+          </a:p>
+          <a:p>
+            <a:r>
+              <a:rPr lang="en-US" altLang="zh-CN" dirty="0"/>
+              <a:t>  </a:t>
+            </a:r>
+            <a:r>
+              <a:rPr lang="en-US" altLang="zh-CN" dirty="0" err="1"/>
+              <a:t>def</a:t>
+            </a:r>
+            <a:r>
+              <a:rPr lang="en-US" altLang="zh-CN" dirty="0"/>
+              <a:t> </a:t>
+            </a:r>
+            <a:r>
+              <a:rPr lang="en-US" altLang="zh-CN" dirty="0" err="1"/>
+              <a:t>retFault</a:t>
+            </a:r>
+            <a:r>
+              <a:rPr lang="en-US" altLang="zh-CN" dirty="0"/>
+              <a:t>        = "b010".U    //not CFI taken or invalid instruction taken</a:t>
+            </a:r>
+          </a:p>
+          <a:p>
+            <a:r>
+              <a:rPr lang="en-US" altLang="zh-CN" dirty="0"/>
+              <a:t>  </a:t>
+            </a:r>
+            <a:r>
+              <a:rPr lang="en-US" altLang="zh-CN" dirty="0" err="1"/>
+              <a:t>def</a:t>
+            </a:r>
+            <a:r>
+              <a:rPr lang="en-US" altLang="zh-CN" dirty="0"/>
+              <a:t> </a:t>
+            </a:r>
+            <a:r>
+              <a:rPr lang="en-US" altLang="zh-CN" dirty="0" err="1"/>
+              <a:t>targetFault</a:t>
+            </a:r>
+            <a:r>
+              <a:rPr lang="en-US" altLang="zh-CN" dirty="0"/>
+              <a:t>     = "b011".U</a:t>
+            </a:r>
+          </a:p>
+          <a:p>
+            <a:r>
+              <a:rPr lang="en-US" altLang="zh-CN" dirty="0"/>
+              <a:t>  </a:t>
+            </a:r>
+            <a:r>
+              <a:rPr lang="en-US" altLang="zh-CN" dirty="0" err="1"/>
+              <a:t>def</a:t>
+            </a:r>
+            <a:r>
+              <a:rPr lang="en-US" altLang="zh-CN" dirty="0"/>
+              <a:t> </a:t>
+            </a:r>
+            <a:r>
+              <a:rPr lang="en-US" altLang="zh-CN" dirty="0" err="1"/>
+              <a:t>notCFIFault</a:t>
+            </a:r>
+            <a:r>
+              <a:rPr lang="en-US" altLang="zh-CN" dirty="0"/>
+              <a:t>    = "b100".U    //not CFI taken or invalid instruction taken</a:t>
+            </a:r>
+          </a:p>
+          <a:p>
+            <a:r>
+              <a:rPr lang="en-US" altLang="zh-CN" dirty="0"/>
+              <a:t>  </a:t>
+            </a:r>
+            <a:r>
+              <a:rPr lang="en-US" altLang="zh-CN" dirty="0" err="1"/>
+              <a:t>def</a:t>
+            </a:r>
+            <a:r>
+              <a:rPr lang="en-US" altLang="zh-CN" dirty="0"/>
+              <a:t> </a:t>
+            </a:r>
+            <a:r>
+              <a:rPr lang="en-US" altLang="zh-CN" dirty="0" err="1"/>
+              <a:t>invalidTaken</a:t>
+            </a:r>
+            <a:r>
+              <a:rPr lang="en-US" altLang="zh-CN" dirty="0"/>
+              <a:t>    = "b101".U</a:t>
+            </a:r>
+          </a:p>
+          <a:p>
+            <a:r>
+              <a:rPr lang="en-US" altLang="zh-CN" dirty="0"/>
+              <a:t>  </a:t>
+            </a:r>
+            <a:r>
+              <a:rPr lang="en-US" altLang="zh-CN" dirty="0" err="1"/>
+              <a:t>def</a:t>
+            </a:r>
+            <a:r>
+              <a:rPr lang="en-US" altLang="zh-CN" dirty="0"/>
+              <a:t> apply() = </a:t>
+            </a:r>
+            <a:r>
+              <a:rPr lang="en-US" altLang="zh-CN" dirty="0" err="1"/>
+              <a:t>UInt</a:t>
+            </a:r>
+            <a:r>
+              <a:rPr lang="en-US" altLang="zh-CN" dirty="0"/>
+              <a:t>(3.W)</a:t>
+            </a:r>
+          </a:p>
+          <a:p>
+            <a:r>
+              <a:rPr lang="en-US" altLang="zh-CN" dirty="0"/>
+              <a:t>}</a:t>
+            </a:r>
+          </a:p>
+        </p:txBody>
+      </p:sp>
+    </p:spTree>
+    <p:extLst>
+      <p:ext uri="{BB962C8B-B14F-4D97-AF65-F5344CB8AC3E}">
+        <p14:creationId xmlns:p14="http://schemas.microsoft.com/office/powerpoint/2010/main" val="294259271"/>
+      </p:ext>
+    </p:extLst>
+  </p:cSld>
+  <p:clrMapOvr>
+    <a:masterClrMapping/>
+  </p:clrMapOvr>
+</p:sld>
+</file>
+
+<file path=ppt/slides/slide19.xml><?xml version="1.0" encoding="utf-8"?>
+<p:sld xmlns:a="http://schemas.openxmlformats.org/drawingml/2006/main" xmlns:r="http://schemas.openxmlformats.org/officeDocument/2006/relationships" xmlns:p="http://schemas.openxmlformats.org/presentationml/2006/main">
+  <p:cSld>
+    <p:spTree>
+      <p:nvGrpSpPr>
+        <p:cNvPr id="1" name=""/>
+        <p:cNvGrpSpPr/>
+        <p:nvPr/>
+      </p:nvGrpSpPr>
+      <p:grpSpPr>
+        <a:xfrm>
+          <a:off x="0" y="0"/>
+          <a:ext cx="0" cy="0"/>
+          <a:chOff x="0" y="0"/>
+          <a:chExt cx="0" cy="0"/>
+        </a:xfrm>
+      </p:grpSpPr>
+      <p:sp>
+        <p:nvSpPr>
           <p:cNvPr id="4" name="矩形 3"/>
           <p:cNvSpPr/>
           <p:nvPr/>
@@ -3239,10 +8396,6 @@
               </a:rPr>
               <a:t>分支预测检查</a:t>
             </a:r>
-            <a:endParaRPr lang="zh-CN" altLang="en-US" sz="2800" dirty="0">
-              <a:latin typeface="等线 Light" pitchFamily="2" charset="-122"/>
-              <a:ea typeface="等线 Light" pitchFamily="2" charset="-122"/>
-            </a:endParaRPr>
           </a:p>
         </p:txBody>
       </p:sp>
@@ -3675,7 +8828,65 @@
 </p:sld>
 </file>
 
-<file path=ppt/slides/slide11.xml><?xml version="1.0" encoding="utf-8"?>
+<file path=ppt/slides/slide2.xml><?xml version="1.0" encoding="utf-8"?>
+<p:sld xmlns:a="http://schemas.openxmlformats.org/drawingml/2006/main" xmlns:r="http://schemas.openxmlformats.org/officeDocument/2006/relationships" xmlns:p="http://schemas.openxmlformats.org/presentationml/2006/main">
+  <p:cSld>
+    <p:spTree>
+      <p:nvGrpSpPr>
+        <p:cNvPr id="1" name=""/>
+        <p:cNvGrpSpPr/>
+        <p:nvPr/>
+      </p:nvGrpSpPr>
+      <p:grpSpPr>
+        <a:xfrm>
+          <a:off x="0" y="0"/>
+          <a:ext cx="0" cy="0"/>
+          <a:chOff x="0" y="0"/>
+          <a:chExt cx="0" cy="0"/>
+        </a:xfrm>
+      </p:grpSpPr>
+      <p:sp>
+        <p:nvSpPr>
+          <p:cNvPr id="3" name="标题 1"/>
+          <p:cNvSpPr>
+            <a:spLocks noGrp="1"/>
+          </p:cNvSpPr>
+          <p:nvPr>
+            <p:ph type="title"/>
+          </p:nvPr>
+        </p:nvSpPr>
+        <p:spPr>
+          <a:xfrm>
+            <a:off x="457200" y="274638"/>
+            <a:ext cx="8229600" cy="1143000"/>
+          </a:xfrm>
+        </p:spPr>
+        <p:txBody>
+          <a:bodyPr/>
+          <a:lstStyle/>
+          <a:p>
+            <a:r>
+              <a:rPr lang="en-US" altLang="zh-CN" dirty="0" smtClean="0"/>
+              <a:t>IFU</a:t>
+            </a:r>
+            <a:endParaRPr lang="zh-CN" altLang="en-US" dirty="0"/>
+          </a:p>
+        </p:txBody>
+      </p:sp>
+    </p:spTree>
+    <p:extLst>
+      <p:ext uri="{BB962C8B-B14F-4D97-AF65-F5344CB8AC3E}">
+        <p14:creationId xmlns:p14="http://schemas.microsoft.com/office/powerpoint/2010/main" val="207561937"/>
+      </p:ext>
+    </p:extLst>
+  </p:cSld>
+  <p:clrMapOvr>
+    <a:masterClrMapping/>
+  </p:clrMapOvr>
+</p:sld>
+</file>
+
+<file path=ppt/slides/slide20.xml><?xml version="1.0" encoding="utf-8"?>
 <p:sld xmlns:a="http://schemas.openxmlformats.org/drawingml/2006/main" xmlns:r="http://schemas.openxmlformats.org/officeDocument/2006/relationships" xmlns:p="http://schemas.openxmlformats.org/presentationml/2006/main">
   <p:cSld>
     <p:spTree>
@@ -3764,10 +8975,6 @@
               </a:rPr>
               <a:t>分支预测检查</a:t>
             </a:r>
-            <a:endParaRPr lang="zh-CN" altLang="en-US" sz="2800" dirty="0">
-              <a:latin typeface="等线 Light" pitchFamily="2" charset="-122"/>
-              <a:ea typeface="等线 Light" pitchFamily="2" charset="-122"/>
-            </a:endParaRPr>
           </a:p>
         </p:txBody>
       </p:sp>
@@ -3977,7 +9184,7 @@
 </p:sld>
 </file>
 
-<file path=ppt/slides/slide12.xml><?xml version="1.0" encoding="utf-8"?>
+<file path=ppt/slides/slide21.xml><?xml version="1.0" encoding="utf-8"?>
 <p:sld xmlns:a="http://schemas.openxmlformats.org/drawingml/2006/main" xmlns:r="http://schemas.openxmlformats.org/officeDocument/2006/relationships" xmlns:p="http://schemas.openxmlformats.org/presentationml/2006/main">
   <p:cSld>
     <p:spTree>
@@ -4069,10 +9276,6 @@
               </a:rPr>
               <a:t>分支预测检查</a:t>
             </a:r>
-            <a:endParaRPr lang="zh-CN" altLang="en-US" sz="2800" dirty="0">
-              <a:latin typeface="等线 Light" pitchFamily="2" charset="-122"/>
-              <a:ea typeface="等线 Light" pitchFamily="2" charset="-122"/>
-            </a:endParaRPr>
           </a:p>
         </p:txBody>
       </p:sp>
@@ -4278,7 +9481,86 @@
 </p:sld>
 </file>
 
-<file path=ppt/slides/slide2.xml><?xml version="1.0" encoding="utf-8"?>
+<file path=ppt/slides/slide22.xml><?xml version="1.0" encoding="utf-8"?>
+<p:sld xmlns:a="http://schemas.openxmlformats.org/drawingml/2006/main" xmlns:r="http://schemas.openxmlformats.org/officeDocument/2006/relationships" xmlns:p="http://schemas.openxmlformats.org/presentationml/2006/main">
+  <p:cSld>
+    <p:spTree>
+      <p:nvGrpSpPr>
+        <p:cNvPr id="1" name=""/>
+        <p:cNvGrpSpPr/>
+        <p:nvPr/>
+      </p:nvGrpSpPr>
+      <p:grpSpPr>
+        <a:xfrm>
+          <a:off x="0" y="0"/>
+          <a:ext cx="0" cy="0"/>
+          <a:chOff x="0" y="0"/>
+          <a:chExt cx="0" cy="0"/>
+        </a:xfrm>
+      </p:grpSpPr>
+      <p:sp>
+        <p:nvSpPr>
+          <p:cNvPr id="5" name="矩形 4"/>
+          <p:cNvSpPr/>
+          <p:nvPr/>
+        </p:nvSpPr>
+        <p:spPr>
+          <a:xfrm>
+            <a:off x="395536" y="882298"/>
+            <a:ext cx="3775393" cy="523220"/>
+          </a:xfrm>
+          <a:prstGeom prst="rect">
+            <a:avLst/>
+          </a:prstGeom>
+        </p:spPr>
+        <p:txBody>
+          <a:bodyPr wrap="none">
+            <a:spAutoFit/>
+          </a:bodyPr>
+          <a:lstStyle/>
+          <a:p>
+            <a:r>
+              <a:rPr lang="zh-CN" altLang="en-US" sz="2800" dirty="0" smtClean="0">
+                <a:latin typeface="等线 Light" pitchFamily="2" charset="-122"/>
+                <a:ea typeface="等线 Light" pitchFamily="2" charset="-122"/>
+              </a:rPr>
+              <a:t>前端</a:t>
+            </a:r>
+            <a:r>
+              <a:rPr lang="en-US" altLang="zh-CN" sz="2800" dirty="0" smtClean="0">
+                <a:latin typeface="等线 Light" pitchFamily="2" charset="-122"/>
+                <a:ea typeface="等线 Light" pitchFamily="2" charset="-122"/>
+              </a:rPr>
+              <a:t>Trigger</a:t>
+            </a:r>
+            <a:r>
+              <a:rPr lang="zh-CN" altLang="en-US" sz="2800" dirty="0" smtClean="0">
+                <a:latin typeface="等线 Light" pitchFamily="2" charset="-122"/>
+                <a:ea typeface="等线 Light" pitchFamily="2" charset="-122"/>
+              </a:rPr>
+              <a:t>：暂时未看</a:t>
+            </a:r>
+            <a:endParaRPr lang="en-US" altLang="zh-CN" sz="2800" dirty="0" smtClean="0">
+              <a:latin typeface="等线 Light" pitchFamily="2" charset="-122"/>
+              <a:ea typeface="等线 Light" pitchFamily="2" charset="-122"/>
+            </a:endParaRPr>
+          </a:p>
+        </p:txBody>
+      </p:sp>
+    </p:spTree>
+    <p:extLst>
+      <p:ext uri="{BB962C8B-B14F-4D97-AF65-F5344CB8AC3E}">
+        <p14:creationId xmlns:p14="http://schemas.microsoft.com/office/powerpoint/2010/main" val="2455196931"/>
+      </p:ext>
+    </p:extLst>
+  </p:cSld>
+  <p:clrMapOvr>
+    <a:masterClrMapping/>
+  </p:clrMapOvr>
+</p:sld>
+</file>
+
+<file path=ppt/slides/slide3.xml><?xml version="1.0" encoding="utf-8"?>
 <p:sld xmlns:a="http://schemas.openxmlformats.org/drawingml/2006/main" xmlns:r="http://schemas.openxmlformats.org/officeDocument/2006/relationships" xmlns:p="http://schemas.openxmlformats.org/presentationml/2006/main">
   <p:cSld>
     <p:spTree>
@@ -4340,249 +9622,6 @@
     <p:extLst>
       <p:ext uri="{BB962C8B-B14F-4D97-AF65-F5344CB8AC3E}">
         <p14:creationId xmlns:p14="http://schemas.microsoft.com/office/powerpoint/2010/main" val="4115563554"/>
-      </p:ext>
-    </p:extLst>
-  </p:cSld>
-  <p:clrMapOvr>
-    <a:masterClrMapping/>
-  </p:clrMapOvr>
-</p:sld>
-</file>
-
-<file path=ppt/slides/slide3.xml><?xml version="1.0" encoding="utf-8"?>
-<p:sld xmlns:a="http://schemas.openxmlformats.org/drawingml/2006/main" xmlns:r="http://schemas.openxmlformats.org/officeDocument/2006/relationships" xmlns:p="http://schemas.openxmlformats.org/presentationml/2006/main">
-  <p:cSld>
-    <p:spTree>
-      <p:nvGrpSpPr>
-        <p:cNvPr id="1" name=""/>
-        <p:cNvGrpSpPr/>
-        <p:nvPr/>
-      </p:nvGrpSpPr>
-      <p:grpSpPr>
-        <a:xfrm>
-          <a:off x="0" y="0"/>
-          <a:ext cx="0" cy="0"/>
-          <a:chOff x="0" y="0"/>
-          <a:chExt cx="0" cy="0"/>
-        </a:xfrm>
-      </p:grpSpPr>
-      <p:pic>
-        <p:nvPicPr>
-          <p:cNvPr id="2050" name="Picture 2" descr="ifu"/>
-          <p:cNvPicPr>
-            <a:picLocks noChangeAspect="1" noChangeArrowheads="1"/>
-          </p:cNvPicPr>
-          <p:nvPr/>
-        </p:nvPicPr>
-        <p:blipFill>
-          <a:blip r:embed="rId2" cstate="print">
-            <a:extLst>
-              <a:ext uri="{28A0092B-C50C-407E-A947-70E740481C1C}">
-                <a14:useLocalDpi xmlns:a14="http://schemas.microsoft.com/office/drawing/2010/main" val="0"/>
-              </a:ext>
-            </a:extLst>
-          </a:blip>
-          <a:srcRect/>
-          <a:stretch>
-            <a:fillRect/>
-          </a:stretch>
-        </p:blipFill>
-        <p:spPr bwMode="auto">
-          <a:xfrm>
-            <a:off x="1290092" y="353492"/>
-            <a:ext cx="6385820" cy="3677418"/>
-          </a:xfrm>
-          <a:prstGeom prst="rect">
-            <a:avLst/>
-          </a:prstGeom>
-          <a:noFill/>
-          <a:extLst>
-            <a:ext uri="{909E8E84-426E-40DD-AFC4-6F175D3DCCD1}">
-              <a14:hiddenFill xmlns:a14="http://schemas.microsoft.com/office/drawing/2010/main">
-                <a:solidFill>
-                  <a:srgbClr val="FFFFFF"/>
-                </a:solidFill>
-              </a14:hiddenFill>
-            </a:ext>
-          </a:extLst>
-        </p:spPr>
-      </p:pic>
-      <p:sp>
-        <p:nvSpPr>
-          <p:cNvPr id="2" name="矩形 1"/>
-          <p:cNvSpPr/>
-          <p:nvPr/>
-        </p:nvSpPr>
-        <p:spPr>
-          <a:xfrm>
-            <a:off x="539552" y="4581684"/>
-            <a:ext cx="8118648" cy="1477328"/>
-          </a:xfrm>
-          <a:prstGeom prst="rect">
-            <a:avLst/>
-          </a:prstGeom>
-        </p:spPr>
-        <p:txBody>
-          <a:bodyPr wrap="square">
-            <a:spAutoFit/>
-          </a:bodyPr>
-          <a:lstStyle/>
-          <a:p>
-            <a:r>
-              <a:rPr lang="zh-CN" altLang="en-US" dirty="0">
-                <a:latin typeface="等线 Light" pitchFamily="2" charset="-122"/>
-                <a:ea typeface="等线 Light" pitchFamily="2" charset="-122"/>
-              </a:rPr>
-              <a:t>从 </a:t>
-            </a:r>
-            <a:r>
-              <a:rPr lang="en-US" altLang="zh-CN" dirty="0">
-                <a:latin typeface="等线 Light" pitchFamily="2" charset="-122"/>
-                <a:ea typeface="等线 Light" pitchFamily="2" charset="-122"/>
-              </a:rPr>
-              <a:t>FTQ </a:t>
-            </a:r>
-            <a:r>
-              <a:rPr lang="zh-CN" altLang="en-US" dirty="0">
-                <a:latin typeface="等线 Light" pitchFamily="2" charset="-122"/>
-                <a:ea typeface="等线 Light" pitchFamily="2" charset="-122"/>
-              </a:rPr>
-              <a:t>发送过来的取指令请求包含了一个 </a:t>
-            </a:r>
-            <a:r>
-              <a:rPr lang="en-US" altLang="zh-CN" dirty="0">
-                <a:latin typeface="等线 Light" pitchFamily="2" charset="-122"/>
-                <a:ea typeface="等线 Light" pitchFamily="2" charset="-122"/>
-              </a:rPr>
-              <a:t>32 </a:t>
-            </a:r>
-            <a:r>
-              <a:rPr lang="en-US" altLang="zh-CN" dirty="0" smtClean="0">
-                <a:latin typeface="等线 Light" pitchFamily="2" charset="-122"/>
-                <a:ea typeface="等线 Light" pitchFamily="2" charset="-122"/>
-              </a:rPr>
-              <a:t>bytes (16 * 2) </a:t>
-            </a:r>
-            <a:r>
-              <a:rPr lang="zh-CN" altLang="en-US" dirty="0">
-                <a:latin typeface="等线 Light" pitchFamily="2" charset="-122"/>
-                <a:ea typeface="等线 Light" pitchFamily="2" charset="-122"/>
-              </a:rPr>
-              <a:t>指令码 （称为一个指令块 ） 的起始地址和下一个跳转目标的地址。</a:t>
-            </a:r>
-          </a:p>
-          <a:p>
-            <a:r>
-              <a:rPr lang="zh-CN" altLang="en-US" dirty="0">
-                <a:latin typeface="等线 Light" pitchFamily="2" charset="-122"/>
-                <a:ea typeface="等线 Light" pitchFamily="2" charset="-122"/>
-              </a:rPr>
-              <a:t>在 </a:t>
-            </a:r>
-            <a:r>
-              <a:rPr lang="en-US" altLang="zh-CN" dirty="0">
-                <a:latin typeface="等线 Light" pitchFamily="2" charset="-122"/>
-                <a:ea typeface="等线 Light" pitchFamily="2" charset="-122"/>
-              </a:rPr>
-              <a:t>IFU0 </a:t>
-            </a:r>
-            <a:r>
-              <a:rPr lang="zh-CN" altLang="en-US" dirty="0">
-                <a:latin typeface="等线 Light" pitchFamily="2" charset="-122"/>
-                <a:ea typeface="等线 Light" pitchFamily="2" charset="-122"/>
-              </a:rPr>
-              <a:t>阶段同时发送请求给 </a:t>
-            </a:r>
-            <a:r>
-              <a:rPr lang="en-US" altLang="zh-CN" dirty="0">
-                <a:latin typeface="等线 Light" pitchFamily="2" charset="-122"/>
-                <a:ea typeface="等线 Light" pitchFamily="2" charset="-122"/>
-              </a:rPr>
-              <a:t>IFU </a:t>
-            </a:r>
-            <a:r>
-              <a:rPr lang="zh-CN" altLang="en-US" dirty="0">
-                <a:latin typeface="等线 Light" pitchFamily="2" charset="-122"/>
-                <a:ea typeface="等线 Light" pitchFamily="2" charset="-122"/>
-              </a:rPr>
-              <a:t>流水线和 </a:t>
-            </a:r>
-            <a:r>
-              <a:rPr lang="en-US" altLang="zh-CN" dirty="0" err="1">
-                <a:latin typeface="等线 Light" pitchFamily="2" charset="-122"/>
-                <a:ea typeface="等线 Light" pitchFamily="2" charset="-122"/>
-              </a:rPr>
-              <a:t>ICache</a:t>
-            </a:r>
-            <a:r>
-              <a:rPr lang="en-US" altLang="zh-CN" dirty="0">
-                <a:latin typeface="等线 Light" pitchFamily="2" charset="-122"/>
-                <a:ea typeface="等线 Light" pitchFamily="2" charset="-122"/>
-              </a:rPr>
-              <a:t> </a:t>
-            </a:r>
-            <a:r>
-              <a:rPr lang="zh-CN" altLang="en-US" dirty="0">
-                <a:latin typeface="等线 Light" pitchFamily="2" charset="-122"/>
-                <a:ea typeface="等线 Light" pitchFamily="2" charset="-122"/>
-              </a:rPr>
-              <a:t>模块。</a:t>
-            </a:r>
-          </a:p>
-          <a:p>
-            <a:r>
-              <a:rPr lang="en-US" altLang="zh-CN" dirty="0">
-                <a:latin typeface="等线 Light" pitchFamily="2" charset="-122"/>
-                <a:ea typeface="等线 Light" pitchFamily="2" charset="-122"/>
-              </a:rPr>
-              <a:t>IF1 </a:t>
-            </a:r>
-            <a:r>
-              <a:rPr lang="zh-CN" altLang="en-US" dirty="0">
-                <a:latin typeface="等线 Light" pitchFamily="2" charset="-122"/>
-                <a:ea typeface="等线 Light" pitchFamily="2" charset="-122"/>
-              </a:rPr>
-              <a:t>阶段会做一些简单计算（例如这个指令块里每个 </a:t>
-            </a:r>
-            <a:r>
-              <a:rPr lang="en-US" altLang="zh-CN" dirty="0">
-                <a:latin typeface="等线 Light" pitchFamily="2" charset="-122"/>
-                <a:ea typeface="等线 Light" pitchFamily="2" charset="-122"/>
-              </a:rPr>
-              <a:t>2 bytes</a:t>
-            </a:r>
-            <a:r>
-              <a:rPr lang="zh-CN" altLang="en-US" dirty="0">
-                <a:latin typeface="等线 Light" pitchFamily="2" charset="-122"/>
-                <a:ea typeface="等线 Light" pitchFamily="2" charset="-122"/>
-              </a:rPr>
-              <a:t>， 即每一条可能的指令的 </a:t>
-            </a:r>
-            <a:r>
-              <a:rPr lang="en-US" altLang="zh-CN" dirty="0">
-                <a:latin typeface="等线 Light" pitchFamily="2" charset="-122"/>
-                <a:ea typeface="等线 Light" pitchFamily="2" charset="-122"/>
-              </a:rPr>
-              <a:t>PC </a:t>
-            </a:r>
-            <a:r>
-              <a:rPr lang="zh-CN" altLang="en-US" dirty="0">
-                <a:latin typeface="等线 Light" pitchFamily="2" charset="-122"/>
-                <a:ea typeface="等线 Light" pitchFamily="2" charset="-122"/>
-              </a:rPr>
-              <a:t>）。</a:t>
-            </a:r>
-            <a:endParaRPr lang="zh-CN" altLang="en-US" dirty="0">
-              <a:latin typeface="等线 Light" pitchFamily="2" charset="-122"/>
-              <a:ea typeface="等线 Light" pitchFamily="2" charset="-122"/>
-            </a:endParaRPr>
-          </a:p>
-        </p:txBody>
-      </p:sp>
-    </p:spTree>
-    <p:extLst>
-      <p:ext uri="{BB962C8B-B14F-4D97-AF65-F5344CB8AC3E}">
-        <p14:creationId xmlns:p14="http://schemas.microsoft.com/office/powerpoint/2010/main" val="3157653378"/>
       </p:ext>
     </p:extLst>
   </p:cSld>
@@ -4659,7 +9698,7 @@
         <p:spPr>
           <a:xfrm>
             <a:off x="539552" y="4581684"/>
-            <a:ext cx="8118648" cy="1200329"/>
+            <a:ext cx="8118648" cy="1477328"/>
           </a:xfrm>
           <a:prstGeom prst="rect">
             <a:avLst/>
@@ -4672,102 +9711,156 @@
           <a:lstStyle/>
           <a:p>
             <a:r>
+              <a:rPr lang="zh-CN" altLang="en-US" dirty="0">
+                <a:latin typeface="等线 Light" pitchFamily="2" charset="-122"/>
+                <a:ea typeface="等线 Light" pitchFamily="2" charset="-122"/>
+              </a:rPr>
+              <a:t>从 </a:t>
+            </a:r>
+            <a:r>
               <a:rPr lang="en-US" altLang="zh-CN" dirty="0">
                 <a:latin typeface="等线 Light" pitchFamily="2" charset="-122"/>
                 <a:ea typeface="等线 Light" pitchFamily="2" charset="-122"/>
               </a:rPr>
-              <a:t>IF2 </a:t>
+              <a:t>FTQ </a:t>
             </a:r>
             <a:r>
               <a:rPr lang="zh-CN" altLang="en-US" dirty="0">
                 <a:latin typeface="等线 Light" pitchFamily="2" charset="-122"/>
                 <a:ea typeface="等线 Light" pitchFamily="2" charset="-122"/>
               </a:rPr>
-              <a:t>阶段等到指令缓存返回最多两个 </a:t>
+              <a:t>发送过来的取指令请求包含了一个 </a:t>
             </a:r>
             <a:r>
               <a:rPr lang="en-US" altLang="zh-CN" dirty="0">
                 <a:latin typeface="等线 Light" pitchFamily="2" charset="-122"/>
                 <a:ea typeface="等线 Light" pitchFamily="2" charset="-122"/>
               </a:rPr>
-              <a:t>cache line </a:t>
+              <a:t>32 </a:t>
+            </a:r>
+            <a:r>
+              <a:rPr lang="en-US" altLang="zh-CN" dirty="0" smtClean="0">
+                <a:latin typeface="等线 Light" pitchFamily="2" charset="-122"/>
+                <a:ea typeface="等线 Light" pitchFamily="2" charset="-122"/>
+              </a:rPr>
+              <a:t>bytes (16 * 2) </a:t>
             </a:r>
             <a:r>
               <a:rPr lang="zh-CN" altLang="en-US" dirty="0">
                 <a:latin typeface="等线 Light" pitchFamily="2" charset="-122"/>
                 <a:ea typeface="等线 Light" pitchFamily="2" charset="-122"/>
               </a:rPr>
-              <a:t>的数据（因为可能存在这个 </a:t>
-            </a:r>
+              <a:t>指令码 （称为一个指令块 ） 的起始地址和下一个跳转目标的地址。</a:t>
+            </a:r>
+          </a:p>
+          <a:p>
             <a:r>
               <a:rPr lang="zh-CN" altLang="en-US" dirty="0">
                 <a:latin typeface="等线 Light" pitchFamily="2" charset="-122"/>
                 <a:ea typeface="等线 Light" pitchFamily="2" charset="-122"/>
-                <a:hlinkClick r:id="rId3"/>
-              </a:rPr>
-              <a:t>指令块 跨行</a:t>
+              </a:rPr>
+              <a:t>在 </a:t>
+            </a:r>
+            <a:r>
+              <a:rPr lang="en-US" altLang="zh-CN" dirty="0">
+                <a:latin typeface="等线 Light" pitchFamily="2" charset="-122"/>
+                <a:ea typeface="等线 Light" pitchFamily="2" charset="-122"/>
+              </a:rPr>
+              <a:t>IFU0 </a:t>
             </a:r>
             <a:r>
               <a:rPr lang="zh-CN" altLang="en-US" dirty="0">
                 <a:latin typeface="等线 Light" pitchFamily="2" charset="-122"/>
                 <a:ea typeface="等线 Light" pitchFamily="2" charset="-122"/>
               </a:rPr>
-              <a:t> 的情况）之后，第一步先做指令切分，将在取指令地址之外的指令码抛弃得到有效范围的指令码。送入预译码器进行</a:t>
+              <a:t>阶段同时发送请求给 </a:t>
+            </a:r>
+            <a:r>
+              <a:rPr lang="en-US" altLang="zh-CN" dirty="0">
+                <a:latin typeface="等线 Light" pitchFamily="2" charset="-122"/>
+                <a:ea typeface="等线 Light" pitchFamily="2" charset="-122"/>
+              </a:rPr>
+              <a:t>IFU </a:t>
             </a:r>
             <a:r>
               <a:rPr lang="zh-CN" altLang="en-US" dirty="0">
                 <a:latin typeface="等线 Light" pitchFamily="2" charset="-122"/>
                 <a:ea typeface="等线 Light" pitchFamily="2" charset="-122"/>
-                <a:hlinkClick r:id="rId4"/>
-              </a:rPr>
-              <a:t>预译码</a:t>
+              </a:rPr>
+              <a:t>流水线和 </a:t>
+            </a:r>
+            <a:r>
+              <a:rPr lang="en-US" altLang="zh-CN" dirty="0" err="1">
+                <a:latin typeface="等线 Light" pitchFamily="2" charset="-122"/>
+                <a:ea typeface="等线 Light" pitchFamily="2" charset="-122"/>
+              </a:rPr>
+              <a:t>ICache</a:t>
+            </a:r>
+            <a:r>
+              <a:rPr lang="en-US" altLang="zh-CN" dirty="0">
+                <a:latin typeface="等线 Light" pitchFamily="2" charset="-122"/>
+                <a:ea typeface="等线 Light" pitchFamily="2" charset="-122"/>
+              </a:rPr>
+              <a:t> </a:t>
             </a:r>
             <a:r>
               <a:rPr lang="zh-CN" altLang="en-US" dirty="0">
                 <a:latin typeface="等线 Light" pitchFamily="2" charset="-122"/>
                 <a:ea typeface="等线 Light" pitchFamily="2" charset="-122"/>
               </a:rPr>
-              <a:t>，同时将 </a:t>
-            </a:r>
+              <a:t>模块。</a:t>
+            </a:r>
+          </a:p>
+          <a:p>
             <a:r>
               <a:rPr lang="en-US" altLang="zh-CN" dirty="0">
                 <a:latin typeface="等线 Light" pitchFamily="2" charset="-122"/>
                 <a:ea typeface="等线 Light" pitchFamily="2" charset="-122"/>
               </a:rPr>
-              <a:t>16 bits </a:t>
+              <a:t>IF1 </a:t>
             </a:r>
             <a:r>
               <a:rPr lang="zh-CN" altLang="en-US" dirty="0">
                 <a:latin typeface="等线 Light" pitchFamily="2" charset="-122"/>
                 <a:ea typeface="等线 Light" pitchFamily="2" charset="-122"/>
               </a:rPr>
-              <a:t>的压缩指令扩展为 </a:t>
+              <a:t>阶段会做一些简单计算（例如这个指令块里每个 </a:t>
             </a:r>
             <a:r>
               <a:rPr lang="en-US" altLang="zh-CN" dirty="0">
                 <a:latin typeface="等线 Light" pitchFamily="2" charset="-122"/>
                 <a:ea typeface="等线 Light" pitchFamily="2" charset="-122"/>
               </a:rPr>
-              <a:t>32 bits </a:t>
+              <a:t>2 bytes</a:t>
             </a:r>
             <a:r>
               <a:rPr lang="zh-CN" altLang="en-US" dirty="0">
                 <a:latin typeface="等线 Light" pitchFamily="2" charset="-122"/>
                 <a:ea typeface="等线 Light" pitchFamily="2" charset="-122"/>
               </a:rPr>
-              <a:t>的指令。</a:t>
-            </a:r>
-            <a:endParaRPr lang="zh-CN" altLang="en-US" dirty="0">
-              <a:latin typeface="等线 Light" pitchFamily="2" charset="-122"/>
-              <a:ea typeface="等线 Light" pitchFamily="2" charset="-122"/>
-            </a:endParaRPr>
+              <a:t>， 即每一条可能的指令的 </a:t>
+            </a:r>
+            <a:r>
+              <a:rPr lang="en-US" altLang="zh-CN" dirty="0">
+                <a:latin typeface="等线 Light" pitchFamily="2" charset="-122"/>
+                <a:ea typeface="等线 Light" pitchFamily="2" charset="-122"/>
+              </a:rPr>
+              <a:t>PC </a:t>
+            </a:r>
+            <a:r>
+              <a:rPr lang="zh-CN" altLang="en-US" dirty="0">
+                <a:latin typeface="等线 Light" pitchFamily="2" charset="-122"/>
+                <a:ea typeface="等线 Light" pitchFamily="2" charset="-122"/>
+              </a:rPr>
+              <a:t>）。</a:t>
+            </a:r>
           </a:p>
         </p:txBody>
       </p:sp>
     </p:spTree>
     <p:extLst>
       <p:ext uri="{BB962C8B-B14F-4D97-AF65-F5344CB8AC3E}">
-        <p14:creationId xmlns:p14="http://schemas.microsoft.com/office/powerpoint/2010/main" val="2308452676"/>
+        <p14:creationId xmlns:p14="http://schemas.microsoft.com/office/powerpoint/2010/main" val="3157653378"/>
       </p:ext>
     </p:extLst>
   </p:cSld>
@@ -4844,6 +9937,187 @@
         <p:spPr>
           <a:xfrm>
             <a:off x="539552" y="4581684"/>
+            <a:ext cx="8118648" cy="1200329"/>
+          </a:xfrm>
+          <a:prstGeom prst="rect">
+            <a:avLst/>
+          </a:prstGeom>
+        </p:spPr>
+        <p:txBody>
+          <a:bodyPr wrap="square">
+            <a:spAutoFit/>
+          </a:bodyPr>
+          <a:lstStyle/>
+          <a:p>
+            <a:r>
+              <a:rPr lang="en-US" altLang="zh-CN" dirty="0">
+                <a:latin typeface="等线 Light" pitchFamily="2" charset="-122"/>
+                <a:ea typeface="等线 Light" pitchFamily="2" charset="-122"/>
+              </a:rPr>
+              <a:t>IF2 </a:t>
+            </a:r>
+            <a:r>
+              <a:rPr lang="zh-CN" altLang="en-US" dirty="0">
+                <a:latin typeface="等线 Light" pitchFamily="2" charset="-122"/>
+                <a:ea typeface="等线 Light" pitchFamily="2" charset="-122"/>
+              </a:rPr>
+              <a:t>阶段等到指令缓存返回最多两个 </a:t>
+            </a:r>
+            <a:r>
+              <a:rPr lang="en-US" altLang="zh-CN" dirty="0">
+                <a:latin typeface="等线 Light" pitchFamily="2" charset="-122"/>
+                <a:ea typeface="等线 Light" pitchFamily="2" charset="-122"/>
+              </a:rPr>
+              <a:t>cache line </a:t>
+            </a:r>
+            <a:r>
+              <a:rPr lang="zh-CN" altLang="en-US" dirty="0">
+                <a:latin typeface="等线 Light" pitchFamily="2" charset="-122"/>
+                <a:ea typeface="等线 Light" pitchFamily="2" charset="-122"/>
+              </a:rPr>
+              <a:t>的数据（因为可能存在这个 </a:t>
+            </a:r>
+            <a:r>
+              <a:rPr lang="zh-CN" altLang="en-US" dirty="0">
+                <a:latin typeface="等线 Light" pitchFamily="2" charset="-122"/>
+                <a:ea typeface="等线 Light" pitchFamily="2" charset="-122"/>
+                <a:hlinkClick r:id="rId3"/>
+              </a:rPr>
+              <a:t>指令块 跨行</a:t>
+            </a:r>
+            <a:r>
+              <a:rPr lang="zh-CN" altLang="en-US" dirty="0">
+                <a:latin typeface="等线 Light" pitchFamily="2" charset="-122"/>
+                <a:ea typeface="等线 Light" pitchFamily="2" charset="-122"/>
+              </a:rPr>
+              <a:t> 的情况）之后，第一步先做指令切分，将在取指令地址之外的指令码抛弃得到有效范围的指令码。送入预译码器进行</a:t>
+            </a:r>
+            <a:r>
+              <a:rPr lang="zh-CN" altLang="en-US" dirty="0">
+                <a:latin typeface="等线 Light" pitchFamily="2" charset="-122"/>
+                <a:ea typeface="等线 Light" pitchFamily="2" charset="-122"/>
+                <a:hlinkClick r:id="rId4"/>
+              </a:rPr>
+              <a:t>预译码</a:t>
+            </a:r>
+            <a:r>
+              <a:rPr lang="zh-CN" altLang="en-US" dirty="0">
+                <a:latin typeface="等线 Light" pitchFamily="2" charset="-122"/>
+                <a:ea typeface="等线 Light" pitchFamily="2" charset="-122"/>
+              </a:rPr>
+              <a:t>，同时将 </a:t>
+            </a:r>
+            <a:r>
+              <a:rPr lang="en-US" altLang="zh-CN" dirty="0">
+                <a:latin typeface="等线 Light" pitchFamily="2" charset="-122"/>
+                <a:ea typeface="等线 Light" pitchFamily="2" charset="-122"/>
+              </a:rPr>
+              <a:t>16 bits </a:t>
+            </a:r>
+            <a:r>
+              <a:rPr lang="zh-CN" altLang="en-US" dirty="0">
+                <a:latin typeface="等线 Light" pitchFamily="2" charset="-122"/>
+                <a:ea typeface="等线 Light" pitchFamily="2" charset="-122"/>
+              </a:rPr>
+              <a:t>的压缩指令扩展为 </a:t>
+            </a:r>
+            <a:r>
+              <a:rPr lang="en-US" altLang="zh-CN" dirty="0">
+                <a:latin typeface="等线 Light" pitchFamily="2" charset="-122"/>
+                <a:ea typeface="等线 Light" pitchFamily="2" charset="-122"/>
+              </a:rPr>
+              <a:t>32 bits </a:t>
+            </a:r>
+            <a:r>
+              <a:rPr lang="zh-CN" altLang="en-US" dirty="0">
+                <a:latin typeface="等线 Light" pitchFamily="2" charset="-122"/>
+                <a:ea typeface="等线 Light" pitchFamily="2" charset="-122"/>
+              </a:rPr>
+              <a:t>的指令。</a:t>
+            </a:r>
+          </a:p>
+        </p:txBody>
+      </p:sp>
+    </p:spTree>
+    <p:extLst>
+      <p:ext uri="{BB962C8B-B14F-4D97-AF65-F5344CB8AC3E}">
+        <p14:creationId xmlns:p14="http://schemas.microsoft.com/office/powerpoint/2010/main" val="2308452676"/>
+      </p:ext>
+    </p:extLst>
+  </p:cSld>
+  <p:clrMapOvr>
+    <a:masterClrMapping/>
+  </p:clrMapOvr>
+</p:sld>
+</file>
+
+<file path=ppt/slides/slide6.xml><?xml version="1.0" encoding="utf-8"?>
+<p:sld xmlns:a="http://schemas.openxmlformats.org/drawingml/2006/main" xmlns:r="http://schemas.openxmlformats.org/officeDocument/2006/relationships" xmlns:p="http://schemas.openxmlformats.org/presentationml/2006/main">
+  <p:cSld>
+    <p:spTree>
+      <p:nvGrpSpPr>
+        <p:cNvPr id="1" name=""/>
+        <p:cNvGrpSpPr/>
+        <p:nvPr/>
+      </p:nvGrpSpPr>
+      <p:grpSpPr>
+        <a:xfrm>
+          <a:off x="0" y="0"/>
+          <a:ext cx="0" cy="0"/>
+          <a:chOff x="0" y="0"/>
+          <a:chExt cx="0" cy="0"/>
+        </a:xfrm>
+      </p:grpSpPr>
+      <p:pic>
+        <p:nvPicPr>
+          <p:cNvPr id="2050" name="Picture 2" descr="ifu"/>
+          <p:cNvPicPr>
+            <a:picLocks noChangeAspect="1" noChangeArrowheads="1"/>
+          </p:cNvPicPr>
+          <p:nvPr/>
+        </p:nvPicPr>
+        <p:blipFill>
+          <a:blip r:embed="rId2" cstate="print">
+            <a:extLst>
+              <a:ext uri="{28A0092B-C50C-407E-A947-70E740481C1C}">
+                <a14:useLocalDpi xmlns:a14="http://schemas.microsoft.com/office/drawing/2010/main" val="0"/>
+              </a:ext>
+            </a:extLst>
+          </a:blip>
+          <a:srcRect/>
+          <a:stretch>
+            <a:fillRect/>
+          </a:stretch>
+        </p:blipFill>
+        <p:spPr bwMode="auto">
+          <a:xfrm>
+            <a:off x="1290092" y="353492"/>
+            <a:ext cx="6385820" cy="3677418"/>
+          </a:xfrm>
+          <a:prstGeom prst="rect">
+            <a:avLst/>
+          </a:prstGeom>
+          <a:noFill/>
+          <a:extLst>
+            <a:ext uri="{909E8E84-426E-40DD-AFC4-6F175D3DCCD1}">
+              <a14:hiddenFill xmlns:a14="http://schemas.microsoft.com/office/drawing/2010/main">
+                <a:solidFill>
+                  <a:srgbClr val="FFFFFF"/>
+                </a:solidFill>
+              </a14:hiddenFill>
+            </a:ext>
+          </a:extLst>
+        </p:spPr>
+      </p:pic>
+      <p:sp>
+        <p:nvSpPr>
+          <p:cNvPr id="2" name="矩形 1"/>
+          <p:cNvSpPr/>
+          <p:nvPr/>
+        </p:nvSpPr>
+        <p:spPr>
+          <a:xfrm>
+            <a:off x="539552" y="4581684"/>
             <a:ext cx="8118648" cy="2031325"/>
           </a:xfrm>
           <a:prstGeom prst="rect">
@@ -5049,7 +10323,7 @@
 </p:sld>
 </file>
 
-<file path=ppt/slides/slide6.xml><?xml version="1.0" encoding="utf-8"?>
+<file path=ppt/slides/slide7.xml><?xml version="1.0" encoding="utf-8"?>
 <p:sld xmlns:a="http://schemas.openxmlformats.org/drawingml/2006/main" xmlns:r="http://schemas.openxmlformats.org/officeDocument/2006/relationships" xmlns:p="http://schemas.openxmlformats.org/presentationml/2006/main">
   <p:cSld>
     <p:spTree>
@@ -5143,421 +10417,6 @@
 </p:sld>
 </file>
 
-<file path=ppt/slides/slide7.xml><?xml version="1.0" encoding="utf-8"?>
-<p:sld xmlns:a="http://schemas.openxmlformats.org/drawingml/2006/main" xmlns:r="http://schemas.openxmlformats.org/officeDocument/2006/relationships" xmlns:p="http://schemas.openxmlformats.org/presentationml/2006/main">
-  <p:cSld>
-    <p:spTree>
-      <p:nvGrpSpPr>
-        <p:cNvPr id="1" name=""/>
-        <p:cNvGrpSpPr/>
-        <p:nvPr/>
-      </p:nvGrpSpPr>
-      <p:grpSpPr>
-        <a:xfrm>
-          <a:off x="0" y="0"/>
-          <a:ext cx="0" cy="0"/>
-          <a:chOff x="0" y="0"/>
-          <a:chExt cx="0" cy="0"/>
-        </a:xfrm>
-      </p:grpSpPr>
-      <p:sp>
-        <p:nvSpPr>
-          <p:cNvPr id="2" name="标题 1"/>
-          <p:cNvSpPr>
-            <a:spLocks noGrp="1"/>
-          </p:cNvSpPr>
-          <p:nvPr>
-            <p:ph type="title"/>
-          </p:nvPr>
-        </p:nvSpPr>
-        <p:spPr>
-          <a:xfrm>
-            <a:off x="457200" y="274638"/>
-            <a:ext cx="8229600" cy="706090"/>
-          </a:xfrm>
-        </p:spPr>
-        <p:txBody>
-          <a:bodyPr>
-            <a:normAutofit/>
-          </a:bodyPr>
-          <a:lstStyle/>
-          <a:p>
-            <a:pPr algn="l"/>
-            <a:r>
-              <a:rPr lang="en-US" altLang="zh-CN" sz="3200" dirty="0" smtClean="0">
-                <a:latin typeface="等线 Light" pitchFamily="2" charset="-122"/>
-                <a:ea typeface="等线 Light" pitchFamily="2" charset="-122"/>
-              </a:rPr>
-              <a:t>RVC</a:t>
-            </a:r>
-            <a:r>
-              <a:rPr lang="zh-CN" altLang="en-US" sz="3200" dirty="0" smtClean="0">
-                <a:latin typeface="等线 Light" pitchFamily="2" charset="-122"/>
-                <a:ea typeface="等线 Light" pitchFamily="2" charset="-122"/>
-              </a:rPr>
-              <a:t>指令处理</a:t>
-            </a:r>
-            <a:endParaRPr lang="zh-CN" altLang="en-US" sz="3200" dirty="0">
-              <a:latin typeface="等线 Light" pitchFamily="2" charset="-122"/>
-              <a:ea typeface="等线 Light" pitchFamily="2" charset="-122"/>
-            </a:endParaRPr>
-          </a:p>
-        </p:txBody>
-      </p:sp>
-      <p:sp>
-        <p:nvSpPr>
-          <p:cNvPr id="4" name="矩形 3"/>
-          <p:cNvSpPr/>
-          <p:nvPr/>
-        </p:nvSpPr>
-        <p:spPr>
-          <a:xfrm>
-            <a:off x="539552" y="3138885"/>
-            <a:ext cx="6840760" cy="338554"/>
-          </a:xfrm>
-          <a:prstGeom prst="rect">
-            <a:avLst/>
-          </a:prstGeom>
-        </p:spPr>
-        <p:txBody>
-          <a:bodyPr wrap="square">
-            <a:spAutoFit/>
-          </a:bodyPr>
-          <a:lstStyle/>
-          <a:p>
-            <a:r>
-              <a:rPr lang="en-US" altLang="zh-CN" sz="1600" dirty="0" err="1"/>
-              <a:t>def</a:t>
-            </a:r>
-            <a:r>
-              <a:rPr lang="en-US" altLang="zh-CN" sz="1600" dirty="0"/>
-              <a:t> </a:t>
-            </a:r>
-            <a:r>
-              <a:rPr lang="en-US" altLang="zh-CN" sz="1600" dirty="0" err="1"/>
-              <a:t>isRVC</a:t>
-            </a:r>
-            <a:r>
-              <a:rPr lang="en-US" altLang="zh-CN" sz="1600" dirty="0"/>
-              <a:t>(</a:t>
-            </a:r>
-            <a:r>
-              <a:rPr lang="en-US" altLang="zh-CN" sz="1600" dirty="0" err="1"/>
-              <a:t>inst</a:t>
-            </a:r>
-            <a:r>
-              <a:rPr lang="en-US" altLang="zh-CN" sz="1600" dirty="0"/>
-              <a:t>: </a:t>
-            </a:r>
-            <a:r>
-              <a:rPr lang="en-US" altLang="zh-CN" sz="1600" dirty="0" err="1"/>
-              <a:t>UInt</a:t>
-            </a:r>
-            <a:r>
-              <a:rPr lang="en-US" altLang="zh-CN" sz="1600" dirty="0"/>
-              <a:t>) = (</a:t>
-            </a:r>
-            <a:r>
-              <a:rPr lang="en-US" altLang="zh-CN" sz="1600" dirty="0" err="1" smtClean="0"/>
-              <a:t>inst</a:t>
-            </a:r>
-            <a:r>
-              <a:rPr lang="en-US" altLang="zh-CN" sz="1600" dirty="0" smtClean="0"/>
-              <a:t>(1,0</a:t>
-            </a:r>
-            <a:r>
-              <a:rPr lang="en-US" altLang="zh-CN" sz="1600" dirty="0"/>
-              <a:t>) =/= 3.U</a:t>
-            </a:r>
-            <a:r>
-              <a:rPr lang="en-US" altLang="zh-CN" sz="1600" dirty="0" smtClean="0"/>
-              <a:t>)</a:t>
-            </a:r>
-            <a:endParaRPr lang="en-US" altLang="zh-CN" sz="1600" dirty="0"/>
-          </a:p>
-        </p:txBody>
-      </p:sp>
-      <p:pic>
-        <p:nvPicPr>
-          <p:cNvPr id="3074" name="Picture 2"/>
-          <p:cNvPicPr>
-            <a:picLocks noChangeAspect="1" noChangeArrowheads="1"/>
-          </p:cNvPicPr>
-          <p:nvPr/>
-        </p:nvPicPr>
-        <p:blipFill>
-          <a:blip r:embed="rId2">
-            <a:extLst>
-              <a:ext uri="{28A0092B-C50C-407E-A947-70E740481C1C}">
-                <a14:useLocalDpi xmlns:a14="http://schemas.microsoft.com/office/drawing/2010/main" val="0"/>
-              </a:ext>
-            </a:extLst>
-          </a:blip>
-          <a:srcRect/>
-          <a:stretch>
-            <a:fillRect/>
-          </a:stretch>
-        </p:blipFill>
-        <p:spPr bwMode="auto">
-          <a:xfrm>
-            <a:off x="454954" y="1052736"/>
-            <a:ext cx="7906667" cy="1942133"/>
-          </a:xfrm>
-          <a:prstGeom prst="rect">
-            <a:avLst/>
-          </a:prstGeom>
-          <a:noFill/>
-          <a:ln>
-            <a:noFill/>
-          </a:ln>
-          <a:effectLst/>
-          <a:extLst>
-            <a:ext uri="{909E8E84-426E-40DD-AFC4-6F175D3DCCD1}">
-              <a14:hiddenFill xmlns:a14="http://schemas.microsoft.com/office/drawing/2010/main">
-                <a:solidFill>
-                  <a:schemeClr val="accent1"/>
-                </a:solidFill>
-              </a14:hiddenFill>
-            </a:ext>
-            <a:ext uri="{91240B29-F687-4F45-9708-019B960494DF}">
-              <a14:hiddenLine xmlns:a14="http://schemas.microsoft.com/office/drawing/2010/main" w="9525">
-                <a:solidFill>
-                  <a:schemeClr val="tx1"/>
-                </a:solidFill>
-                <a:miter lim="800000"/>
-                <a:headEnd/>
-                <a:tailEnd/>
-              </a14:hiddenLine>
-            </a:ext>
-            <a:ext uri="{AF507438-7753-43E0-B8FC-AC1667EBCBE1}">
-              <a14:hiddenEffects xmlns:a14="http://schemas.microsoft.com/office/drawing/2010/main">
-                <a:effectLst>
-                  <a:outerShdw dist="35921" dir="2700000" algn="ctr" rotWithShape="0">
-                    <a:schemeClr val="bg2"/>
-                  </a:outerShdw>
-                </a:effectLst>
-              </a14:hiddenEffects>
-            </a:ext>
-          </a:extLst>
-        </p:spPr>
-      </p:pic>
-      <p:sp>
-        <p:nvSpPr>
-          <p:cNvPr id="5" name="矩形 4"/>
-          <p:cNvSpPr/>
-          <p:nvPr/>
-        </p:nvSpPr>
-        <p:spPr>
-          <a:xfrm>
-            <a:off x="454954" y="3645024"/>
-            <a:ext cx="8406680" cy="3108543"/>
-          </a:xfrm>
-          <a:prstGeom prst="rect">
-            <a:avLst/>
-          </a:prstGeom>
-        </p:spPr>
-        <p:txBody>
-          <a:bodyPr wrap="square">
-            <a:spAutoFit/>
-          </a:bodyPr>
-          <a:lstStyle/>
-          <a:p>
-            <a:r>
-              <a:rPr lang="en-US" altLang="zh-CN" sz="1600" dirty="0"/>
-              <a:t>class </a:t>
-            </a:r>
-            <a:r>
-              <a:rPr lang="en-US" altLang="zh-CN" sz="1600" dirty="0" err="1"/>
-              <a:t>RVCExpander</a:t>
-            </a:r>
-            <a:r>
-              <a:rPr lang="en-US" altLang="zh-CN" sz="1600" dirty="0"/>
-              <a:t>(implicit p: Parameters) extends </a:t>
-            </a:r>
-            <a:r>
-              <a:rPr lang="en-US" altLang="zh-CN" sz="1600" dirty="0" err="1"/>
-              <a:t>XSModule</a:t>
-            </a:r>
-            <a:r>
-              <a:rPr lang="en-US" altLang="zh-CN" sz="1600" dirty="0"/>
-              <a:t> {</a:t>
-            </a:r>
-          </a:p>
-          <a:p>
-            <a:r>
-              <a:rPr lang="en-US" altLang="zh-CN" sz="1600" dirty="0"/>
-              <a:t>  </a:t>
-            </a:r>
-            <a:r>
-              <a:rPr lang="en-US" altLang="zh-CN" sz="1600" dirty="0" err="1"/>
-              <a:t>val</a:t>
-            </a:r>
-            <a:r>
-              <a:rPr lang="en-US" altLang="zh-CN" sz="1600" dirty="0"/>
-              <a:t> </a:t>
-            </a:r>
-            <a:r>
-              <a:rPr lang="en-US" altLang="zh-CN" sz="1600" dirty="0" err="1"/>
-              <a:t>io</a:t>
-            </a:r>
-            <a:r>
-              <a:rPr lang="en-US" altLang="zh-CN" sz="1600" dirty="0"/>
-              <a:t> = IO(new Bundle {</a:t>
-            </a:r>
-          </a:p>
-          <a:p>
-            <a:r>
-              <a:rPr lang="en-US" altLang="zh-CN" sz="1600" dirty="0"/>
-              <a:t>    </a:t>
-            </a:r>
-            <a:r>
-              <a:rPr lang="en-US" altLang="zh-CN" sz="1600" dirty="0" err="1"/>
-              <a:t>val</a:t>
-            </a:r>
-            <a:r>
-              <a:rPr lang="en-US" altLang="zh-CN" sz="1600" dirty="0"/>
-              <a:t> in = Input(</a:t>
-            </a:r>
-            <a:r>
-              <a:rPr lang="en-US" altLang="zh-CN" sz="1600" dirty="0" err="1"/>
-              <a:t>UInt</a:t>
-            </a:r>
-            <a:r>
-              <a:rPr lang="en-US" altLang="zh-CN" sz="1600" dirty="0"/>
-              <a:t>(32.W))</a:t>
-            </a:r>
-          </a:p>
-          <a:p>
-            <a:r>
-              <a:rPr lang="en-US" altLang="zh-CN" sz="1600" dirty="0"/>
-              <a:t>    </a:t>
-            </a:r>
-            <a:r>
-              <a:rPr lang="en-US" altLang="zh-CN" sz="1600" dirty="0" err="1"/>
-              <a:t>val</a:t>
-            </a:r>
-            <a:r>
-              <a:rPr lang="en-US" altLang="zh-CN" sz="1600" dirty="0"/>
-              <a:t> out = Output(new </a:t>
-            </a:r>
-            <a:r>
-              <a:rPr lang="en-US" altLang="zh-CN" sz="1600" dirty="0" err="1"/>
-              <a:t>ExpandedInstruction</a:t>
-            </a:r>
-            <a:r>
-              <a:rPr lang="en-US" altLang="zh-CN" sz="1600" dirty="0"/>
-              <a:t>)</a:t>
-            </a:r>
-          </a:p>
-          <a:p>
-            <a:r>
-              <a:rPr lang="en-US" altLang="zh-CN" sz="1600" dirty="0"/>
-              <a:t>  })</a:t>
-            </a:r>
-          </a:p>
-          <a:p>
-            <a:r>
-              <a:rPr lang="en-US" altLang="zh-CN" sz="1600" dirty="0"/>
-              <a:t/>
-            </a:r>
-            <a:br>
-              <a:rPr lang="en-US" altLang="zh-CN" sz="1600" dirty="0"/>
-            </a:br>
-            <a:r>
-              <a:rPr lang="en-US" altLang="zh-CN" sz="1600" dirty="0"/>
-              <a:t>  if (</a:t>
-            </a:r>
-            <a:r>
-              <a:rPr lang="en-US" altLang="zh-CN" sz="1600" dirty="0" err="1"/>
-              <a:t>HasCExtension</a:t>
-            </a:r>
-            <a:r>
-              <a:rPr lang="en-US" altLang="zh-CN" sz="1600" dirty="0"/>
-              <a:t>) {</a:t>
-            </a:r>
-          </a:p>
-          <a:p>
-            <a:r>
-              <a:rPr lang="en-US" altLang="zh-CN" sz="1600" dirty="0"/>
-              <a:t>    </a:t>
-            </a:r>
-            <a:r>
-              <a:rPr lang="en-US" altLang="zh-CN" sz="1600" dirty="0" err="1"/>
-              <a:t>io.out</a:t>
-            </a:r>
-            <a:r>
-              <a:rPr lang="en-US" altLang="zh-CN" sz="1600" dirty="0"/>
-              <a:t> := new </a:t>
-            </a:r>
-            <a:r>
-              <a:rPr lang="en-US" altLang="zh-CN" sz="1600" dirty="0" err="1"/>
-              <a:t>RVCDecoder</a:t>
-            </a:r>
-            <a:r>
-              <a:rPr lang="en-US" altLang="zh-CN" sz="1600" dirty="0"/>
-              <a:t>(io.in, XLEN).decode</a:t>
-            </a:r>
-          </a:p>
-          <a:p>
-            <a:r>
-              <a:rPr lang="en-US" altLang="zh-CN" sz="1600" dirty="0"/>
-              <a:t>  } else {</a:t>
-            </a:r>
-          </a:p>
-          <a:p>
-            <a:r>
-              <a:rPr lang="en-US" altLang="zh-CN" sz="1600" dirty="0"/>
-              <a:t>    </a:t>
-            </a:r>
-            <a:r>
-              <a:rPr lang="en-US" altLang="zh-CN" sz="1600" dirty="0" err="1"/>
-              <a:t>io.out</a:t>
-            </a:r>
-            <a:r>
-              <a:rPr lang="en-US" altLang="zh-CN" sz="1600" dirty="0"/>
-              <a:t> := new </a:t>
-            </a:r>
-            <a:r>
-              <a:rPr lang="en-US" altLang="zh-CN" sz="1600" dirty="0" err="1"/>
-              <a:t>RVCDecoder</a:t>
-            </a:r>
-            <a:r>
-              <a:rPr lang="en-US" altLang="zh-CN" sz="1600" dirty="0"/>
-              <a:t>(io.in, XLEN).</a:t>
-            </a:r>
-            <a:r>
-              <a:rPr lang="en-US" altLang="zh-CN" sz="1600" dirty="0" err="1"/>
-              <a:t>passthrough</a:t>
-            </a:r>
-            <a:endParaRPr lang="en-US" altLang="zh-CN" sz="1600" dirty="0"/>
-          </a:p>
-          <a:p>
-            <a:r>
-              <a:rPr lang="en-US" altLang="zh-CN" sz="1600" dirty="0"/>
-              <a:t>  }</a:t>
-            </a:r>
-          </a:p>
-          <a:p>
-            <a:r>
-              <a:rPr lang="en-US" altLang="zh-CN" sz="1600" dirty="0"/>
-              <a:t>}</a:t>
-            </a:r>
-          </a:p>
-        </p:txBody>
-      </p:sp>
-    </p:spTree>
-    <p:extLst>
-      <p:ext uri="{BB962C8B-B14F-4D97-AF65-F5344CB8AC3E}">
-        <p14:creationId xmlns:p14="http://schemas.microsoft.com/office/powerpoint/2010/main" val="3983728922"/>
-      </p:ext>
-    </p:extLst>
-  </p:cSld>
-  <p:clrMapOvr>
-    <a:masterClrMapping/>
-  </p:clrMapOvr>
-</p:sld>
-</file>
-
 <file path=ppt/slides/slide8.xml><?xml version="1.0" encoding="utf-8"?>
 <p:sld xmlns:a="http://schemas.openxmlformats.org/drawingml/2006/main" xmlns:r="http://schemas.openxmlformats.org/officeDocument/2006/relationships" xmlns:p="http://schemas.openxmlformats.org/presentationml/2006/main">
   <p:cSld>
@@ -5591,200 +10450,36 @@
           <a:lstStyle/>
           <a:p>
             <a:r>
-              <a:rPr lang="en-US" altLang="zh-CN" dirty="0" err="1" smtClean="0">
-                <a:latin typeface="等线 Light" pitchFamily="2" charset="-122"/>
-                <a:ea typeface="等线 Light" pitchFamily="2" charset="-122"/>
-              </a:rPr>
-              <a:t>PreDecoder</a:t>
-            </a:r>
-            <a:r>
-              <a:rPr lang="zh-CN" altLang="en-US" dirty="0" smtClean="0">
-                <a:latin typeface="等线 Light" pitchFamily="2" charset="-122"/>
-                <a:ea typeface="等线 Light" pitchFamily="2" charset="-122"/>
-              </a:rPr>
-              <a:t>方法定义</a:t>
-            </a:r>
-            <a:endParaRPr lang="zh-CN" altLang="en-US" dirty="0">
-              <a:latin typeface="等线 Light" pitchFamily="2" charset="-122"/>
-              <a:ea typeface="等线 Light" pitchFamily="2" charset="-122"/>
-            </a:endParaRPr>
+              <a:rPr lang="en-US" altLang="zh-CN" dirty="0" smtClean="0"/>
+              <a:t>RISC-V Spec</a:t>
+            </a:r>
+            <a:endParaRPr lang="zh-CN" altLang="en-US" dirty="0"/>
           </a:p>
         </p:txBody>
       </p:sp>
       <p:sp>
         <p:nvSpPr>
-          <p:cNvPr id="4" name="矩形 3"/>
-          <p:cNvSpPr/>
-          <p:nvPr/>
+          <p:cNvPr id="3" name="内容占位符 2"/>
+          <p:cNvSpPr>
+            <a:spLocks noGrp="1"/>
+          </p:cNvSpPr>
+          <p:nvPr>
+            <p:ph idx="1"/>
+          </p:nvPr>
         </p:nvSpPr>
-        <p:spPr>
-          <a:xfrm>
-            <a:off x="987908" y="4149080"/>
-            <a:ext cx="6840760" cy="646331"/>
-          </a:xfrm>
-          <a:prstGeom prst="rect">
-            <a:avLst/>
-          </a:prstGeom>
-        </p:spPr>
+        <p:spPr/>
         <p:txBody>
-          <a:bodyPr wrap="square">
-            <a:spAutoFit/>
-          </a:bodyPr>
+          <a:bodyPr/>
           <a:lstStyle/>
           <a:p>
-            <a:r>
-              <a:rPr lang="en-US" altLang="zh-CN" dirty="0" err="1"/>
-              <a:t>def</a:t>
-            </a:r>
-            <a:r>
-              <a:rPr lang="en-US" altLang="zh-CN" dirty="0"/>
-              <a:t> </a:t>
-            </a:r>
-            <a:r>
-              <a:rPr lang="en-US" altLang="zh-CN" dirty="0" err="1"/>
-              <a:t>isRVC</a:t>
-            </a:r>
-            <a:r>
-              <a:rPr lang="en-US" altLang="zh-CN" dirty="0"/>
-              <a:t>(</a:t>
-            </a:r>
-            <a:r>
-              <a:rPr lang="en-US" altLang="zh-CN" dirty="0" err="1"/>
-              <a:t>inst</a:t>
-            </a:r>
-            <a:r>
-              <a:rPr lang="en-US" altLang="zh-CN" dirty="0"/>
-              <a:t>: </a:t>
-            </a:r>
-            <a:r>
-              <a:rPr lang="en-US" altLang="zh-CN" dirty="0" err="1"/>
-              <a:t>UInt</a:t>
-            </a:r>
-            <a:r>
-              <a:rPr lang="en-US" altLang="zh-CN" dirty="0"/>
-              <a:t>) = (</a:t>
-            </a:r>
-            <a:r>
-              <a:rPr lang="en-US" altLang="zh-CN" dirty="0" err="1"/>
-              <a:t>inst</a:t>
-            </a:r>
-            <a:r>
-              <a:rPr lang="en-US" altLang="zh-CN" dirty="0"/>
-              <a:t>(1,0) =/= 3.U)</a:t>
-            </a:r>
-          </a:p>
-          <a:p>
-            <a:r>
-              <a:rPr lang="en-US" altLang="zh-CN" dirty="0" err="1" smtClean="0"/>
-              <a:t>def</a:t>
-            </a:r>
-            <a:r>
-              <a:rPr lang="en-US" altLang="zh-CN" dirty="0" smtClean="0"/>
-              <a:t> </a:t>
-            </a:r>
-            <a:r>
-              <a:rPr lang="en-US" altLang="zh-CN" dirty="0" err="1"/>
-              <a:t>isLink</a:t>
-            </a:r>
-            <a:r>
-              <a:rPr lang="en-US" altLang="zh-CN" dirty="0"/>
-              <a:t>(</a:t>
-            </a:r>
-            <a:r>
-              <a:rPr lang="en-US" altLang="zh-CN" dirty="0" err="1"/>
-              <a:t>reg:UInt</a:t>
-            </a:r>
-            <a:r>
-              <a:rPr lang="en-US" altLang="zh-CN" dirty="0"/>
-              <a:t>) = </a:t>
-            </a:r>
-            <a:r>
-              <a:rPr lang="en-US" altLang="zh-CN" dirty="0" err="1"/>
-              <a:t>reg</a:t>
-            </a:r>
-            <a:r>
-              <a:rPr lang="en-US" altLang="zh-CN" dirty="0"/>
-              <a:t> === 1.U || </a:t>
-            </a:r>
-            <a:r>
-              <a:rPr lang="en-US" altLang="zh-CN" dirty="0" err="1"/>
-              <a:t>reg</a:t>
-            </a:r>
-            <a:r>
-              <a:rPr lang="en-US" altLang="zh-CN" dirty="0"/>
-              <a:t> === 5.U</a:t>
-            </a:r>
+            <a:endParaRPr lang="zh-CN" altLang="en-US"/>
           </a:p>
         </p:txBody>
       </p:sp>
-      <p:pic>
-        <p:nvPicPr>
-          <p:cNvPr id="3074" name="Picture 2"/>
-          <p:cNvPicPr>
-            <a:picLocks noChangeAspect="1" noChangeArrowheads="1"/>
-          </p:cNvPicPr>
-          <p:nvPr/>
-        </p:nvPicPr>
-        <p:blipFill>
-          <a:blip r:embed="rId2">
-            <a:extLst>
-              <a:ext uri="{28A0092B-C50C-407E-A947-70E740481C1C}">
-                <a14:useLocalDpi xmlns:a14="http://schemas.microsoft.com/office/drawing/2010/main" val="0"/>
-              </a:ext>
-            </a:extLst>
-          </a:blip>
-          <a:srcRect/>
-          <a:stretch>
-            <a:fillRect/>
-          </a:stretch>
-        </p:blipFill>
-        <p:spPr bwMode="auto">
-          <a:xfrm>
-            <a:off x="454954" y="1702890"/>
-            <a:ext cx="7906667" cy="1942133"/>
-          </a:xfrm>
-          <a:prstGeom prst="rect">
-            <a:avLst/>
-          </a:prstGeom>
-          <a:noFill/>
-          <a:ln>
-            <a:noFill/>
-          </a:ln>
-          <a:effectLst/>
-          <a:extLst>
-            <a:ext uri="{909E8E84-426E-40DD-AFC4-6F175D3DCCD1}">
-              <a14:hiddenFill xmlns:a14="http://schemas.microsoft.com/office/drawing/2010/main">
-                <a:solidFill>
-                  <a:schemeClr val="accent1"/>
-                </a:solidFill>
-              </a14:hiddenFill>
-            </a:ext>
-            <a:ext uri="{91240B29-F687-4F45-9708-019B960494DF}">
-              <a14:hiddenLine xmlns:a14="http://schemas.microsoft.com/office/drawing/2010/main" w="9525">
-                <a:solidFill>
-                  <a:schemeClr val="tx1"/>
-                </a:solidFill>
-                <a:miter lim="800000"/>
-                <a:headEnd/>
-                <a:tailEnd/>
-              </a14:hiddenLine>
-            </a:ext>
-            <a:ext uri="{AF507438-7753-43E0-B8FC-AC1667EBCBE1}">
-              <a14:hiddenEffects xmlns:a14="http://schemas.microsoft.com/office/drawing/2010/main">
-                <a:effectLst>
-                  <a:outerShdw dist="35921" dir="2700000" algn="ctr" rotWithShape="0">
-                    <a:schemeClr val="bg2"/>
-                  </a:outerShdw>
-                </a:effectLst>
-              </a14:hiddenEffects>
-            </a:ext>
-          </a:extLst>
-        </p:spPr>
-      </p:pic>
     </p:spTree>
     <p:extLst>
       <p:ext uri="{BB962C8B-B14F-4D97-AF65-F5344CB8AC3E}">
-        <p14:creationId xmlns:p14="http://schemas.microsoft.com/office/powerpoint/2010/main" val="3272056970"/>
+        <p14:creationId xmlns:p14="http://schemas.microsoft.com/office/powerpoint/2010/main" val="2396250424"/>
       </p:ext>
     </p:extLst>
   </p:cSld>
@@ -5811,9 +10506,35 @@
           <a:chExt cx="0" cy="0"/>
         </a:xfrm>
       </p:grpSpPr>
+      <p:pic>
+        <p:nvPicPr>
+          <p:cNvPr id="4" name="内容占位符 3"/>
+          <p:cNvPicPr>
+            <a:picLocks noGrp="1" noChangeAspect="1"/>
+          </p:cNvPicPr>
+          <p:nvPr>
+            <p:ph idx="1"/>
+          </p:nvPr>
+        </p:nvPicPr>
+        <p:blipFill>
+          <a:blip r:embed="rId2"/>
+          <a:stretch>
+            <a:fillRect/>
+          </a:stretch>
+        </p:blipFill>
+        <p:spPr>
+          <a:xfrm>
+            <a:off x="457200" y="980728"/>
+            <a:ext cx="7937220" cy="2719390"/>
+          </a:xfrm>
+          <a:prstGeom prst="rect">
+            <a:avLst/>
+          </a:prstGeom>
+        </p:spPr>
+      </p:pic>
       <p:sp>
         <p:nvSpPr>
-          <p:cNvPr id="2" name="标题 1"/>
+          <p:cNvPr id="5" name="标题 1"/>
           <p:cNvSpPr>
             <a:spLocks noGrp="1"/>
           </p:cNvSpPr>
@@ -5821,19 +10542,27 @@
             <p:ph type="title"/>
           </p:nvPr>
         </p:nvSpPr>
-        <p:spPr/>
+        <p:spPr>
+          <a:xfrm>
+            <a:off x="457200" y="274638"/>
+            <a:ext cx="8229600" cy="706090"/>
+          </a:xfrm>
+        </p:spPr>
         <p:txBody>
-          <a:bodyPr/>
+          <a:bodyPr>
+            <a:normAutofit/>
+          </a:bodyPr>
           <a:lstStyle/>
           <a:p>
-            <a:r>
-              <a:rPr lang="en-US" altLang="zh-CN" dirty="0" smtClean="0">
+            <a:pPr algn="l"/>
+            <a:r>
+              <a:rPr lang="en-US" altLang="zh-CN" sz="3200" dirty="0" smtClean="0">
                 <a:latin typeface="等线 Light" pitchFamily="2" charset="-122"/>
                 <a:ea typeface="等线 Light" pitchFamily="2" charset="-122"/>
               </a:rPr>
-              <a:t>Predict checker</a:t>
-            </a:r>
-            <a:endParaRPr lang="zh-CN" altLang="en-US" dirty="0">
+              <a:t>Instruction Types</a:t>
+            </a:r>
+            <a:endParaRPr lang="zh-CN" altLang="en-US" sz="3200" dirty="0">
               <a:latin typeface="等线 Light" pitchFamily="2" charset="-122"/>
               <a:ea typeface="等线 Light" pitchFamily="2" charset="-122"/>
             </a:endParaRPr>
@@ -5842,14 +10571,14 @@
       </p:sp>
       <p:sp>
         <p:nvSpPr>
-          <p:cNvPr id="4" name="矩形 3"/>
+          <p:cNvPr id="6" name="矩形 5"/>
           <p:cNvSpPr/>
           <p:nvPr/>
         </p:nvSpPr>
         <p:spPr>
           <a:xfrm>
-            <a:off x="756692" y="1772816"/>
-            <a:ext cx="7848872" cy="2585323"/>
+            <a:off x="457200" y="4036876"/>
+            <a:ext cx="8136904" cy="1754326"/>
           </a:xfrm>
           <a:prstGeom prst="rect">
             <a:avLst/>
@@ -5862,184 +10591,124 @@
           <a:lstStyle/>
           <a:p>
             <a:r>
-              <a:rPr lang="en-US" altLang="zh-CN" dirty="0"/>
-              <a:t>object </a:t>
-            </a:r>
-            <a:r>
-              <a:rPr lang="en-US" altLang="zh-CN" dirty="0" err="1"/>
-              <a:t>FaultType</a:t>
-            </a:r>
-            <a:r>
-              <a:rPr lang="en-US" altLang="zh-CN" dirty="0"/>
-              <a:t> {</a:t>
-            </a:r>
-          </a:p>
-          <a:p>
-            <a:r>
-              <a:rPr lang="en-US" altLang="zh-CN" dirty="0"/>
-              <a:t>  </a:t>
-            </a:r>
-            <a:r>
-              <a:rPr lang="en-US" altLang="zh-CN" dirty="0" err="1"/>
-              <a:t>def</a:t>
-            </a:r>
-            <a:r>
-              <a:rPr lang="en-US" altLang="zh-CN" dirty="0"/>
-              <a:t> </a:t>
-            </a:r>
-            <a:r>
-              <a:rPr lang="en-US" altLang="zh-CN" dirty="0" err="1"/>
-              <a:t>noFault</a:t>
-            </a:r>
-            <a:r>
-              <a:rPr lang="en-US" altLang="zh-CN" dirty="0"/>
-              <a:t>         = "b000".U</a:t>
-            </a:r>
-          </a:p>
-          <a:p>
-            <a:r>
-              <a:rPr lang="en-US" altLang="zh-CN" dirty="0"/>
-              <a:t>  </a:t>
-            </a:r>
-            <a:r>
-              <a:rPr lang="en-US" altLang="zh-CN" dirty="0" err="1"/>
-              <a:t>def</a:t>
-            </a:r>
-            <a:r>
-              <a:rPr lang="en-US" altLang="zh-CN" dirty="0"/>
-              <a:t> </a:t>
-            </a:r>
-            <a:r>
-              <a:rPr lang="en-US" altLang="zh-CN" dirty="0" err="1"/>
-              <a:t>jalFault</a:t>
-            </a:r>
-            <a:r>
-              <a:rPr lang="en-US" altLang="zh-CN" dirty="0"/>
-              <a:t>        = "b001".U    //not CFI taken or invalid instruction taken</a:t>
-            </a:r>
-          </a:p>
-          <a:p>
-            <a:r>
-              <a:rPr lang="en-US" altLang="zh-CN" dirty="0"/>
-              <a:t>  </a:t>
-            </a:r>
-            <a:r>
-              <a:rPr lang="en-US" altLang="zh-CN" dirty="0" err="1"/>
-              <a:t>def</a:t>
-            </a:r>
-            <a:r>
-              <a:rPr lang="en-US" altLang="zh-CN" dirty="0"/>
-              <a:t> </a:t>
-            </a:r>
-            <a:r>
-              <a:rPr lang="en-US" altLang="zh-CN" dirty="0" err="1"/>
-              <a:t>retFault</a:t>
-            </a:r>
-            <a:r>
-              <a:rPr lang="en-US" altLang="zh-CN" dirty="0"/>
-              <a:t>        = "b010".U    //not CFI taken or invalid instruction taken</a:t>
-            </a:r>
-          </a:p>
-          <a:p>
-            <a:r>
-              <a:rPr lang="en-US" altLang="zh-CN" dirty="0"/>
-              <a:t>  </a:t>
-            </a:r>
-            <a:r>
-              <a:rPr lang="en-US" altLang="zh-CN" dirty="0" err="1"/>
-              <a:t>def</a:t>
-            </a:r>
-            <a:r>
-              <a:rPr lang="en-US" altLang="zh-CN" dirty="0"/>
-              <a:t> </a:t>
-            </a:r>
-            <a:r>
-              <a:rPr lang="en-US" altLang="zh-CN" dirty="0" err="1"/>
-              <a:t>targetFault</a:t>
-            </a:r>
-            <a:r>
-              <a:rPr lang="en-US" altLang="zh-CN" dirty="0"/>
-              <a:t>     = "b011".U</a:t>
-            </a:r>
-          </a:p>
-          <a:p>
-            <a:r>
-              <a:rPr lang="en-US" altLang="zh-CN" dirty="0"/>
-              <a:t>  </a:t>
-            </a:r>
-            <a:r>
-              <a:rPr lang="en-US" altLang="zh-CN" dirty="0" err="1"/>
-              <a:t>def</a:t>
-            </a:r>
-            <a:r>
-              <a:rPr lang="en-US" altLang="zh-CN" dirty="0"/>
-              <a:t> </a:t>
-            </a:r>
-            <a:r>
-              <a:rPr lang="en-US" altLang="zh-CN" dirty="0" err="1"/>
-              <a:t>notCFIFault</a:t>
-            </a:r>
-            <a:r>
-              <a:rPr lang="en-US" altLang="zh-CN" dirty="0"/>
-              <a:t>    = "b100".U    //not CFI taken or invalid instruction taken</a:t>
-            </a:r>
-          </a:p>
-          <a:p>
-            <a:r>
-              <a:rPr lang="en-US" altLang="zh-CN" dirty="0"/>
-              <a:t>  </a:t>
-            </a:r>
-            <a:r>
-              <a:rPr lang="en-US" altLang="zh-CN" dirty="0" err="1"/>
-              <a:t>def</a:t>
-            </a:r>
-            <a:r>
-              <a:rPr lang="en-US" altLang="zh-CN" dirty="0"/>
-              <a:t> </a:t>
-            </a:r>
-            <a:r>
-              <a:rPr lang="en-US" altLang="zh-CN" dirty="0" err="1"/>
-              <a:t>invalidTaken</a:t>
-            </a:r>
-            <a:r>
-              <a:rPr lang="en-US" altLang="zh-CN" dirty="0"/>
-              <a:t>    = "b101".U</a:t>
-            </a:r>
-          </a:p>
-          <a:p>
-            <a:r>
-              <a:rPr lang="en-US" altLang="zh-CN" dirty="0"/>
-              <a:t>  </a:t>
-            </a:r>
-            <a:r>
-              <a:rPr lang="en-US" altLang="zh-CN" dirty="0" err="1"/>
-              <a:t>def</a:t>
-            </a:r>
-            <a:r>
-              <a:rPr lang="en-US" altLang="zh-CN" dirty="0"/>
-              <a:t> apply() = </a:t>
-            </a:r>
-            <a:r>
-              <a:rPr lang="en-US" altLang="zh-CN" dirty="0" err="1"/>
-              <a:t>UInt</a:t>
-            </a:r>
-            <a:r>
-              <a:rPr lang="en-US" altLang="zh-CN" dirty="0"/>
-              <a:t>(3.W)</a:t>
-            </a:r>
-          </a:p>
-          <a:p>
-            <a:r>
-              <a:rPr lang="en-US" altLang="zh-CN" dirty="0"/>
-              <a:t>}</a:t>
-            </a:r>
+              <a:rPr lang="en-US" altLang="zh-CN" dirty="0" smtClean="0">
+                <a:latin typeface="Consolas" panose="020B0609020204030204" pitchFamily="49" charset="0"/>
+              </a:rPr>
+              <a:t>R-type: </a:t>
+            </a:r>
+            <a:r>
+              <a:rPr lang="zh-CN" altLang="en-US" dirty="0" smtClean="0">
+                <a:latin typeface="Consolas" panose="020B0609020204030204" pitchFamily="49" charset="0"/>
+              </a:rPr>
+              <a:t>寄存器</a:t>
+            </a:r>
+            <a:r>
+              <a:rPr lang="en-US" altLang="zh-CN" dirty="0" smtClean="0">
+                <a:latin typeface="Consolas" panose="020B0609020204030204" pitchFamily="49" charset="0"/>
+              </a:rPr>
+              <a:t>-</a:t>
+            </a:r>
+            <a:r>
+              <a:rPr lang="zh-CN" altLang="en-US" dirty="0" smtClean="0">
+                <a:latin typeface="Consolas" panose="020B0609020204030204" pitchFamily="49" charset="0"/>
+              </a:rPr>
+              <a:t>寄存器操作</a:t>
+            </a:r>
+            <a:endParaRPr lang="en-US" altLang="zh-CN" dirty="0" smtClean="0">
+              <a:latin typeface="Consolas" panose="020B0609020204030204" pitchFamily="49" charset="0"/>
+            </a:endParaRPr>
+          </a:p>
+          <a:p>
+            <a:r>
+              <a:rPr lang="en-US" altLang="zh-CN" dirty="0" smtClean="0">
+                <a:latin typeface="Consolas" panose="020B0609020204030204" pitchFamily="49" charset="0"/>
+              </a:rPr>
+              <a:t>I-type: </a:t>
+            </a:r>
+            <a:r>
+              <a:rPr lang="zh-CN" altLang="en-US" dirty="0" smtClean="0">
+                <a:latin typeface="Consolas" panose="020B0609020204030204" pitchFamily="49" charset="0"/>
+              </a:rPr>
+              <a:t>短立即数及</a:t>
+            </a:r>
+            <a:r>
+              <a:rPr lang="en-US" altLang="zh-CN" dirty="0" smtClean="0">
+                <a:latin typeface="Consolas" panose="020B0609020204030204" pitchFamily="49" charset="0"/>
+              </a:rPr>
+              <a:t>Load</a:t>
+            </a:r>
+          </a:p>
+          <a:p>
+            <a:r>
+              <a:rPr lang="en-US" altLang="zh-CN" dirty="0">
+                <a:latin typeface="Consolas" panose="020B0609020204030204" pitchFamily="49" charset="0"/>
+              </a:rPr>
+              <a:t>S-type</a:t>
+            </a:r>
+            <a:r>
+              <a:rPr lang="en-US" altLang="zh-CN" dirty="0" smtClean="0">
+                <a:latin typeface="Consolas" panose="020B0609020204030204" pitchFamily="49" charset="0"/>
+              </a:rPr>
+              <a:t>: Store</a:t>
+            </a:r>
+          </a:p>
+          <a:p>
+            <a:r>
+              <a:rPr lang="en-US" altLang="zh-CN" dirty="0" smtClean="0">
+                <a:latin typeface="Consolas" panose="020B0609020204030204" pitchFamily="49" charset="0"/>
+              </a:rPr>
+              <a:t>B-type: </a:t>
+            </a:r>
+            <a:r>
+              <a:rPr lang="zh-CN" altLang="en-US" dirty="0" smtClean="0">
+                <a:latin typeface="Consolas" panose="020B0609020204030204" pitchFamily="49" charset="0"/>
+              </a:rPr>
+              <a:t>条件分支</a:t>
+            </a:r>
+            <a:endParaRPr lang="en-US" altLang="zh-CN" dirty="0" smtClean="0">
+              <a:latin typeface="Consolas" panose="020B0609020204030204" pitchFamily="49" charset="0"/>
+            </a:endParaRPr>
+          </a:p>
+          <a:p>
+            <a:r>
+              <a:rPr lang="en-US" altLang="zh-CN" dirty="0" smtClean="0">
+                <a:latin typeface="Consolas" panose="020B0609020204030204" pitchFamily="49" charset="0"/>
+              </a:rPr>
+              <a:t>U-type: </a:t>
+            </a:r>
+            <a:r>
+              <a:rPr lang="zh-CN" altLang="en-US" dirty="0" smtClean="0">
+                <a:latin typeface="Consolas" panose="020B0609020204030204" pitchFamily="49" charset="0"/>
+              </a:rPr>
+              <a:t>长立即数</a:t>
+            </a:r>
+            <a:endParaRPr lang="en-US" altLang="zh-CN" dirty="0" smtClean="0">
+              <a:latin typeface="Consolas" panose="020B0609020204030204" pitchFamily="49" charset="0"/>
+            </a:endParaRPr>
+          </a:p>
+          <a:p>
+            <a:r>
+              <a:rPr lang="en-US" altLang="zh-CN" dirty="0" smtClean="0">
+                <a:latin typeface="Consolas" panose="020B0609020204030204" pitchFamily="49" charset="0"/>
+              </a:rPr>
+              <a:t>J-type: </a:t>
+            </a:r>
+            <a:r>
+              <a:rPr lang="zh-CN" altLang="en-US" dirty="0" smtClean="0">
+                <a:latin typeface="Consolas" panose="020B0609020204030204" pitchFamily="49" charset="0"/>
+              </a:rPr>
+              <a:t>无条件跳转指令</a:t>
+            </a:r>
+            <a:endParaRPr lang="en-US" altLang="zh-CN" dirty="0">
+              <a:latin typeface="Consolas" panose="020B0609020204030204" pitchFamily="49" charset="0"/>
+            </a:endParaRPr>
           </a:p>
         </p:txBody>
       </p:sp>
     </p:spTree>
     <p:extLst>
       <p:ext uri="{BB962C8B-B14F-4D97-AF65-F5344CB8AC3E}">
-        <p14:creationId xmlns:p14="http://schemas.microsoft.com/office/powerpoint/2010/main" val="294259271"/>
+        <p14:creationId xmlns:p14="http://schemas.microsoft.com/office/powerpoint/2010/main" val="3871705896"/>
       </p:ext>
     </p:extLst>
   </p:cSld>
